--- a/Lecture Slides/VideoLectureSlides/5.1.pptx
+++ b/Lecture Slides/VideoLectureSlides/5.1.pptx
@@ -5,20 +5,22 @@
     <p:sldMasterId id="2147483660" r:id="rId4"/>
   </p:sldMasterIdLst>
   <p:notesMasterIdLst>
-    <p:notesMasterId r:id="rId16"/>
+    <p:notesMasterId r:id="rId18"/>
   </p:notesMasterIdLst>
   <p:sldIdLst>
     <p:sldId id="256" r:id="rId5"/>
     <p:sldId id="293" r:id="rId6"/>
     <p:sldId id="295" r:id="rId7"/>
-    <p:sldId id="296" r:id="rId8"/>
-    <p:sldId id="297" r:id="rId9"/>
-    <p:sldId id="298" r:id="rId10"/>
-    <p:sldId id="299" r:id="rId11"/>
-    <p:sldId id="300" r:id="rId12"/>
-    <p:sldId id="301" r:id="rId13"/>
-    <p:sldId id="302" r:id="rId14"/>
-    <p:sldId id="287" r:id="rId15"/>
+    <p:sldId id="330" r:id="rId8"/>
+    <p:sldId id="334" r:id="rId9"/>
+    <p:sldId id="296" r:id="rId10"/>
+    <p:sldId id="297" r:id="rId11"/>
+    <p:sldId id="298" r:id="rId12"/>
+    <p:sldId id="299" r:id="rId13"/>
+    <p:sldId id="300" r:id="rId14"/>
+    <p:sldId id="301" r:id="rId15"/>
+    <p:sldId id="302" r:id="rId16"/>
+    <p:sldId id="287" r:id="rId17"/>
   </p:sldIdLst>
   <p:sldSz cx="9144000" cy="6858000" type="screen4x3"/>
   <p:notesSz cx="6858000" cy="9144000"/>
@@ -714,7 +716,7 @@
           <a:p>
             <a:fld id="{1AA1AB63-216F-4D5B-8811-CCB935E98D4A}" type="datetimeFigureOut">
               <a:rPr lang="en-US" smtClean="0"/>
-              <a:t>10/22/2020</a:t>
+              <a:t>6/2/2023</a:t>
             </a:fld>
             <a:endParaRPr lang="en-US"/>
           </a:p>
@@ -4237,3035 +4239,6 @@
       </p:grpSpPr>
       <p:sp>
         <p:nvSpPr>
-          <p:cNvPr id="2" name="Title 1">
-            <a:extLst>
-              <a:ext uri="{FF2B5EF4-FFF2-40B4-BE49-F238E27FC236}">
-                <a16:creationId xmlns:a16="http://schemas.microsoft.com/office/drawing/2014/main" id="{FFCA34D8-4772-46AC-8945-059AA36DA3EC}"/>
-              </a:ext>
-            </a:extLst>
-          </p:cNvPr>
-          <p:cNvSpPr>
-            <a:spLocks noGrp="1"/>
-          </p:cNvSpPr>
-          <p:nvPr>
-            <p:ph type="title"/>
-          </p:nvPr>
-        </p:nvSpPr>
-        <p:spPr/>
-        <p:txBody>
-          <a:bodyPr>
-            <a:normAutofit/>
-          </a:bodyPr>
-          <a:lstStyle/>
-          <a:p>
-            <a:r>
-              <a:rPr lang="en-US" dirty="0"/>
-              <a:t>Methods for Analyzing Structures</a:t>
-            </a:r>
-          </a:p>
-        </p:txBody>
-      </p:sp>
-      <p:sp>
-        <p:nvSpPr>
-          <p:cNvPr id="3" name="Content Placeholder 2">
-            <a:extLst>
-              <a:ext uri="{FF2B5EF4-FFF2-40B4-BE49-F238E27FC236}">
-                <a16:creationId xmlns:a16="http://schemas.microsoft.com/office/drawing/2014/main" id="{C99C55A3-62BE-40C6-B473-94C02E21D020}"/>
-              </a:ext>
-            </a:extLst>
-          </p:cNvPr>
-          <p:cNvSpPr>
-            <a:spLocks noGrp="1"/>
-          </p:cNvSpPr>
-          <p:nvPr>
-            <p:ph idx="1"/>
-          </p:nvPr>
-        </p:nvSpPr>
-        <p:spPr/>
-        <p:txBody>
-          <a:bodyPr/>
-          <a:lstStyle/>
-          <a:p>
-            <a:r>
-              <a:rPr lang="en-US" dirty="0"/>
-              <a:t>Identify the type of Structure you have</a:t>
-            </a:r>
-          </a:p>
-          <a:p>
-            <a:pPr lvl="1"/>
-            <a:r>
-              <a:rPr lang="en-US" dirty="0"/>
-              <a:t>Trusses</a:t>
-            </a:r>
-          </a:p>
-          <a:p>
-            <a:pPr lvl="2"/>
-            <a:r>
-              <a:rPr lang="en-US" dirty="0"/>
-              <a:t>Method of Joints</a:t>
-            </a:r>
-          </a:p>
-          <a:p>
-            <a:pPr lvl="2"/>
-            <a:r>
-              <a:rPr lang="en-US" dirty="0"/>
-              <a:t>Method of Sections</a:t>
-            </a:r>
-          </a:p>
-          <a:p>
-            <a:pPr lvl="2"/>
-            <a:r>
-              <a:rPr lang="en-US" dirty="0"/>
-              <a:t>Hybrid of Joints and Sections</a:t>
-            </a:r>
-          </a:p>
-          <a:p>
-            <a:pPr lvl="1"/>
-            <a:r>
-              <a:rPr lang="en-US" dirty="0"/>
-              <a:t>Frames and Machines</a:t>
-            </a:r>
-          </a:p>
-          <a:p>
-            <a:pPr lvl="2"/>
-            <a:r>
-              <a:rPr lang="en-US" dirty="0"/>
-              <a:t>Analysis of Frames and Machines</a:t>
-            </a:r>
-          </a:p>
-          <a:p>
-            <a:pPr lvl="3"/>
-            <a:r>
-              <a:rPr lang="en-US" dirty="0"/>
-              <a:t>Relies heavily on Newton’s Third Law</a:t>
-            </a:r>
-          </a:p>
-          <a:p>
-            <a:pPr lvl="3"/>
-            <a:r>
-              <a:rPr lang="en-US" dirty="0"/>
-              <a:t>Still important to identify two force members</a:t>
-            </a:r>
-          </a:p>
-        </p:txBody>
-      </p:sp>
-      <p:sp>
-        <p:nvSpPr>
-          <p:cNvPr id="4" name="Slide Number Placeholder 3">
-            <a:extLst>
-              <a:ext uri="{FF2B5EF4-FFF2-40B4-BE49-F238E27FC236}">
-                <a16:creationId xmlns:a16="http://schemas.microsoft.com/office/drawing/2014/main" id="{58437221-756A-4764-8BC2-F217660EAD92}"/>
-              </a:ext>
-            </a:extLst>
-          </p:cNvPr>
-          <p:cNvSpPr>
-            <a:spLocks noGrp="1"/>
-          </p:cNvSpPr>
-          <p:nvPr>
-            <p:ph type="sldNum" sz="quarter" idx="12"/>
-          </p:nvPr>
-        </p:nvSpPr>
-        <p:spPr/>
-        <p:txBody>
-          <a:bodyPr/>
-          <a:lstStyle/>
-          <a:p>
-            <a:fld id="{929262FE-7F58-4A1E-8AF3-5A510A86DEBD}" type="slidenum">
-              <a:rPr lang="en-US" smtClean="0"/>
-              <a:t>10</a:t>
-            </a:fld>
-            <a:endParaRPr lang="en-US"/>
-          </a:p>
-        </p:txBody>
-      </p:sp>
-    </p:spTree>
-    <p:extLst>
-      <p:ext uri="{BB962C8B-B14F-4D97-AF65-F5344CB8AC3E}">
-        <p14:creationId xmlns:p14="http://schemas.microsoft.com/office/powerpoint/2010/main" val="2501368093"/>
-      </p:ext>
-    </p:extLst>
-  </p:cSld>
-  <p:clrMapOvr>
-    <a:masterClrMapping/>
-  </p:clrMapOvr>
-  <p:timing>
-    <p:tnLst>
-      <p:par>
-        <p:cTn id="1" dur="indefinite" restart="never" nodeType="tmRoot">
-          <p:childTnLst>
-            <p:seq concurrent="1" nextAc="seek">
-              <p:cTn id="2" dur="indefinite" nodeType="mainSeq">
-                <p:childTnLst>
-                  <p:par>
-                    <p:cTn id="3" fill="hold">
-                      <p:stCondLst>
-                        <p:cond delay="indefinite"/>
-                      </p:stCondLst>
-                      <p:childTnLst>
-                        <p:par>
-                          <p:cTn id="4" fill="hold">
-                            <p:stCondLst>
-                              <p:cond delay="0"/>
-                            </p:stCondLst>
-                            <p:childTnLst>
-                              <p:par>
-                                <p:cTn id="5" presetID="1" presetClass="entr" presetSubtype="0" fill="hold" grpId="0" nodeType="clickEffect">
-                                  <p:stCondLst>
-                                    <p:cond delay="0"/>
-                                  </p:stCondLst>
-                                  <p:childTnLst>
-                                    <p:set>
-                                      <p:cBhvr>
-                                        <p:cTn id="6" dur="1" fill="hold">
-                                          <p:stCondLst>
-                                            <p:cond delay="0"/>
-                                          </p:stCondLst>
-                                        </p:cTn>
-                                        <p:tgtEl>
-                                          <p:spTgt spid="3">
-                                            <p:txEl>
-                                              <p:pRg st="0" end="0"/>
-                                            </p:txEl>
-                                          </p:spTgt>
-                                        </p:tgtEl>
-                                        <p:attrNameLst>
-                                          <p:attrName>style.visibility</p:attrName>
-                                        </p:attrNameLst>
-                                      </p:cBhvr>
-                                      <p:to>
-                                        <p:strVal val="visible"/>
-                                      </p:to>
-                                    </p:set>
-                                  </p:childTnLst>
-                                </p:cTn>
-                              </p:par>
-                            </p:childTnLst>
-                          </p:cTn>
-                        </p:par>
-                      </p:childTnLst>
-                    </p:cTn>
-                  </p:par>
-                  <p:par>
-                    <p:cTn id="7" fill="hold">
-                      <p:stCondLst>
-                        <p:cond delay="indefinite"/>
-                      </p:stCondLst>
-                      <p:childTnLst>
-                        <p:par>
-                          <p:cTn id="8" fill="hold">
-                            <p:stCondLst>
-                              <p:cond delay="0"/>
-                            </p:stCondLst>
-                            <p:childTnLst>
-                              <p:par>
-                                <p:cTn id="9" presetID="1" presetClass="entr" presetSubtype="0" fill="hold" grpId="0" nodeType="clickEffect">
-                                  <p:stCondLst>
-                                    <p:cond delay="0"/>
-                                  </p:stCondLst>
-                                  <p:childTnLst>
-                                    <p:set>
-                                      <p:cBhvr>
-                                        <p:cTn id="10" dur="1" fill="hold">
-                                          <p:stCondLst>
-                                            <p:cond delay="0"/>
-                                          </p:stCondLst>
-                                        </p:cTn>
-                                        <p:tgtEl>
-                                          <p:spTgt spid="3">
-                                            <p:txEl>
-                                              <p:pRg st="1" end="1"/>
-                                            </p:txEl>
-                                          </p:spTgt>
-                                        </p:tgtEl>
-                                        <p:attrNameLst>
-                                          <p:attrName>style.visibility</p:attrName>
-                                        </p:attrNameLst>
-                                      </p:cBhvr>
-                                      <p:to>
-                                        <p:strVal val="visible"/>
-                                      </p:to>
-                                    </p:set>
-                                  </p:childTnLst>
-                                </p:cTn>
-                              </p:par>
-                            </p:childTnLst>
-                          </p:cTn>
-                        </p:par>
-                      </p:childTnLst>
-                    </p:cTn>
-                  </p:par>
-                  <p:par>
-                    <p:cTn id="11" fill="hold">
-                      <p:stCondLst>
-                        <p:cond delay="indefinite"/>
-                      </p:stCondLst>
-                      <p:childTnLst>
-                        <p:par>
-                          <p:cTn id="12" fill="hold">
-                            <p:stCondLst>
-                              <p:cond delay="0"/>
-                            </p:stCondLst>
-                            <p:childTnLst>
-                              <p:par>
-                                <p:cTn id="13" presetID="1" presetClass="entr" presetSubtype="0" fill="hold" grpId="0" nodeType="clickEffect">
-                                  <p:stCondLst>
-                                    <p:cond delay="0"/>
-                                  </p:stCondLst>
-                                  <p:childTnLst>
-                                    <p:set>
-                                      <p:cBhvr>
-                                        <p:cTn id="14" dur="1" fill="hold">
-                                          <p:stCondLst>
-                                            <p:cond delay="0"/>
-                                          </p:stCondLst>
-                                        </p:cTn>
-                                        <p:tgtEl>
-                                          <p:spTgt spid="3">
-                                            <p:txEl>
-                                              <p:pRg st="2" end="2"/>
-                                            </p:txEl>
-                                          </p:spTgt>
-                                        </p:tgtEl>
-                                        <p:attrNameLst>
-                                          <p:attrName>style.visibility</p:attrName>
-                                        </p:attrNameLst>
-                                      </p:cBhvr>
-                                      <p:to>
-                                        <p:strVal val="visible"/>
-                                      </p:to>
-                                    </p:set>
-                                  </p:childTnLst>
-                                </p:cTn>
-                              </p:par>
-                            </p:childTnLst>
-                          </p:cTn>
-                        </p:par>
-                      </p:childTnLst>
-                    </p:cTn>
-                  </p:par>
-                  <p:par>
-                    <p:cTn id="15" fill="hold">
-                      <p:stCondLst>
-                        <p:cond delay="indefinite"/>
-                      </p:stCondLst>
-                      <p:childTnLst>
-                        <p:par>
-                          <p:cTn id="16" fill="hold">
-                            <p:stCondLst>
-                              <p:cond delay="0"/>
-                            </p:stCondLst>
-                            <p:childTnLst>
-                              <p:par>
-                                <p:cTn id="17" presetID="1" presetClass="entr" presetSubtype="0" fill="hold" grpId="0" nodeType="clickEffect">
-                                  <p:stCondLst>
-                                    <p:cond delay="0"/>
-                                  </p:stCondLst>
-                                  <p:childTnLst>
-                                    <p:set>
-                                      <p:cBhvr>
-                                        <p:cTn id="18" dur="1" fill="hold">
-                                          <p:stCondLst>
-                                            <p:cond delay="0"/>
-                                          </p:stCondLst>
-                                        </p:cTn>
-                                        <p:tgtEl>
-                                          <p:spTgt spid="3">
-                                            <p:txEl>
-                                              <p:pRg st="3" end="3"/>
-                                            </p:txEl>
-                                          </p:spTgt>
-                                        </p:tgtEl>
-                                        <p:attrNameLst>
-                                          <p:attrName>style.visibility</p:attrName>
-                                        </p:attrNameLst>
-                                      </p:cBhvr>
-                                      <p:to>
-                                        <p:strVal val="visible"/>
-                                      </p:to>
-                                    </p:set>
-                                  </p:childTnLst>
-                                </p:cTn>
-                              </p:par>
-                            </p:childTnLst>
-                          </p:cTn>
-                        </p:par>
-                      </p:childTnLst>
-                    </p:cTn>
-                  </p:par>
-                  <p:par>
-                    <p:cTn id="19" fill="hold">
-                      <p:stCondLst>
-                        <p:cond delay="indefinite"/>
-                      </p:stCondLst>
-                      <p:childTnLst>
-                        <p:par>
-                          <p:cTn id="20" fill="hold">
-                            <p:stCondLst>
-                              <p:cond delay="0"/>
-                            </p:stCondLst>
-                            <p:childTnLst>
-                              <p:par>
-                                <p:cTn id="21" presetID="1" presetClass="entr" presetSubtype="0" fill="hold" grpId="0" nodeType="clickEffect">
-                                  <p:stCondLst>
-                                    <p:cond delay="0"/>
-                                  </p:stCondLst>
-                                  <p:childTnLst>
-                                    <p:set>
-                                      <p:cBhvr>
-                                        <p:cTn id="22" dur="1" fill="hold">
-                                          <p:stCondLst>
-                                            <p:cond delay="0"/>
-                                          </p:stCondLst>
-                                        </p:cTn>
-                                        <p:tgtEl>
-                                          <p:spTgt spid="3">
-                                            <p:txEl>
-                                              <p:pRg st="4" end="4"/>
-                                            </p:txEl>
-                                          </p:spTgt>
-                                        </p:tgtEl>
-                                        <p:attrNameLst>
-                                          <p:attrName>style.visibility</p:attrName>
-                                        </p:attrNameLst>
-                                      </p:cBhvr>
-                                      <p:to>
-                                        <p:strVal val="visible"/>
-                                      </p:to>
-                                    </p:set>
-                                  </p:childTnLst>
-                                </p:cTn>
-                              </p:par>
-                            </p:childTnLst>
-                          </p:cTn>
-                        </p:par>
-                      </p:childTnLst>
-                    </p:cTn>
-                  </p:par>
-                  <p:par>
-                    <p:cTn id="23" fill="hold">
-                      <p:stCondLst>
-                        <p:cond delay="indefinite"/>
-                      </p:stCondLst>
-                      <p:childTnLst>
-                        <p:par>
-                          <p:cTn id="24" fill="hold">
-                            <p:stCondLst>
-                              <p:cond delay="0"/>
-                            </p:stCondLst>
-                            <p:childTnLst>
-                              <p:par>
-                                <p:cTn id="25" presetID="1" presetClass="entr" presetSubtype="0" fill="hold" grpId="0" nodeType="clickEffect">
-                                  <p:stCondLst>
-                                    <p:cond delay="0"/>
-                                  </p:stCondLst>
-                                  <p:childTnLst>
-                                    <p:set>
-                                      <p:cBhvr>
-                                        <p:cTn id="26" dur="1" fill="hold">
-                                          <p:stCondLst>
-                                            <p:cond delay="0"/>
-                                          </p:stCondLst>
-                                        </p:cTn>
-                                        <p:tgtEl>
-                                          <p:spTgt spid="3">
-                                            <p:txEl>
-                                              <p:pRg st="5" end="5"/>
-                                            </p:txEl>
-                                          </p:spTgt>
-                                        </p:tgtEl>
-                                        <p:attrNameLst>
-                                          <p:attrName>style.visibility</p:attrName>
-                                        </p:attrNameLst>
-                                      </p:cBhvr>
-                                      <p:to>
-                                        <p:strVal val="visible"/>
-                                      </p:to>
-                                    </p:set>
-                                  </p:childTnLst>
-                                </p:cTn>
-                              </p:par>
-                            </p:childTnLst>
-                          </p:cTn>
-                        </p:par>
-                      </p:childTnLst>
-                    </p:cTn>
-                  </p:par>
-                  <p:par>
-                    <p:cTn id="27" fill="hold">
-                      <p:stCondLst>
-                        <p:cond delay="indefinite"/>
-                      </p:stCondLst>
-                      <p:childTnLst>
-                        <p:par>
-                          <p:cTn id="28" fill="hold">
-                            <p:stCondLst>
-                              <p:cond delay="0"/>
-                            </p:stCondLst>
-                            <p:childTnLst>
-                              <p:par>
-                                <p:cTn id="29" presetID="1" presetClass="entr" presetSubtype="0" fill="hold" grpId="0" nodeType="clickEffect">
-                                  <p:stCondLst>
-                                    <p:cond delay="0"/>
-                                  </p:stCondLst>
-                                  <p:childTnLst>
-                                    <p:set>
-                                      <p:cBhvr>
-                                        <p:cTn id="30" dur="1" fill="hold">
-                                          <p:stCondLst>
-                                            <p:cond delay="0"/>
-                                          </p:stCondLst>
-                                        </p:cTn>
-                                        <p:tgtEl>
-                                          <p:spTgt spid="3">
-                                            <p:txEl>
-                                              <p:pRg st="6" end="6"/>
-                                            </p:txEl>
-                                          </p:spTgt>
-                                        </p:tgtEl>
-                                        <p:attrNameLst>
-                                          <p:attrName>style.visibility</p:attrName>
-                                        </p:attrNameLst>
-                                      </p:cBhvr>
-                                      <p:to>
-                                        <p:strVal val="visible"/>
-                                      </p:to>
-                                    </p:set>
-                                  </p:childTnLst>
-                                </p:cTn>
-                              </p:par>
-                            </p:childTnLst>
-                          </p:cTn>
-                        </p:par>
-                      </p:childTnLst>
-                    </p:cTn>
-                  </p:par>
-                  <p:par>
-                    <p:cTn id="31" fill="hold">
-                      <p:stCondLst>
-                        <p:cond delay="indefinite"/>
-                      </p:stCondLst>
-                      <p:childTnLst>
-                        <p:par>
-                          <p:cTn id="32" fill="hold">
-                            <p:stCondLst>
-                              <p:cond delay="0"/>
-                            </p:stCondLst>
-                            <p:childTnLst>
-                              <p:par>
-                                <p:cTn id="33" presetID="1" presetClass="entr" presetSubtype="0" fill="hold" grpId="0" nodeType="clickEffect">
-                                  <p:stCondLst>
-                                    <p:cond delay="0"/>
-                                  </p:stCondLst>
-                                  <p:childTnLst>
-                                    <p:set>
-                                      <p:cBhvr>
-                                        <p:cTn id="34" dur="1" fill="hold">
-                                          <p:stCondLst>
-                                            <p:cond delay="0"/>
-                                          </p:stCondLst>
-                                        </p:cTn>
-                                        <p:tgtEl>
-                                          <p:spTgt spid="3">
-                                            <p:txEl>
-                                              <p:pRg st="7" end="7"/>
-                                            </p:txEl>
-                                          </p:spTgt>
-                                        </p:tgtEl>
-                                        <p:attrNameLst>
-                                          <p:attrName>style.visibility</p:attrName>
-                                        </p:attrNameLst>
-                                      </p:cBhvr>
-                                      <p:to>
-                                        <p:strVal val="visible"/>
-                                      </p:to>
-                                    </p:set>
-                                  </p:childTnLst>
-                                </p:cTn>
-                              </p:par>
-                              <p:par>
-                                <p:cTn id="35" presetID="1" presetClass="entr" presetSubtype="0" fill="hold" grpId="0" nodeType="withEffect">
-                                  <p:stCondLst>
-                                    <p:cond delay="0"/>
-                                  </p:stCondLst>
-                                  <p:childTnLst>
-                                    <p:set>
-                                      <p:cBhvr>
-                                        <p:cTn id="36" dur="1" fill="hold">
-                                          <p:stCondLst>
-                                            <p:cond delay="0"/>
-                                          </p:stCondLst>
-                                        </p:cTn>
-                                        <p:tgtEl>
-                                          <p:spTgt spid="3">
-                                            <p:txEl>
-                                              <p:pRg st="8" end="8"/>
-                                            </p:txEl>
-                                          </p:spTgt>
-                                        </p:tgtEl>
-                                        <p:attrNameLst>
-                                          <p:attrName>style.visibility</p:attrName>
-                                        </p:attrNameLst>
-                                      </p:cBhvr>
-                                      <p:to>
-                                        <p:strVal val="visible"/>
-                                      </p:to>
-                                    </p:set>
-                                  </p:childTnLst>
-                                </p:cTn>
-                              </p:par>
-                            </p:childTnLst>
-                          </p:cTn>
-                        </p:par>
-                      </p:childTnLst>
-                    </p:cTn>
-                  </p:par>
-                </p:childTnLst>
-              </p:cTn>
-              <p:prevCondLst>
-                <p:cond evt="onPrev" delay="0">
-                  <p:tgtEl>
-                    <p:sldTgt/>
-                  </p:tgtEl>
-                </p:cond>
-              </p:prevCondLst>
-              <p:nextCondLst>
-                <p:cond evt="onNext" delay="0">
-                  <p:tgtEl>
-                    <p:sldTgt/>
-                  </p:tgtEl>
-                </p:cond>
-              </p:nextCondLst>
-            </p:seq>
-          </p:childTnLst>
-        </p:cTn>
-      </p:par>
-    </p:tnLst>
-    <p:bldLst>
-      <p:bldP spid="3" grpId="0" build="p"/>
-    </p:bldLst>
-  </p:timing>
-</p:sld>
-</file>
-
-<file path=ppt/slides/slide11.xml><?xml version="1.0" encoding="utf-8"?>
-<p:sld xmlns:a="http://schemas.openxmlformats.org/drawingml/2006/main" xmlns:r="http://schemas.openxmlformats.org/officeDocument/2006/relationships" xmlns:p="http://schemas.openxmlformats.org/presentationml/2006/main">
-  <p:cSld>
-    <p:spTree>
-      <p:nvGrpSpPr>
-        <p:cNvPr id="1" name=""/>
-        <p:cNvGrpSpPr/>
-        <p:nvPr/>
-      </p:nvGrpSpPr>
-      <p:grpSpPr>
-        <a:xfrm>
-          <a:off x="0" y="0"/>
-          <a:ext cx="0" cy="0"/>
-          <a:chOff x="0" y="0"/>
-          <a:chExt cx="0" cy="0"/>
-        </a:xfrm>
-      </p:grpSpPr>
-      <p:sp>
-        <p:nvSpPr>
-          <p:cNvPr id="2" name="Title 1"/>
-          <p:cNvSpPr>
-            <a:spLocks noGrp="1"/>
-          </p:cNvSpPr>
-          <p:nvPr>
-            <p:ph type="ctrTitle"/>
-          </p:nvPr>
-        </p:nvSpPr>
-        <p:spPr/>
-        <p:txBody>
-          <a:bodyPr/>
-          <a:lstStyle/>
-          <a:p>
-            <a:r>
-              <a:rPr lang="en-US" dirty="0"/>
-              <a:t>Thanks for Watching</a:t>
-            </a:r>
-          </a:p>
-        </p:txBody>
-      </p:sp>
-      <p:sp>
-        <p:nvSpPr>
-          <p:cNvPr id="3" name="Subtitle 2"/>
-          <p:cNvSpPr>
-            <a:spLocks noGrp="1"/>
-          </p:cNvSpPr>
-          <p:nvPr>
-            <p:ph type="subTitle" idx="1"/>
-          </p:nvPr>
-        </p:nvSpPr>
-        <p:spPr/>
-        <p:txBody>
-          <a:bodyPr/>
-          <a:lstStyle/>
-          <a:p>
-            <a:r>
-              <a:rPr lang="en-US" dirty="0"/>
-              <a:t>See other engineering mechanics videos and access the full tool at…</a:t>
-            </a:r>
-          </a:p>
-        </p:txBody>
-      </p:sp>
-    </p:spTree>
-    <p:extLst>
-      <p:ext uri="{BB962C8B-B14F-4D97-AF65-F5344CB8AC3E}">
-        <p14:creationId xmlns:p14="http://schemas.microsoft.com/office/powerpoint/2010/main" val="3129637585"/>
-      </p:ext>
-    </p:extLst>
-  </p:cSld>
-  <p:clrMapOvr>
-    <a:masterClrMapping/>
-  </p:clrMapOvr>
-</p:sld>
-</file>
-
-<file path=ppt/slides/slide2.xml><?xml version="1.0" encoding="utf-8"?>
-<p:sld xmlns:a="http://schemas.openxmlformats.org/drawingml/2006/main" xmlns:r="http://schemas.openxmlformats.org/officeDocument/2006/relationships" xmlns:p="http://schemas.openxmlformats.org/presentationml/2006/main">
-  <p:cSld>
-    <p:spTree>
-      <p:nvGrpSpPr>
-        <p:cNvPr id="1" name=""/>
-        <p:cNvGrpSpPr/>
-        <p:nvPr/>
-      </p:nvGrpSpPr>
-      <p:grpSpPr>
-        <a:xfrm>
-          <a:off x="0" y="0"/>
-          <a:ext cx="0" cy="0"/>
-          <a:chOff x="0" y="0"/>
-          <a:chExt cx="0" cy="0"/>
-        </a:xfrm>
-      </p:grpSpPr>
-      <p:sp>
-        <p:nvSpPr>
-          <p:cNvPr id="2" name="Title 1"/>
-          <p:cNvSpPr>
-            <a:spLocks noGrp="1"/>
-          </p:cNvSpPr>
-          <p:nvPr>
-            <p:ph type="title"/>
-          </p:nvPr>
-        </p:nvSpPr>
-        <p:spPr/>
-        <p:txBody>
-          <a:bodyPr/>
-          <a:lstStyle/>
-          <a:p>
-            <a:r>
-              <a:rPr lang="en-US" dirty="0"/>
-              <a:t>What is a Structure?</a:t>
-            </a:r>
-          </a:p>
-        </p:txBody>
-      </p:sp>
-      <p:sp>
-        <p:nvSpPr>
-          <p:cNvPr id="3" name="Content Placeholder 2"/>
-          <p:cNvSpPr>
-            <a:spLocks noGrp="1"/>
-          </p:cNvSpPr>
-          <p:nvPr>
-            <p:ph idx="1"/>
-          </p:nvPr>
-        </p:nvSpPr>
-        <p:spPr/>
-        <p:txBody>
-          <a:bodyPr/>
-          <a:lstStyle/>
-          <a:p>
-            <a:r>
-              <a:rPr lang="en-US" dirty="0"/>
-              <a:t>A </a:t>
-            </a:r>
-            <a:r>
-              <a:rPr lang="en-US" b="1" dirty="0"/>
-              <a:t>structure</a:t>
-            </a:r>
-            <a:r>
-              <a:rPr lang="en-US" dirty="0"/>
-              <a:t> is any collection of connected bodies</a:t>
-            </a:r>
-          </a:p>
-        </p:txBody>
-      </p:sp>
-      <p:pic>
-        <p:nvPicPr>
-          <p:cNvPr id="1026" name="Picture 2"/>
-          <p:cNvPicPr>
-            <a:picLocks noChangeAspect="1" noChangeArrowheads="1"/>
-          </p:cNvPicPr>
-          <p:nvPr/>
-        </p:nvPicPr>
-        <p:blipFill>
-          <a:blip r:embed="rId2">
-            <a:extLst>
-              <a:ext uri="{28A0092B-C50C-407E-A947-70E740481C1C}">
-                <a14:useLocalDpi xmlns:a14="http://schemas.microsoft.com/office/drawing/2010/main" val="0"/>
-              </a:ext>
-            </a:extLst>
-          </a:blip>
-          <a:srcRect/>
-          <a:stretch>
-            <a:fillRect/>
-          </a:stretch>
-        </p:blipFill>
-        <p:spPr bwMode="auto">
-          <a:xfrm>
-            <a:off x="457200" y="2895600"/>
-            <a:ext cx="4800600" cy="3259123"/>
-          </a:xfrm>
-          <a:prstGeom prst="rect">
-            <a:avLst/>
-          </a:prstGeom>
-          <a:noFill/>
-          <a:ln>
-            <a:noFill/>
-          </a:ln>
-          <a:extLst>
-            <a:ext uri="{909E8E84-426E-40DD-AFC4-6F175D3DCCD1}">
-              <a14:hiddenFill xmlns:a14="http://schemas.microsoft.com/office/drawing/2010/main">
-                <a:solidFill>
-                  <a:schemeClr val="accent1"/>
-                </a:solidFill>
-              </a14:hiddenFill>
-            </a:ext>
-            <a:ext uri="{91240B29-F687-4F45-9708-019B960494DF}">
-              <a14:hiddenLine xmlns:a14="http://schemas.microsoft.com/office/drawing/2010/main" w="9525">
-                <a:solidFill>
-                  <a:schemeClr val="tx1"/>
-                </a:solidFill>
-                <a:miter lim="800000"/>
-                <a:headEnd/>
-                <a:tailEnd/>
-              </a14:hiddenLine>
-            </a:ext>
-          </a:extLst>
-        </p:spPr>
-      </p:pic>
-      <p:pic>
-        <p:nvPicPr>
-          <p:cNvPr id="1027" name="Picture 3"/>
-          <p:cNvPicPr>
-            <a:picLocks noChangeAspect="1" noChangeArrowheads="1"/>
-          </p:cNvPicPr>
-          <p:nvPr/>
-        </p:nvPicPr>
-        <p:blipFill>
-          <a:blip r:embed="rId3">
-            <a:extLst>
-              <a:ext uri="{28A0092B-C50C-407E-A947-70E740481C1C}">
-                <a14:useLocalDpi xmlns:a14="http://schemas.microsoft.com/office/drawing/2010/main" val="0"/>
-              </a:ext>
-            </a:extLst>
-          </a:blip>
-          <a:srcRect/>
-          <a:stretch>
-            <a:fillRect/>
-          </a:stretch>
-        </p:blipFill>
-        <p:spPr bwMode="auto">
-          <a:xfrm>
-            <a:off x="2514600" y="3429000"/>
-            <a:ext cx="3810000" cy="2857500"/>
-          </a:xfrm>
-          <a:prstGeom prst="rect">
-            <a:avLst/>
-          </a:prstGeom>
-          <a:noFill/>
-          <a:ln>
-            <a:noFill/>
-          </a:ln>
-          <a:extLst>
-            <a:ext uri="{909E8E84-426E-40DD-AFC4-6F175D3DCCD1}">
-              <a14:hiddenFill xmlns:a14="http://schemas.microsoft.com/office/drawing/2010/main">
-                <a:solidFill>
-                  <a:schemeClr val="accent1"/>
-                </a:solidFill>
-              </a14:hiddenFill>
-            </a:ext>
-            <a:ext uri="{91240B29-F687-4F45-9708-019B960494DF}">
-              <a14:hiddenLine xmlns:a14="http://schemas.microsoft.com/office/drawing/2010/main" w="9525">
-                <a:solidFill>
-                  <a:schemeClr val="tx1"/>
-                </a:solidFill>
-                <a:miter lim="800000"/>
-                <a:headEnd/>
-                <a:tailEnd/>
-              </a14:hiddenLine>
-            </a:ext>
-          </a:extLst>
-        </p:spPr>
-      </p:pic>
-      <p:pic>
-        <p:nvPicPr>
-          <p:cNvPr id="1028" name="Picture 4"/>
-          <p:cNvPicPr>
-            <a:picLocks noChangeAspect="1" noChangeArrowheads="1"/>
-          </p:cNvPicPr>
-          <p:nvPr/>
-        </p:nvPicPr>
-        <p:blipFill>
-          <a:blip r:embed="rId4">
-            <a:extLst>
-              <a:ext uri="{28A0092B-C50C-407E-A947-70E740481C1C}">
-                <a14:useLocalDpi xmlns:a14="http://schemas.microsoft.com/office/drawing/2010/main" val="0"/>
-              </a:ext>
-            </a:extLst>
-          </a:blip>
-          <a:srcRect/>
-          <a:stretch>
-            <a:fillRect/>
-          </a:stretch>
-        </p:blipFill>
-        <p:spPr bwMode="auto">
-          <a:xfrm>
-            <a:off x="5943600" y="2498725"/>
-            <a:ext cx="2857500" cy="3810000"/>
-          </a:xfrm>
-          <a:prstGeom prst="rect">
-            <a:avLst/>
-          </a:prstGeom>
-          <a:noFill/>
-          <a:ln>
-            <a:noFill/>
-          </a:ln>
-          <a:extLst>
-            <a:ext uri="{909E8E84-426E-40DD-AFC4-6F175D3DCCD1}">
-              <a14:hiddenFill xmlns:a14="http://schemas.microsoft.com/office/drawing/2010/main">
-                <a:solidFill>
-                  <a:schemeClr val="accent1"/>
-                </a:solidFill>
-              </a14:hiddenFill>
-            </a:ext>
-            <a:ext uri="{91240B29-F687-4F45-9708-019B960494DF}">
-              <a14:hiddenLine xmlns:a14="http://schemas.microsoft.com/office/drawing/2010/main" w="9525">
-                <a:solidFill>
-                  <a:schemeClr val="tx1"/>
-                </a:solidFill>
-                <a:miter lim="800000"/>
-                <a:headEnd/>
-                <a:tailEnd/>
-              </a14:hiddenLine>
-            </a:ext>
-          </a:extLst>
-        </p:spPr>
-      </p:pic>
-    </p:spTree>
-    <p:extLst>
-      <p:ext uri="{BB962C8B-B14F-4D97-AF65-F5344CB8AC3E}">
-        <p14:creationId xmlns:p14="http://schemas.microsoft.com/office/powerpoint/2010/main" val="3863310801"/>
-      </p:ext>
-    </p:extLst>
-  </p:cSld>
-  <p:clrMapOvr>
-    <a:masterClrMapping/>
-  </p:clrMapOvr>
-  <p:timing>
-    <p:tnLst>
-      <p:par>
-        <p:cTn id="1" dur="indefinite" restart="never" nodeType="tmRoot">
-          <p:childTnLst>
-            <p:seq concurrent="1" nextAc="seek">
-              <p:cTn id="2" dur="indefinite" nodeType="mainSeq">
-                <p:childTnLst>
-                  <p:par>
-                    <p:cTn id="3" fill="hold">
-                      <p:stCondLst>
-                        <p:cond delay="indefinite"/>
-                      </p:stCondLst>
-                      <p:childTnLst>
-                        <p:par>
-                          <p:cTn id="4" fill="hold">
-                            <p:stCondLst>
-                              <p:cond delay="0"/>
-                            </p:stCondLst>
-                            <p:childTnLst>
-                              <p:par>
-                                <p:cTn id="5" presetID="10" presetClass="entr" presetSubtype="0" fill="hold" nodeType="clickEffect">
-                                  <p:stCondLst>
-                                    <p:cond delay="0"/>
-                                  </p:stCondLst>
-                                  <p:childTnLst>
-                                    <p:set>
-                                      <p:cBhvr>
-                                        <p:cTn id="6" dur="1" fill="hold">
-                                          <p:stCondLst>
-                                            <p:cond delay="0"/>
-                                          </p:stCondLst>
-                                        </p:cTn>
-                                        <p:tgtEl>
-                                          <p:spTgt spid="1026"/>
-                                        </p:tgtEl>
-                                        <p:attrNameLst>
-                                          <p:attrName>style.visibility</p:attrName>
-                                        </p:attrNameLst>
-                                      </p:cBhvr>
-                                      <p:to>
-                                        <p:strVal val="visible"/>
-                                      </p:to>
-                                    </p:set>
-                                    <p:animEffect transition="in" filter="fade">
-                                      <p:cBhvr>
-                                        <p:cTn id="7" dur="500"/>
-                                        <p:tgtEl>
-                                          <p:spTgt spid="1026"/>
-                                        </p:tgtEl>
-                                      </p:cBhvr>
-                                    </p:animEffect>
-                                  </p:childTnLst>
-                                </p:cTn>
-                              </p:par>
-                            </p:childTnLst>
-                          </p:cTn>
-                        </p:par>
-                      </p:childTnLst>
-                    </p:cTn>
-                  </p:par>
-                  <p:par>
-                    <p:cTn id="8" fill="hold">
-                      <p:stCondLst>
-                        <p:cond delay="indefinite"/>
-                      </p:stCondLst>
-                      <p:childTnLst>
-                        <p:par>
-                          <p:cTn id="9" fill="hold">
-                            <p:stCondLst>
-                              <p:cond delay="0"/>
-                            </p:stCondLst>
-                            <p:childTnLst>
-                              <p:par>
-                                <p:cTn id="10" presetID="10" presetClass="entr" presetSubtype="0" fill="hold" nodeType="clickEffect">
-                                  <p:stCondLst>
-                                    <p:cond delay="0"/>
-                                  </p:stCondLst>
-                                  <p:childTnLst>
-                                    <p:set>
-                                      <p:cBhvr>
-                                        <p:cTn id="11" dur="1" fill="hold">
-                                          <p:stCondLst>
-                                            <p:cond delay="0"/>
-                                          </p:stCondLst>
-                                        </p:cTn>
-                                        <p:tgtEl>
-                                          <p:spTgt spid="1027"/>
-                                        </p:tgtEl>
-                                        <p:attrNameLst>
-                                          <p:attrName>style.visibility</p:attrName>
-                                        </p:attrNameLst>
-                                      </p:cBhvr>
-                                      <p:to>
-                                        <p:strVal val="visible"/>
-                                      </p:to>
-                                    </p:set>
-                                    <p:animEffect transition="in" filter="fade">
-                                      <p:cBhvr>
-                                        <p:cTn id="12" dur="500"/>
-                                        <p:tgtEl>
-                                          <p:spTgt spid="1027"/>
-                                        </p:tgtEl>
-                                      </p:cBhvr>
-                                    </p:animEffect>
-                                  </p:childTnLst>
-                                </p:cTn>
-                              </p:par>
-                            </p:childTnLst>
-                          </p:cTn>
-                        </p:par>
-                      </p:childTnLst>
-                    </p:cTn>
-                  </p:par>
-                  <p:par>
-                    <p:cTn id="13" fill="hold">
-                      <p:stCondLst>
-                        <p:cond delay="indefinite"/>
-                      </p:stCondLst>
-                      <p:childTnLst>
-                        <p:par>
-                          <p:cTn id="14" fill="hold">
-                            <p:stCondLst>
-                              <p:cond delay="0"/>
-                            </p:stCondLst>
-                            <p:childTnLst>
-                              <p:par>
-                                <p:cTn id="15" presetID="10" presetClass="entr" presetSubtype="0" fill="hold" nodeType="clickEffect">
-                                  <p:stCondLst>
-                                    <p:cond delay="0"/>
-                                  </p:stCondLst>
-                                  <p:childTnLst>
-                                    <p:set>
-                                      <p:cBhvr>
-                                        <p:cTn id="16" dur="1" fill="hold">
-                                          <p:stCondLst>
-                                            <p:cond delay="0"/>
-                                          </p:stCondLst>
-                                        </p:cTn>
-                                        <p:tgtEl>
-                                          <p:spTgt spid="1028"/>
-                                        </p:tgtEl>
-                                        <p:attrNameLst>
-                                          <p:attrName>style.visibility</p:attrName>
-                                        </p:attrNameLst>
-                                      </p:cBhvr>
-                                      <p:to>
-                                        <p:strVal val="visible"/>
-                                      </p:to>
-                                    </p:set>
-                                    <p:animEffect transition="in" filter="fade">
-                                      <p:cBhvr>
-                                        <p:cTn id="17" dur="500"/>
-                                        <p:tgtEl>
-                                          <p:spTgt spid="1028"/>
-                                        </p:tgtEl>
-                                      </p:cBhvr>
-                                    </p:animEffect>
-                                  </p:childTnLst>
-                                </p:cTn>
-                              </p:par>
-                            </p:childTnLst>
-                          </p:cTn>
-                        </p:par>
-                      </p:childTnLst>
-                    </p:cTn>
-                  </p:par>
-                </p:childTnLst>
-              </p:cTn>
-              <p:prevCondLst>
-                <p:cond evt="onPrev" delay="0">
-                  <p:tgtEl>
-                    <p:sldTgt/>
-                  </p:tgtEl>
-                </p:cond>
-              </p:prevCondLst>
-              <p:nextCondLst>
-                <p:cond evt="onNext" delay="0">
-                  <p:tgtEl>
-                    <p:sldTgt/>
-                  </p:tgtEl>
-                </p:cond>
-              </p:nextCondLst>
-            </p:seq>
-          </p:childTnLst>
-        </p:cTn>
-      </p:par>
-    </p:tnLst>
-  </p:timing>
-</p:sld>
-</file>
-
-<file path=ppt/slides/slide3.xml><?xml version="1.0" encoding="utf-8"?>
-<p:sld xmlns:a="http://schemas.openxmlformats.org/drawingml/2006/main" xmlns:r="http://schemas.openxmlformats.org/officeDocument/2006/relationships" xmlns:p="http://schemas.openxmlformats.org/presentationml/2006/main">
-  <p:cSld>
-    <p:spTree>
-      <p:nvGrpSpPr>
-        <p:cNvPr id="1" name=""/>
-        <p:cNvGrpSpPr/>
-        <p:nvPr/>
-      </p:nvGrpSpPr>
-      <p:grpSpPr>
-        <a:xfrm>
-          <a:off x="0" y="0"/>
-          <a:ext cx="0" cy="0"/>
-          <a:chOff x="0" y="0"/>
-          <a:chExt cx="0" cy="0"/>
-        </a:xfrm>
-      </p:grpSpPr>
-      <p:sp>
-        <p:nvSpPr>
-          <p:cNvPr id="2" name="Title 1"/>
-          <p:cNvSpPr>
-            <a:spLocks noGrp="1"/>
-          </p:cNvSpPr>
-          <p:nvPr>
-            <p:ph type="title"/>
-          </p:nvPr>
-        </p:nvSpPr>
-        <p:spPr/>
-        <p:txBody>
-          <a:bodyPr/>
-          <a:lstStyle/>
-          <a:p>
-            <a:r>
-              <a:rPr lang="en-US" dirty="0"/>
-              <a:t>Types of Structures</a:t>
-            </a:r>
-          </a:p>
-        </p:txBody>
-      </p:sp>
-      <p:sp>
-        <p:nvSpPr>
-          <p:cNvPr id="3" name="Content Placeholder 2"/>
-          <p:cNvSpPr>
-            <a:spLocks noGrp="1"/>
-          </p:cNvSpPr>
-          <p:nvPr>
-            <p:ph idx="1"/>
-          </p:nvPr>
-        </p:nvSpPr>
-        <p:spPr/>
-        <p:txBody>
-          <a:bodyPr>
-            <a:noAutofit/>
-          </a:bodyPr>
-          <a:lstStyle/>
-          <a:p>
-            <a:r>
-              <a:rPr lang="en-US" sz="2800" b="1" dirty="0"/>
-              <a:t>Truss</a:t>
-            </a:r>
-            <a:r>
-              <a:rPr lang="en-US" sz="2800" dirty="0"/>
-              <a:t> – Rigid assembly </a:t>
-            </a:r>
-            <a:r>
-              <a:rPr lang="en-US" sz="2800" u="sng" dirty="0"/>
-              <a:t>made entirely of two-force members</a:t>
-            </a:r>
-            <a:r>
-              <a:rPr lang="en-US" sz="2800" dirty="0"/>
-              <a:t>.</a:t>
-            </a:r>
-          </a:p>
-          <a:p>
-            <a:endParaRPr lang="en-US" sz="2800" dirty="0"/>
-          </a:p>
-          <a:p>
-            <a:r>
-              <a:rPr lang="en-US" sz="2800" b="1" dirty="0"/>
-              <a:t>Frame</a:t>
-            </a:r>
-            <a:r>
-              <a:rPr lang="en-US" sz="2800" dirty="0"/>
-              <a:t> – Rigid assembly </a:t>
-            </a:r>
-            <a:r>
-              <a:rPr lang="en-US" sz="2800" u="sng" dirty="0"/>
-              <a:t>containing at least one member that is not a two-force member</a:t>
-            </a:r>
-            <a:r>
-              <a:rPr lang="en-US" sz="2800" dirty="0"/>
-              <a:t>.</a:t>
-            </a:r>
-          </a:p>
-          <a:p>
-            <a:endParaRPr lang="en-US" sz="2800" dirty="0"/>
-          </a:p>
-          <a:p>
-            <a:r>
-              <a:rPr lang="en-US" sz="2800" b="1" dirty="0"/>
-              <a:t>Machine</a:t>
-            </a:r>
-            <a:r>
-              <a:rPr lang="en-US" sz="2800" dirty="0"/>
-              <a:t> – Non-rigid assembly </a:t>
-            </a:r>
-            <a:r>
-              <a:rPr lang="en-US" sz="2800" u="sng" dirty="0"/>
-              <a:t>containing at least one member that is not a two-force member</a:t>
-            </a:r>
-            <a:r>
-              <a:rPr lang="en-US" sz="2800" dirty="0"/>
-              <a:t>.</a:t>
-            </a:r>
-          </a:p>
-          <a:p>
-            <a:endParaRPr lang="en-US" sz="2800" dirty="0"/>
-          </a:p>
-        </p:txBody>
-      </p:sp>
-      <p:cxnSp>
-        <p:nvCxnSpPr>
-          <p:cNvPr id="5" name="Straight Connector 4"/>
-          <p:cNvCxnSpPr/>
-          <p:nvPr/>
-        </p:nvCxnSpPr>
-        <p:spPr>
-          <a:xfrm>
-            <a:off x="152400" y="2743200"/>
-            <a:ext cx="8686800" cy="0"/>
-          </a:xfrm>
-          <a:prstGeom prst="line">
-            <a:avLst/>
-          </a:prstGeom>
-          <a:ln>
-            <a:prstDash val="dash"/>
-          </a:ln>
-        </p:spPr>
-        <p:style>
-          <a:lnRef idx="2">
-            <a:schemeClr val="dk1"/>
-          </a:lnRef>
-          <a:fillRef idx="0">
-            <a:schemeClr val="dk1"/>
-          </a:fillRef>
-          <a:effectRef idx="1">
-            <a:schemeClr val="dk1"/>
-          </a:effectRef>
-          <a:fontRef idx="minor">
-            <a:schemeClr val="tx1"/>
-          </a:fontRef>
-        </p:style>
-      </p:cxnSp>
-    </p:spTree>
-    <p:extLst>
-      <p:ext uri="{BB962C8B-B14F-4D97-AF65-F5344CB8AC3E}">
-        <p14:creationId xmlns:p14="http://schemas.microsoft.com/office/powerpoint/2010/main" val="3319090787"/>
-      </p:ext>
-    </p:extLst>
-  </p:cSld>
-  <p:clrMapOvr>
-    <a:masterClrMapping/>
-  </p:clrMapOvr>
-  <p:timing>
-    <p:tnLst>
-      <p:par>
-        <p:cTn id="1" dur="indefinite" restart="never" nodeType="tmRoot">
-          <p:childTnLst>
-            <p:seq concurrent="1" nextAc="seek">
-              <p:cTn id="2" dur="indefinite" nodeType="mainSeq">
-                <p:childTnLst>
-                  <p:par>
-                    <p:cTn id="3" fill="hold">
-                      <p:stCondLst>
-                        <p:cond delay="indefinite"/>
-                      </p:stCondLst>
-                      <p:childTnLst>
-                        <p:par>
-                          <p:cTn id="4" fill="hold">
-                            <p:stCondLst>
-                              <p:cond delay="0"/>
-                            </p:stCondLst>
-                            <p:childTnLst>
-                              <p:par>
-                                <p:cTn id="5" presetID="1" presetClass="entr" presetSubtype="0" fill="hold" grpId="0" nodeType="clickEffect">
-                                  <p:stCondLst>
-                                    <p:cond delay="0"/>
-                                  </p:stCondLst>
-                                  <p:childTnLst>
-                                    <p:set>
-                                      <p:cBhvr>
-                                        <p:cTn id="6" dur="1" fill="hold">
-                                          <p:stCondLst>
-                                            <p:cond delay="0"/>
-                                          </p:stCondLst>
-                                        </p:cTn>
-                                        <p:tgtEl>
-                                          <p:spTgt spid="3">
-                                            <p:txEl>
-                                              <p:pRg st="0" end="0"/>
-                                            </p:txEl>
-                                          </p:spTgt>
-                                        </p:tgtEl>
-                                        <p:attrNameLst>
-                                          <p:attrName>style.visibility</p:attrName>
-                                        </p:attrNameLst>
-                                      </p:cBhvr>
-                                      <p:to>
-                                        <p:strVal val="visible"/>
-                                      </p:to>
-                                    </p:set>
-                                  </p:childTnLst>
-                                </p:cTn>
-                              </p:par>
-                            </p:childTnLst>
-                          </p:cTn>
-                        </p:par>
-                      </p:childTnLst>
-                    </p:cTn>
-                  </p:par>
-                  <p:par>
-                    <p:cTn id="7" fill="hold">
-                      <p:stCondLst>
-                        <p:cond delay="indefinite"/>
-                      </p:stCondLst>
-                      <p:childTnLst>
-                        <p:par>
-                          <p:cTn id="8" fill="hold">
-                            <p:stCondLst>
-                              <p:cond delay="0"/>
-                            </p:stCondLst>
-                            <p:childTnLst>
-                              <p:par>
-                                <p:cTn id="9" presetID="1" presetClass="entr" presetSubtype="0" fill="hold" grpId="0" nodeType="clickEffect">
-                                  <p:stCondLst>
-                                    <p:cond delay="0"/>
-                                  </p:stCondLst>
-                                  <p:childTnLst>
-                                    <p:set>
-                                      <p:cBhvr>
-                                        <p:cTn id="10" dur="1" fill="hold">
-                                          <p:stCondLst>
-                                            <p:cond delay="0"/>
-                                          </p:stCondLst>
-                                        </p:cTn>
-                                        <p:tgtEl>
-                                          <p:spTgt spid="3">
-                                            <p:txEl>
-                                              <p:pRg st="2" end="2"/>
-                                            </p:txEl>
-                                          </p:spTgt>
-                                        </p:tgtEl>
-                                        <p:attrNameLst>
-                                          <p:attrName>style.visibility</p:attrName>
-                                        </p:attrNameLst>
-                                      </p:cBhvr>
-                                      <p:to>
-                                        <p:strVal val="visible"/>
-                                      </p:to>
-                                    </p:set>
-                                  </p:childTnLst>
-                                </p:cTn>
-                              </p:par>
-                            </p:childTnLst>
-                          </p:cTn>
-                        </p:par>
-                      </p:childTnLst>
-                    </p:cTn>
-                  </p:par>
-                  <p:par>
-                    <p:cTn id="11" fill="hold">
-                      <p:stCondLst>
-                        <p:cond delay="indefinite"/>
-                      </p:stCondLst>
-                      <p:childTnLst>
-                        <p:par>
-                          <p:cTn id="12" fill="hold">
-                            <p:stCondLst>
-                              <p:cond delay="0"/>
-                            </p:stCondLst>
-                            <p:childTnLst>
-                              <p:par>
-                                <p:cTn id="13" presetID="1" presetClass="entr" presetSubtype="0" fill="hold" grpId="0" nodeType="clickEffect">
-                                  <p:stCondLst>
-                                    <p:cond delay="0"/>
-                                  </p:stCondLst>
-                                  <p:childTnLst>
-                                    <p:set>
-                                      <p:cBhvr>
-                                        <p:cTn id="14" dur="1" fill="hold">
-                                          <p:stCondLst>
-                                            <p:cond delay="0"/>
-                                          </p:stCondLst>
-                                        </p:cTn>
-                                        <p:tgtEl>
-                                          <p:spTgt spid="3">
-                                            <p:txEl>
-                                              <p:pRg st="4" end="4"/>
-                                            </p:txEl>
-                                          </p:spTgt>
-                                        </p:tgtEl>
-                                        <p:attrNameLst>
-                                          <p:attrName>style.visibility</p:attrName>
-                                        </p:attrNameLst>
-                                      </p:cBhvr>
-                                      <p:to>
-                                        <p:strVal val="visible"/>
-                                      </p:to>
-                                    </p:set>
-                                  </p:childTnLst>
-                                </p:cTn>
-                              </p:par>
-                            </p:childTnLst>
-                          </p:cTn>
-                        </p:par>
-                      </p:childTnLst>
-                    </p:cTn>
-                  </p:par>
-                  <p:par>
-                    <p:cTn id="15" fill="hold">
-                      <p:stCondLst>
-                        <p:cond delay="indefinite"/>
-                      </p:stCondLst>
-                      <p:childTnLst>
-                        <p:par>
-                          <p:cTn id="16" fill="hold">
-                            <p:stCondLst>
-                              <p:cond delay="0"/>
-                            </p:stCondLst>
-                            <p:childTnLst>
-                              <p:par>
-                                <p:cTn id="17" presetID="10" presetClass="entr" presetSubtype="0" fill="hold" nodeType="clickEffect">
-                                  <p:stCondLst>
-                                    <p:cond delay="0"/>
-                                  </p:stCondLst>
-                                  <p:childTnLst>
-                                    <p:set>
-                                      <p:cBhvr>
-                                        <p:cTn id="18" dur="1" fill="hold">
-                                          <p:stCondLst>
-                                            <p:cond delay="0"/>
-                                          </p:stCondLst>
-                                        </p:cTn>
-                                        <p:tgtEl>
-                                          <p:spTgt spid="5"/>
-                                        </p:tgtEl>
-                                        <p:attrNameLst>
-                                          <p:attrName>style.visibility</p:attrName>
-                                        </p:attrNameLst>
-                                      </p:cBhvr>
-                                      <p:to>
-                                        <p:strVal val="visible"/>
-                                      </p:to>
-                                    </p:set>
-                                    <p:animEffect transition="in" filter="fade">
-                                      <p:cBhvr>
-                                        <p:cTn id="19" dur="500"/>
-                                        <p:tgtEl>
-                                          <p:spTgt spid="5"/>
-                                        </p:tgtEl>
-                                      </p:cBhvr>
-                                    </p:animEffect>
-                                  </p:childTnLst>
-                                </p:cTn>
-                              </p:par>
-                            </p:childTnLst>
-                          </p:cTn>
-                        </p:par>
-                      </p:childTnLst>
-                    </p:cTn>
-                  </p:par>
-                </p:childTnLst>
-              </p:cTn>
-              <p:prevCondLst>
-                <p:cond evt="onPrev" delay="0">
-                  <p:tgtEl>
-                    <p:sldTgt/>
-                  </p:tgtEl>
-                </p:cond>
-              </p:prevCondLst>
-              <p:nextCondLst>
-                <p:cond evt="onNext" delay="0">
-                  <p:tgtEl>
-                    <p:sldTgt/>
-                  </p:tgtEl>
-                </p:cond>
-              </p:nextCondLst>
-            </p:seq>
-          </p:childTnLst>
-        </p:cTn>
-      </p:par>
-    </p:tnLst>
-    <p:bldLst>
-      <p:bldP spid="3" grpId="0" build="p"/>
-    </p:bldLst>
-  </p:timing>
-</p:sld>
-</file>
-
-<file path=ppt/slides/slide4.xml><?xml version="1.0" encoding="utf-8"?>
-<p:sld xmlns:a="http://schemas.openxmlformats.org/drawingml/2006/main" xmlns:r="http://schemas.openxmlformats.org/officeDocument/2006/relationships" xmlns:p="http://schemas.openxmlformats.org/presentationml/2006/main">
-  <p:cSld>
-    <p:spTree>
-      <p:nvGrpSpPr>
-        <p:cNvPr id="1" name=""/>
-        <p:cNvGrpSpPr/>
-        <p:nvPr/>
-      </p:nvGrpSpPr>
-      <p:grpSpPr>
-        <a:xfrm>
-          <a:off x="0" y="0"/>
-          <a:ext cx="0" cy="0"/>
-          <a:chOff x="0" y="0"/>
-          <a:chExt cx="0" cy="0"/>
-        </a:xfrm>
-      </p:grpSpPr>
-      <p:sp>
-        <p:nvSpPr>
-          <p:cNvPr id="2" name="Title 1"/>
-          <p:cNvSpPr>
-            <a:spLocks noGrp="1"/>
-          </p:cNvSpPr>
-          <p:nvPr>
-            <p:ph type="title"/>
-          </p:nvPr>
-        </p:nvSpPr>
-        <p:spPr/>
-        <p:txBody>
-          <a:bodyPr/>
-          <a:lstStyle/>
-          <a:p>
-            <a:r>
-              <a:rPr lang="en-US" dirty="0"/>
-              <a:t>Analyzing Structures</a:t>
-            </a:r>
-          </a:p>
-        </p:txBody>
-      </p:sp>
-      <p:sp>
-        <p:nvSpPr>
-          <p:cNvPr id="3" name="Content Placeholder 2"/>
-          <p:cNvSpPr>
-            <a:spLocks noGrp="1"/>
-          </p:cNvSpPr>
-          <p:nvPr>
-            <p:ph idx="1"/>
-          </p:nvPr>
-        </p:nvSpPr>
-        <p:spPr>
-          <a:xfrm>
-            <a:off x="457200" y="1600200"/>
-            <a:ext cx="4267200" cy="4876799"/>
-          </a:xfrm>
-        </p:spPr>
-        <p:txBody>
-          <a:bodyPr>
-            <a:normAutofit fontScale="77500" lnSpcReduction="20000"/>
-          </a:bodyPr>
-          <a:lstStyle/>
-          <a:p>
-            <a:r>
-              <a:rPr lang="en-US" dirty="0"/>
-              <a:t>As with everything in statics, the structure is assumed to be in </a:t>
-            </a:r>
-            <a:r>
-              <a:rPr lang="en-US" b="1" dirty="0"/>
-              <a:t>equilibrium</a:t>
-            </a:r>
-            <a:r>
-              <a:rPr lang="en-US" dirty="0"/>
-              <a:t>.</a:t>
-            </a:r>
-          </a:p>
-          <a:p>
-            <a:endParaRPr lang="en-US" dirty="0"/>
-          </a:p>
-          <a:p>
-            <a:r>
-              <a:rPr lang="en-US" dirty="0"/>
-              <a:t>Because the structure is in equilibrium, each member (part of the structure) is also in equilibrium.</a:t>
-            </a:r>
-          </a:p>
-          <a:p>
-            <a:endParaRPr lang="en-US" dirty="0"/>
-          </a:p>
-          <a:p>
-            <a:r>
-              <a:rPr lang="en-US" dirty="0"/>
-              <a:t>We analyze structures by </a:t>
-            </a:r>
-            <a:r>
-              <a:rPr lang="en-US" b="1" dirty="0"/>
-              <a:t>breaking them down into parts</a:t>
-            </a:r>
-            <a:r>
-              <a:rPr lang="en-US" dirty="0"/>
-              <a:t> and then performing </a:t>
-            </a:r>
-            <a:r>
-              <a:rPr lang="en-US" b="1" dirty="0"/>
-              <a:t>static analysis </a:t>
-            </a:r>
-            <a:r>
-              <a:rPr lang="en-US" dirty="0"/>
-              <a:t>on the pieces.</a:t>
-            </a:r>
-          </a:p>
-        </p:txBody>
-      </p:sp>
-      <p:pic>
-        <p:nvPicPr>
-          <p:cNvPr id="4098" name="Picture 2"/>
-          <p:cNvPicPr>
-            <a:picLocks noChangeAspect="1" noChangeArrowheads="1"/>
-          </p:cNvPicPr>
-          <p:nvPr/>
-        </p:nvPicPr>
-        <p:blipFill>
-          <a:blip r:embed="rId2">
-            <a:extLst>
-              <a:ext uri="{28A0092B-C50C-407E-A947-70E740481C1C}">
-                <a14:useLocalDpi xmlns:a14="http://schemas.microsoft.com/office/drawing/2010/main" val="0"/>
-              </a:ext>
-            </a:extLst>
-          </a:blip>
-          <a:srcRect/>
-          <a:stretch>
-            <a:fillRect/>
-          </a:stretch>
-        </p:blipFill>
-        <p:spPr bwMode="auto">
-          <a:xfrm>
-            <a:off x="4953000" y="2362200"/>
-            <a:ext cx="4025538" cy="3103659"/>
-          </a:xfrm>
-          <a:prstGeom prst="rect">
-            <a:avLst/>
-          </a:prstGeom>
-          <a:noFill/>
-          <a:ln>
-            <a:noFill/>
-          </a:ln>
-          <a:extLst>
-            <a:ext uri="{909E8E84-426E-40DD-AFC4-6F175D3DCCD1}">
-              <a14:hiddenFill xmlns:a14="http://schemas.microsoft.com/office/drawing/2010/main">
-                <a:solidFill>
-                  <a:schemeClr val="accent1"/>
-                </a:solidFill>
-              </a14:hiddenFill>
-            </a:ext>
-            <a:ext uri="{91240B29-F687-4F45-9708-019B960494DF}">
-              <a14:hiddenLine xmlns:a14="http://schemas.microsoft.com/office/drawing/2010/main" w="9525">
-                <a:solidFill>
-                  <a:schemeClr val="tx1"/>
-                </a:solidFill>
-                <a:miter lim="800000"/>
-                <a:headEnd/>
-                <a:tailEnd/>
-              </a14:hiddenLine>
-            </a:ext>
-          </a:extLst>
-        </p:spPr>
-      </p:pic>
-    </p:spTree>
-    <p:extLst>
-      <p:ext uri="{BB962C8B-B14F-4D97-AF65-F5344CB8AC3E}">
-        <p14:creationId xmlns:p14="http://schemas.microsoft.com/office/powerpoint/2010/main" val="2141156771"/>
-      </p:ext>
-    </p:extLst>
-  </p:cSld>
-  <p:clrMapOvr>
-    <a:masterClrMapping/>
-  </p:clrMapOvr>
-  <p:timing>
-    <p:tnLst>
-      <p:par>
-        <p:cTn id="1" dur="indefinite" restart="never" nodeType="tmRoot">
-          <p:childTnLst>
-            <p:seq concurrent="1" nextAc="seek">
-              <p:cTn id="2" dur="indefinite" nodeType="mainSeq">
-                <p:childTnLst>
-                  <p:par>
-                    <p:cTn id="3" fill="hold">
-                      <p:stCondLst>
-                        <p:cond delay="indefinite"/>
-                      </p:stCondLst>
-                      <p:childTnLst>
-                        <p:par>
-                          <p:cTn id="4" fill="hold">
-                            <p:stCondLst>
-                              <p:cond delay="0"/>
-                            </p:stCondLst>
-                            <p:childTnLst>
-                              <p:par>
-                                <p:cTn id="5" presetID="1" presetClass="entr" presetSubtype="0" fill="hold" grpId="0" nodeType="clickEffect">
-                                  <p:stCondLst>
-                                    <p:cond delay="0"/>
-                                  </p:stCondLst>
-                                  <p:childTnLst>
-                                    <p:set>
-                                      <p:cBhvr>
-                                        <p:cTn id="6" dur="1" fill="hold">
-                                          <p:stCondLst>
-                                            <p:cond delay="0"/>
-                                          </p:stCondLst>
-                                        </p:cTn>
-                                        <p:tgtEl>
-                                          <p:spTgt spid="3">
-                                            <p:txEl>
-                                              <p:pRg st="0" end="0"/>
-                                            </p:txEl>
-                                          </p:spTgt>
-                                        </p:tgtEl>
-                                        <p:attrNameLst>
-                                          <p:attrName>style.visibility</p:attrName>
-                                        </p:attrNameLst>
-                                      </p:cBhvr>
-                                      <p:to>
-                                        <p:strVal val="visible"/>
-                                      </p:to>
-                                    </p:set>
-                                  </p:childTnLst>
-                                </p:cTn>
-                              </p:par>
-                            </p:childTnLst>
-                          </p:cTn>
-                        </p:par>
-                      </p:childTnLst>
-                    </p:cTn>
-                  </p:par>
-                  <p:par>
-                    <p:cTn id="7" fill="hold">
-                      <p:stCondLst>
-                        <p:cond delay="indefinite"/>
-                      </p:stCondLst>
-                      <p:childTnLst>
-                        <p:par>
-                          <p:cTn id="8" fill="hold">
-                            <p:stCondLst>
-                              <p:cond delay="0"/>
-                            </p:stCondLst>
-                            <p:childTnLst>
-                              <p:par>
-                                <p:cTn id="9" presetID="1" presetClass="entr" presetSubtype="0" fill="hold" grpId="0" nodeType="clickEffect">
-                                  <p:stCondLst>
-                                    <p:cond delay="0"/>
-                                  </p:stCondLst>
-                                  <p:childTnLst>
-                                    <p:set>
-                                      <p:cBhvr>
-                                        <p:cTn id="10" dur="1" fill="hold">
-                                          <p:stCondLst>
-                                            <p:cond delay="0"/>
-                                          </p:stCondLst>
-                                        </p:cTn>
-                                        <p:tgtEl>
-                                          <p:spTgt spid="3">
-                                            <p:txEl>
-                                              <p:pRg st="2" end="2"/>
-                                            </p:txEl>
-                                          </p:spTgt>
-                                        </p:tgtEl>
-                                        <p:attrNameLst>
-                                          <p:attrName>style.visibility</p:attrName>
-                                        </p:attrNameLst>
-                                      </p:cBhvr>
-                                      <p:to>
-                                        <p:strVal val="visible"/>
-                                      </p:to>
-                                    </p:set>
-                                  </p:childTnLst>
-                                </p:cTn>
-                              </p:par>
-                            </p:childTnLst>
-                          </p:cTn>
-                        </p:par>
-                      </p:childTnLst>
-                    </p:cTn>
-                  </p:par>
-                  <p:par>
-                    <p:cTn id="11" fill="hold">
-                      <p:stCondLst>
-                        <p:cond delay="indefinite"/>
-                      </p:stCondLst>
-                      <p:childTnLst>
-                        <p:par>
-                          <p:cTn id="12" fill="hold">
-                            <p:stCondLst>
-                              <p:cond delay="0"/>
-                            </p:stCondLst>
-                            <p:childTnLst>
-                              <p:par>
-                                <p:cTn id="13" presetID="1" presetClass="entr" presetSubtype="0" fill="hold" grpId="0" nodeType="clickEffect">
-                                  <p:stCondLst>
-                                    <p:cond delay="0"/>
-                                  </p:stCondLst>
-                                  <p:childTnLst>
-                                    <p:set>
-                                      <p:cBhvr>
-                                        <p:cTn id="14" dur="1" fill="hold">
-                                          <p:stCondLst>
-                                            <p:cond delay="0"/>
-                                          </p:stCondLst>
-                                        </p:cTn>
-                                        <p:tgtEl>
-                                          <p:spTgt spid="3">
-                                            <p:txEl>
-                                              <p:pRg st="4" end="4"/>
-                                            </p:txEl>
-                                          </p:spTgt>
-                                        </p:tgtEl>
-                                        <p:attrNameLst>
-                                          <p:attrName>style.visibility</p:attrName>
-                                        </p:attrNameLst>
-                                      </p:cBhvr>
-                                      <p:to>
-                                        <p:strVal val="visible"/>
-                                      </p:to>
-                                    </p:set>
-                                  </p:childTnLst>
-                                </p:cTn>
-                              </p:par>
-                            </p:childTnLst>
-                          </p:cTn>
-                        </p:par>
-                      </p:childTnLst>
-                    </p:cTn>
-                  </p:par>
-                </p:childTnLst>
-              </p:cTn>
-              <p:prevCondLst>
-                <p:cond evt="onPrev" delay="0">
-                  <p:tgtEl>
-                    <p:sldTgt/>
-                  </p:tgtEl>
-                </p:cond>
-              </p:prevCondLst>
-              <p:nextCondLst>
-                <p:cond evt="onNext" delay="0">
-                  <p:tgtEl>
-                    <p:sldTgt/>
-                  </p:tgtEl>
-                </p:cond>
-              </p:nextCondLst>
-            </p:seq>
-          </p:childTnLst>
-        </p:cTn>
-      </p:par>
-    </p:tnLst>
-    <p:bldLst>
-      <p:bldP spid="3" grpId="0" build="p"/>
-    </p:bldLst>
-  </p:timing>
-</p:sld>
-</file>
-
-<file path=ppt/slides/slide5.xml><?xml version="1.0" encoding="utf-8"?>
-<p:sld xmlns:a="http://schemas.openxmlformats.org/drawingml/2006/main" xmlns:r="http://schemas.openxmlformats.org/officeDocument/2006/relationships" xmlns:p="http://schemas.openxmlformats.org/presentationml/2006/main">
-  <p:cSld>
-    <p:spTree>
-      <p:nvGrpSpPr>
-        <p:cNvPr id="1" name=""/>
-        <p:cNvGrpSpPr/>
-        <p:nvPr/>
-      </p:nvGrpSpPr>
-      <p:grpSpPr>
-        <a:xfrm>
-          <a:off x="0" y="0"/>
-          <a:ext cx="0" cy="0"/>
-          <a:chOff x="0" y="0"/>
-          <a:chExt cx="0" cy="0"/>
-        </a:xfrm>
-      </p:grpSpPr>
-      <p:sp>
-        <p:nvSpPr>
-          <p:cNvPr id="2" name="Title 1"/>
-          <p:cNvSpPr>
-            <a:spLocks noGrp="1"/>
-          </p:cNvSpPr>
-          <p:nvPr>
-            <p:ph type="title"/>
-          </p:nvPr>
-        </p:nvSpPr>
-        <p:spPr/>
-        <p:txBody>
-          <a:bodyPr>
-            <a:normAutofit fontScale="90000"/>
-          </a:bodyPr>
-          <a:lstStyle/>
-          <a:p>
-            <a:r>
-              <a:rPr lang="en-US" dirty="0"/>
-              <a:t>Important Factors for Structure Analysis</a:t>
-            </a:r>
-          </a:p>
-        </p:txBody>
-      </p:sp>
-      <p:sp>
-        <p:nvSpPr>
-          <p:cNvPr id="3" name="Content Placeholder 2"/>
-          <p:cNvSpPr>
-            <a:spLocks noGrp="1"/>
-          </p:cNvSpPr>
-          <p:nvPr>
-            <p:ph idx="1"/>
-          </p:nvPr>
-        </p:nvSpPr>
-        <p:spPr/>
-        <p:txBody>
-          <a:bodyPr/>
-          <a:lstStyle/>
-          <a:p>
-            <a:r>
-              <a:rPr lang="en-US" dirty="0"/>
-              <a:t>When making the jump from analyzing a single body to analyzing a collection of bodies, the two most important factors are...</a:t>
-            </a:r>
-          </a:p>
-          <a:p>
-            <a:endParaRPr lang="en-US" dirty="0"/>
-          </a:p>
-          <a:p>
-            <a:pPr marL="514350" indent="-514350">
-              <a:buFont typeface="+mj-lt"/>
-              <a:buAutoNum type="arabicPeriod"/>
-            </a:pPr>
-            <a:r>
-              <a:rPr lang="en-US" dirty="0"/>
-              <a:t>The application of </a:t>
-            </a:r>
-            <a:r>
-              <a:rPr lang="en-US" b="1" dirty="0"/>
-              <a:t>Newton’s Third Law</a:t>
-            </a:r>
-            <a:r>
-              <a:rPr lang="en-US" dirty="0"/>
-              <a:t>.</a:t>
-            </a:r>
-          </a:p>
-          <a:p>
-            <a:pPr marL="514350" indent="-514350">
-              <a:buFont typeface="+mj-lt"/>
-              <a:buAutoNum type="arabicPeriod"/>
-            </a:pPr>
-            <a:r>
-              <a:rPr lang="en-US" dirty="0"/>
-              <a:t>The identification of </a:t>
-            </a:r>
-            <a:r>
-              <a:rPr lang="en-US" b="1" dirty="0"/>
-              <a:t>Two Force Members</a:t>
-            </a:r>
-            <a:r>
-              <a:rPr lang="en-US" dirty="0"/>
-              <a:t>.</a:t>
-            </a:r>
-          </a:p>
-        </p:txBody>
-      </p:sp>
-      <p:sp>
-        <p:nvSpPr>
-          <p:cNvPr id="4" name="Slide Number Placeholder 3"/>
-          <p:cNvSpPr>
-            <a:spLocks noGrp="1"/>
-          </p:cNvSpPr>
-          <p:nvPr>
-            <p:ph type="sldNum" sz="quarter" idx="12"/>
-          </p:nvPr>
-        </p:nvSpPr>
-        <p:spPr/>
-        <p:txBody>
-          <a:bodyPr/>
-          <a:lstStyle/>
-          <a:p>
-            <a:fld id="{929262FE-7F58-4A1E-8AF3-5A510A86DEBD}" type="slidenum">
-              <a:rPr lang="en-US" smtClean="0"/>
-              <a:t>5</a:t>
-            </a:fld>
-            <a:endParaRPr lang="en-US"/>
-          </a:p>
-        </p:txBody>
-      </p:sp>
-    </p:spTree>
-    <p:extLst>
-      <p:ext uri="{BB962C8B-B14F-4D97-AF65-F5344CB8AC3E}">
-        <p14:creationId xmlns:p14="http://schemas.microsoft.com/office/powerpoint/2010/main" val="555737132"/>
-      </p:ext>
-    </p:extLst>
-  </p:cSld>
-  <p:clrMapOvr>
-    <a:masterClrMapping/>
-  </p:clrMapOvr>
-  <p:timing>
-    <p:tnLst>
-      <p:par>
-        <p:cTn id="1" dur="indefinite" restart="never" nodeType="tmRoot">
-          <p:childTnLst>
-            <p:seq concurrent="1" nextAc="seek">
-              <p:cTn id="2" dur="indefinite" nodeType="mainSeq">
-                <p:childTnLst>
-                  <p:par>
-                    <p:cTn id="3" fill="hold">
-                      <p:stCondLst>
-                        <p:cond delay="indefinite"/>
-                      </p:stCondLst>
-                      <p:childTnLst>
-                        <p:par>
-                          <p:cTn id="4" fill="hold">
-                            <p:stCondLst>
-                              <p:cond delay="0"/>
-                            </p:stCondLst>
-                            <p:childTnLst>
-                              <p:par>
-                                <p:cTn id="5" presetID="1" presetClass="entr" presetSubtype="0" fill="hold" grpId="0" nodeType="clickEffect">
-                                  <p:stCondLst>
-                                    <p:cond delay="0"/>
-                                  </p:stCondLst>
-                                  <p:childTnLst>
-                                    <p:set>
-                                      <p:cBhvr>
-                                        <p:cTn id="6" dur="1" fill="hold">
-                                          <p:stCondLst>
-                                            <p:cond delay="0"/>
-                                          </p:stCondLst>
-                                        </p:cTn>
-                                        <p:tgtEl>
-                                          <p:spTgt spid="3">
-                                            <p:txEl>
-                                              <p:pRg st="0" end="0"/>
-                                            </p:txEl>
-                                          </p:spTgt>
-                                        </p:tgtEl>
-                                        <p:attrNameLst>
-                                          <p:attrName>style.visibility</p:attrName>
-                                        </p:attrNameLst>
-                                      </p:cBhvr>
-                                      <p:to>
-                                        <p:strVal val="visible"/>
-                                      </p:to>
-                                    </p:set>
-                                  </p:childTnLst>
-                                </p:cTn>
-                              </p:par>
-                            </p:childTnLst>
-                          </p:cTn>
-                        </p:par>
-                      </p:childTnLst>
-                    </p:cTn>
-                  </p:par>
-                  <p:par>
-                    <p:cTn id="7" fill="hold">
-                      <p:stCondLst>
-                        <p:cond delay="indefinite"/>
-                      </p:stCondLst>
-                      <p:childTnLst>
-                        <p:par>
-                          <p:cTn id="8" fill="hold">
-                            <p:stCondLst>
-                              <p:cond delay="0"/>
-                            </p:stCondLst>
-                            <p:childTnLst>
-                              <p:par>
-                                <p:cTn id="9" presetID="1" presetClass="entr" presetSubtype="0" fill="hold" grpId="0" nodeType="clickEffect">
-                                  <p:stCondLst>
-                                    <p:cond delay="0"/>
-                                  </p:stCondLst>
-                                  <p:childTnLst>
-                                    <p:set>
-                                      <p:cBhvr>
-                                        <p:cTn id="10" dur="1" fill="hold">
-                                          <p:stCondLst>
-                                            <p:cond delay="0"/>
-                                          </p:stCondLst>
-                                        </p:cTn>
-                                        <p:tgtEl>
-                                          <p:spTgt spid="3">
-                                            <p:txEl>
-                                              <p:pRg st="2" end="2"/>
-                                            </p:txEl>
-                                          </p:spTgt>
-                                        </p:tgtEl>
-                                        <p:attrNameLst>
-                                          <p:attrName>style.visibility</p:attrName>
-                                        </p:attrNameLst>
-                                      </p:cBhvr>
-                                      <p:to>
-                                        <p:strVal val="visible"/>
-                                      </p:to>
-                                    </p:set>
-                                  </p:childTnLst>
-                                </p:cTn>
-                              </p:par>
-                            </p:childTnLst>
-                          </p:cTn>
-                        </p:par>
-                      </p:childTnLst>
-                    </p:cTn>
-                  </p:par>
-                  <p:par>
-                    <p:cTn id="11" fill="hold">
-                      <p:stCondLst>
-                        <p:cond delay="indefinite"/>
-                      </p:stCondLst>
-                      <p:childTnLst>
-                        <p:par>
-                          <p:cTn id="12" fill="hold">
-                            <p:stCondLst>
-                              <p:cond delay="0"/>
-                            </p:stCondLst>
-                            <p:childTnLst>
-                              <p:par>
-                                <p:cTn id="13" presetID="1" presetClass="entr" presetSubtype="0" fill="hold" grpId="0" nodeType="clickEffect">
-                                  <p:stCondLst>
-                                    <p:cond delay="0"/>
-                                  </p:stCondLst>
-                                  <p:childTnLst>
-                                    <p:set>
-                                      <p:cBhvr>
-                                        <p:cTn id="14" dur="1" fill="hold">
-                                          <p:stCondLst>
-                                            <p:cond delay="0"/>
-                                          </p:stCondLst>
-                                        </p:cTn>
-                                        <p:tgtEl>
-                                          <p:spTgt spid="3">
-                                            <p:txEl>
-                                              <p:pRg st="3" end="3"/>
-                                            </p:txEl>
-                                          </p:spTgt>
-                                        </p:tgtEl>
-                                        <p:attrNameLst>
-                                          <p:attrName>style.visibility</p:attrName>
-                                        </p:attrNameLst>
-                                      </p:cBhvr>
-                                      <p:to>
-                                        <p:strVal val="visible"/>
-                                      </p:to>
-                                    </p:set>
-                                  </p:childTnLst>
-                                </p:cTn>
-                              </p:par>
-                            </p:childTnLst>
-                          </p:cTn>
-                        </p:par>
-                      </p:childTnLst>
-                    </p:cTn>
-                  </p:par>
-                </p:childTnLst>
-              </p:cTn>
-              <p:prevCondLst>
-                <p:cond evt="onPrev" delay="0">
-                  <p:tgtEl>
-                    <p:sldTgt/>
-                  </p:tgtEl>
-                </p:cond>
-              </p:prevCondLst>
-              <p:nextCondLst>
-                <p:cond evt="onNext" delay="0">
-                  <p:tgtEl>
-                    <p:sldTgt/>
-                  </p:tgtEl>
-                </p:cond>
-              </p:nextCondLst>
-            </p:seq>
-          </p:childTnLst>
-        </p:cTn>
-      </p:par>
-    </p:tnLst>
-    <p:bldLst>
-      <p:bldP spid="3" grpId="0" build="p"/>
-    </p:bldLst>
-  </p:timing>
-</p:sld>
-</file>
-
-<file path=ppt/slides/slide6.xml><?xml version="1.0" encoding="utf-8"?>
-<p:sld xmlns:a="http://schemas.openxmlformats.org/drawingml/2006/main" xmlns:r="http://schemas.openxmlformats.org/officeDocument/2006/relationships" xmlns:p="http://schemas.openxmlformats.org/presentationml/2006/main">
-  <p:cSld>
-    <p:spTree>
-      <p:nvGrpSpPr>
-        <p:cNvPr id="1" name=""/>
-        <p:cNvGrpSpPr/>
-        <p:nvPr/>
-      </p:nvGrpSpPr>
-      <p:grpSpPr>
-        <a:xfrm>
-          <a:off x="0" y="0"/>
-          <a:ext cx="0" cy="0"/>
-          <a:chOff x="0" y="0"/>
-          <a:chExt cx="0" cy="0"/>
-        </a:xfrm>
-      </p:grpSpPr>
-      <p:sp>
-        <p:nvSpPr>
-          <p:cNvPr id="2" name="Title 1"/>
-          <p:cNvSpPr>
-            <a:spLocks noGrp="1"/>
-          </p:cNvSpPr>
-          <p:nvPr>
-            <p:ph type="title"/>
-          </p:nvPr>
-        </p:nvSpPr>
-        <p:spPr/>
-        <p:txBody>
-          <a:bodyPr/>
-          <a:lstStyle/>
-          <a:p>
-            <a:r>
-              <a:rPr lang="en-US" dirty="0"/>
-              <a:t>Newton’s Third Law</a:t>
-            </a:r>
-          </a:p>
-        </p:txBody>
-      </p:sp>
-      <p:sp>
-        <p:nvSpPr>
-          <p:cNvPr id="3" name="Content Placeholder 2"/>
-          <p:cNvSpPr>
-            <a:spLocks noGrp="1"/>
-          </p:cNvSpPr>
-          <p:nvPr>
-            <p:ph idx="1"/>
-          </p:nvPr>
-        </p:nvSpPr>
-        <p:spPr>
-          <a:xfrm>
-            <a:off x="457200" y="1600200"/>
-            <a:ext cx="4191000" cy="4525963"/>
-          </a:xfrm>
-        </p:spPr>
-        <p:txBody>
-          <a:bodyPr>
-            <a:normAutofit fontScale="77500" lnSpcReduction="20000"/>
-          </a:bodyPr>
-          <a:lstStyle/>
-          <a:p>
-            <a:r>
-              <a:rPr lang="en-US" dirty="0"/>
-              <a:t>Newton’s Third states that “for every action (force) there is an equal and opposite reaction (other force)”.</a:t>
-            </a:r>
-          </a:p>
-          <a:p>
-            <a:endParaRPr lang="en-US" dirty="0"/>
-          </a:p>
-          <a:p>
-            <a:r>
-              <a:rPr lang="en-US" dirty="0"/>
-              <a:t>In a structure, this </a:t>
-            </a:r>
-            <a:r>
-              <a:rPr lang="en-US"/>
-              <a:t>means that </a:t>
-            </a:r>
-            <a:r>
-              <a:rPr lang="en-US" dirty="0"/>
-              <a:t>whenever two bodies are connected, the force that body A exerts on body B will be equal and opposite to the force that body B exerts on Body A.</a:t>
-            </a:r>
-          </a:p>
-        </p:txBody>
-      </p:sp>
-      <p:sp>
-        <p:nvSpPr>
-          <p:cNvPr id="4" name="Slide Number Placeholder 3"/>
-          <p:cNvSpPr>
-            <a:spLocks noGrp="1"/>
-          </p:cNvSpPr>
-          <p:nvPr>
-            <p:ph type="sldNum" sz="quarter" idx="12"/>
-          </p:nvPr>
-        </p:nvSpPr>
-        <p:spPr/>
-        <p:txBody>
-          <a:bodyPr/>
-          <a:lstStyle/>
-          <a:p>
-            <a:fld id="{929262FE-7F58-4A1E-8AF3-5A510A86DEBD}" type="slidenum">
-              <a:rPr lang="en-US" smtClean="0"/>
-              <a:t>6</a:t>
-            </a:fld>
-            <a:endParaRPr lang="en-US"/>
-          </a:p>
-        </p:txBody>
-      </p:sp>
-      <p:pic>
-        <p:nvPicPr>
-          <p:cNvPr id="1026" name="Picture 2" descr="C-clamp on a piece of wood"/>
-          <p:cNvPicPr>
-            <a:picLocks noChangeAspect="1" noChangeArrowheads="1"/>
-          </p:cNvPicPr>
-          <p:nvPr/>
-        </p:nvPicPr>
-        <p:blipFill>
-          <a:blip r:embed="rId2">
-            <a:extLst>
-              <a:ext uri="{28A0092B-C50C-407E-A947-70E740481C1C}">
-                <a14:useLocalDpi xmlns:a14="http://schemas.microsoft.com/office/drawing/2010/main" val="0"/>
-              </a:ext>
-            </a:extLst>
-          </a:blip>
-          <a:srcRect/>
-          <a:stretch>
-            <a:fillRect/>
-          </a:stretch>
-        </p:blipFill>
-        <p:spPr bwMode="auto">
-          <a:xfrm>
-            <a:off x="4953000" y="1752600"/>
-            <a:ext cx="3505200" cy="4276346"/>
-          </a:xfrm>
-          <a:prstGeom prst="rect">
-            <a:avLst/>
-          </a:prstGeom>
-          <a:noFill/>
-          <a:extLst>
-            <a:ext uri="{909E8E84-426E-40DD-AFC4-6F175D3DCCD1}">
-              <a14:hiddenFill xmlns:a14="http://schemas.microsoft.com/office/drawing/2010/main">
-                <a:solidFill>
-                  <a:srgbClr val="FFFFFF"/>
-                </a:solidFill>
-              </a14:hiddenFill>
-            </a:ext>
-          </a:extLst>
-        </p:spPr>
-      </p:pic>
-    </p:spTree>
-    <p:extLst>
-      <p:ext uri="{BB962C8B-B14F-4D97-AF65-F5344CB8AC3E}">
-        <p14:creationId xmlns:p14="http://schemas.microsoft.com/office/powerpoint/2010/main" val="3416991234"/>
-      </p:ext>
-    </p:extLst>
-  </p:cSld>
-  <p:clrMapOvr>
-    <a:masterClrMapping/>
-  </p:clrMapOvr>
-  <p:timing>
-    <p:tnLst>
-      <p:par>
-        <p:cTn id="1" dur="indefinite" restart="never" nodeType="tmRoot">
-          <p:childTnLst>
-            <p:seq concurrent="1" nextAc="seek">
-              <p:cTn id="2" dur="indefinite" nodeType="mainSeq">
-                <p:childTnLst>
-                  <p:par>
-                    <p:cTn id="3" fill="hold">
-                      <p:stCondLst>
-                        <p:cond delay="indefinite"/>
-                      </p:stCondLst>
-                      <p:childTnLst>
-                        <p:par>
-                          <p:cTn id="4" fill="hold">
-                            <p:stCondLst>
-                              <p:cond delay="0"/>
-                            </p:stCondLst>
-                            <p:childTnLst>
-                              <p:par>
-                                <p:cTn id="5" presetID="1" presetClass="entr" presetSubtype="0" fill="hold" grpId="0" nodeType="clickEffect">
-                                  <p:stCondLst>
-                                    <p:cond delay="0"/>
-                                  </p:stCondLst>
-                                  <p:childTnLst>
-                                    <p:set>
-                                      <p:cBhvr>
-                                        <p:cTn id="6" dur="1" fill="hold">
-                                          <p:stCondLst>
-                                            <p:cond delay="0"/>
-                                          </p:stCondLst>
-                                        </p:cTn>
-                                        <p:tgtEl>
-                                          <p:spTgt spid="3">
-                                            <p:txEl>
-                                              <p:pRg st="0" end="0"/>
-                                            </p:txEl>
-                                          </p:spTgt>
-                                        </p:tgtEl>
-                                        <p:attrNameLst>
-                                          <p:attrName>style.visibility</p:attrName>
-                                        </p:attrNameLst>
-                                      </p:cBhvr>
-                                      <p:to>
-                                        <p:strVal val="visible"/>
-                                      </p:to>
-                                    </p:set>
-                                  </p:childTnLst>
-                                </p:cTn>
-                              </p:par>
-                            </p:childTnLst>
-                          </p:cTn>
-                        </p:par>
-                      </p:childTnLst>
-                    </p:cTn>
-                  </p:par>
-                  <p:par>
-                    <p:cTn id="7" fill="hold">
-                      <p:stCondLst>
-                        <p:cond delay="indefinite"/>
-                      </p:stCondLst>
-                      <p:childTnLst>
-                        <p:par>
-                          <p:cTn id="8" fill="hold">
-                            <p:stCondLst>
-                              <p:cond delay="0"/>
-                            </p:stCondLst>
-                            <p:childTnLst>
-                              <p:par>
-                                <p:cTn id="9" presetID="1" presetClass="entr" presetSubtype="0" fill="hold" grpId="0" nodeType="clickEffect">
-                                  <p:stCondLst>
-                                    <p:cond delay="0"/>
-                                  </p:stCondLst>
-                                  <p:childTnLst>
-                                    <p:set>
-                                      <p:cBhvr>
-                                        <p:cTn id="10" dur="1" fill="hold">
-                                          <p:stCondLst>
-                                            <p:cond delay="0"/>
-                                          </p:stCondLst>
-                                        </p:cTn>
-                                        <p:tgtEl>
-                                          <p:spTgt spid="3">
-                                            <p:txEl>
-                                              <p:pRg st="2" end="2"/>
-                                            </p:txEl>
-                                          </p:spTgt>
-                                        </p:tgtEl>
-                                        <p:attrNameLst>
-                                          <p:attrName>style.visibility</p:attrName>
-                                        </p:attrNameLst>
-                                      </p:cBhvr>
-                                      <p:to>
-                                        <p:strVal val="visible"/>
-                                      </p:to>
-                                    </p:set>
-                                  </p:childTnLst>
-                                </p:cTn>
-                              </p:par>
-                            </p:childTnLst>
-                          </p:cTn>
-                        </p:par>
-                      </p:childTnLst>
-                    </p:cTn>
-                  </p:par>
-                  <p:par>
-                    <p:cTn id="11" fill="hold">
-                      <p:stCondLst>
-                        <p:cond delay="indefinite"/>
-                      </p:stCondLst>
-                      <p:childTnLst>
-                        <p:par>
-                          <p:cTn id="12" fill="hold">
-                            <p:stCondLst>
-                              <p:cond delay="0"/>
-                            </p:stCondLst>
-                            <p:childTnLst>
-                              <p:par>
-                                <p:cTn id="13" presetID="10" presetClass="entr" presetSubtype="0" fill="hold" nodeType="clickEffect">
-                                  <p:stCondLst>
-                                    <p:cond delay="0"/>
-                                  </p:stCondLst>
-                                  <p:childTnLst>
-                                    <p:set>
-                                      <p:cBhvr>
-                                        <p:cTn id="14" dur="1" fill="hold">
-                                          <p:stCondLst>
-                                            <p:cond delay="0"/>
-                                          </p:stCondLst>
-                                        </p:cTn>
-                                        <p:tgtEl>
-                                          <p:spTgt spid="1026"/>
-                                        </p:tgtEl>
-                                        <p:attrNameLst>
-                                          <p:attrName>style.visibility</p:attrName>
-                                        </p:attrNameLst>
-                                      </p:cBhvr>
-                                      <p:to>
-                                        <p:strVal val="visible"/>
-                                      </p:to>
-                                    </p:set>
-                                    <p:animEffect transition="in" filter="fade">
-                                      <p:cBhvr>
-                                        <p:cTn id="15" dur="500"/>
-                                        <p:tgtEl>
-                                          <p:spTgt spid="1026"/>
-                                        </p:tgtEl>
-                                      </p:cBhvr>
-                                    </p:animEffect>
-                                  </p:childTnLst>
-                                </p:cTn>
-                              </p:par>
-                            </p:childTnLst>
-                          </p:cTn>
-                        </p:par>
-                      </p:childTnLst>
-                    </p:cTn>
-                  </p:par>
-                </p:childTnLst>
-              </p:cTn>
-              <p:prevCondLst>
-                <p:cond evt="onPrev" delay="0">
-                  <p:tgtEl>
-                    <p:sldTgt/>
-                  </p:tgtEl>
-                </p:cond>
-              </p:prevCondLst>
-              <p:nextCondLst>
-                <p:cond evt="onNext" delay="0">
-                  <p:tgtEl>
-                    <p:sldTgt/>
-                  </p:tgtEl>
-                </p:cond>
-              </p:nextCondLst>
-            </p:seq>
-          </p:childTnLst>
-        </p:cTn>
-      </p:par>
-    </p:tnLst>
-    <p:bldLst>
-      <p:bldP spid="3" grpId="0" build="p"/>
-    </p:bldLst>
-  </p:timing>
-</p:sld>
-</file>
-
-<file path=ppt/slides/slide7.xml><?xml version="1.0" encoding="utf-8"?>
-<p:sld xmlns:a="http://schemas.openxmlformats.org/drawingml/2006/main" xmlns:r="http://schemas.openxmlformats.org/officeDocument/2006/relationships" xmlns:p="http://schemas.openxmlformats.org/presentationml/2006/main">
-  <p:cSld>
-    <p:spTree>
-      <p:nvGrpSpPr>
-        <p:cNvPr id="1" name=""/>
-        <p:cNvGrpSpPr/>
-        <p:nvPr/>
-      </p:nvGrpSpPr>
-      <p:grpSpPr>
-        <a:xfrm>
-          <a:off x="0" y="0"/>
-          <a:ext cx="0" cy="0"/>
-          <a:chOff x="0" y="0"/>
-          <a:chExt cx="0" cy="0"/>
-        </a:xfrm>
-      </p:grpSpPr>
-      <p:sp>
-        <p:nvSpPr>
-          <p:cNvPr id="2" name="Title 1"/>
-          <p:cNvSpPr>
-            <a:spLocks noGrp="1"/>
-          </p:cNvSpPr>
-          <p:nvPr>
-            <p:ph type="title"/>
-          </p:nvPr>
-        </p:nvSpPr>
-        <p:spPr/>
-        <p:txBody>
-          <a:bodyPr/>
-          <a:lstStyle/>
-          <a:p>
-            <a:r>
-              <a:rPr lang="en-US" dirty="0"/>
-              <a:t>Newton’s Third Law</a:t>
-            </a:r>
-          </a:p>
-        </p:txBody>
-      </p:sp>
-      <p:sp>
-        <p:nvSpPr>
-          <p:cNvPr id="3" name="Content Placeholder 2"/>
-          <p:cNvSpPr>
-            <a:spLocks noGrp="1"/>
-          </p:cNvSpPr>
-          <p:nvPr>
-            <p:ph idx="1"/>
-          </p:nvPr>
-        </p:nvSpPr>
-        <p:spPr>
-          <a:xfrm>
-            <a:off x="4343400" y="1600200"/>
-            <a:ext cx="4495800" cy="4756150"/>
-          </a:xfrm>
-        </p:spPr>
-        <p:txBody>
-          <a:bodyPr>
-            <a:normAutofit fontScale="85000" lnSpcReduction="20000"/>
-          </a:bodyPr>
-          <a:lstStyle/>
-          <a:p>
-            <a:r>
-              <a:rPr lang="en-US" dirty="0"/>
-              <a:t>Though you analyze each body separately, </a:t>
-            </a:r>
-            <a:r>
-              <a:rPr lang="en-US" b="1" dirty="0"/>
-              <a:t>Third Law pairs </a:t>
-            </a:r>
-            <a:r>
-              <a:rPr lang="en-US" dirty="0"/>
-              <a:t>of forces will exist wherever two separate members in the structure are connected to one another.</a:t>
-            </a:r>
-          </a:p>
-          <a:p>
-            <a:r>
-              <a:rPr lang="en-US" dirty="0"/>
-              <a:t>These pairs will be </a:t>
-            </a:r>
-            <a:r>
-              <a:rPr lang="en-US" b="1" dirty="0"/>
-              <a:t>equal in magnitude </a:t>
-            </a:r>
-            <a:r>
-              <a:rPr lang="en-US" dirty="0"/>
-              <a:t>but </a:t>
-            </a:r>
-            <a:r>
-              <a:rPr lang="en-US" b="1" dirty="0"/>
-              <a:t>opposite in direction</a:t>
-            </a:r>
-            <a:r>
-              <a:rPr lang="en-US" dirty="0"/>
-              <a:t>.</a:t>
-            </a:r>
-          </a:p>
-          <a:p>
-            <a:r>
-              <a:rPr lang="en-US" dirty="0"/>
-              <a:t>This reduces the number of unknowns you will need to solve for.</a:t>
-            </a:r>
-          </a:p>
-        </p:txBody>
-      </p:sp>
-      <p:sp>
-        <p:nvSpPr>
-          <p:cNvPr id="4" name="Slide Number Placeholder 3"/>
-          <p:cNvSpPr>
-            <a:spLocks noGrp="1"/>
-          </p:cNvSpPr>
-          <p:nvPr>
-            <p:ph type="sldNum" sz="quarter" idx="12"/>
-          </p:nvPr>
-        </p:nvSpPr>
-        <p:spPr/>
-        <p:txBody>
-          <a:bodyPr/>
-          <a:lstStyle/>
-          <a:p>
-            <a:fld id="{929262FE-7F58-4A1E-8AF3-5A510A86DEBD}" type="slidenum">
-              <a:rPr lang="en-US" smtClean="0"/>
-              <a:t>7</a:t>
-            </a:fld>
-            <a:endParaRPr lang="en-US"/>
-          </a:p>
-        </p:txBody>
-      </p:sp>
-      <p:pic>
-        <p:nvPicPr>
-          <p:cNvPr id="5" name="Picture 2"/>
-          <p:cNvPicPr>
-            <a:picLocks noChangeAspect="1" noChangeArrowheads="1"/>
-          </p:cNvPicPr>
-          <p:nvPr/>
-        </p:nvPicPr>
-        <p:blipFill>
-          <a:blip r:embed="rId2">
-            <a:extLst>
-              <a:ext uri="{28A0092B-C50C-407E-A947-70E740481C1C}">
-                <a14:useLocalDpi xmlns:a14="http://schemas.microsoft.com/office/drawing/2010/main" val="0"/>
-              </a:ext>
-            </a:extLst>
-          </a:blip>
-          <a:srcRect/>
-          <a:stretch>
-            <a:fillRect/>
-          </a:stretch>
-        </p:blipFill>
-        <p:spPr bwMode="auto">
-          <a:xfrm>
-            <a:off x="165462" y="2362200"/>
-            <a:ext cx="4025538" cy="3103659"/>
-          </a:xfrm>
-          <a:prstGeom prst="rect">
-            <a:avLst/>
-          </a:prstGeom>
-          <a:noFill/>
-          <a:ln>
-            <a:noFill/>
-          </a:ln>
-          <a:extLst>
-            <a:ext uri="{909E8E84-426E-40DD-AFC4-6F175D3DCCD1}">
-              <a14:hiddenFill xmlns:a14="http://schemas.microsoft.com/office/drawing/2010/main">
-                <a:solidFill>
-                  <a:schemeClr val="accent1"/>
-                </a:solidFill>
-              </a14:hiddenFill>
-            </a:ext>
-            <a:ext uri="{91240B29-F687-4F45-9708-019B960494DF}">
-              <a14:hiddenLine xmlns:a14="http://schemas.microsoft.com/office/drawing/2010/main" w="9525">
-                <a:solidFill>
-                  <a:schemeClr val="tx1"/>
-                </a:solidFill>
-                <a:miter lim="800000"/>
-                <a:headEnd/>
-                <a:tailEnd/>
-              </a14:hiddenLine>
-            </a:ext>
-          </a:extLst>
-        </p:spPr>
-      </p:pic>
-      <p:sp>
-        <p:nvSpPr>
-          <p:cNvPr id="6" name="Rectangle 5"/>
-          <p:cNvSpPr/>
-          <p:nvPr/>
-        </p:nvSpPr>
-        <p:spPr>
-          <a:xfrm>
-            <a:off x="3276600" y="3505200"/>
-            <a:ext cx="1111431" cy="1219200"/>
-          </a:xfrm>
-          <a:prstGeom prst="rect">
-            <a:avLst/>
-          </a:prstGeom>
-          <a:noFill/>
-          <a:ln w="38100">
-            <a:solidFill>
-              <a:srgbClr val="FF0000"/>
-            </a:solidFill>
-            <a:prstDash val="dash"/>
-          </a:ln>
-        </p:spPr>
-        <p:style>
-          <a:lnRef idx="2">
-            <a:schemeClr val="accent2"/>
-          </a:lnRef>
-          <a:fillRef idx="1">
-            <a:schemeClr val="lt1"/>
-          </a:fillRef>
-          <a:effectRef idx="0">
-            <a:schemeClr val="accent2"/>
-          </a:effectRef>
-          <a:fontRef idx="minor">
-            <a:schemeClr val="dk1"/>
-          </a:fontRef>
-        </p:style>
-        <p:txBody>
-          <a:bodyPr rtlCol="0" anchor="ctr"/>
-          <a:lstStyle/>
-          <a:p>
-            <a:pPr algn="ctr"/>
-            <a:endParaRPr lang="en-US"/>
-          </a:p>
-        </p:txBody>
-      </p:sp>
-    </p:spTree>
-    <p:extLst>
-      <p:ext uri="{BB962C8B-B14F-4D97-AF65-F5344CB8AC3E}">
-        <p14:creationId xmlns:p14="http://schemas.microsoft.com/office/powerpoint/2010/main" val="1021619719"/>
-      </p:ext>
-    </p:extLst>
-  </p:cSld>
-  <p:clrMapOvr>
-    <a:masterClrMapping/>
-  </p:clrMapOvr>
-  <p:timing>
-    <p:tnLst>
-      <p:par>
-        <p:cTn id="1" dur="indefinite" restart="never" nodeType="tmRoot">
-          <p:childTnLst>
-            <p:seq concurrent="1" nextAc="seek">
-              <p:cTn id="2" dur="indefinite" nodeType="mainSeq">
-                <p:childTnLst>
-                  <p:par>
-                    <p:cTn id="3" fill="hold">
-                      <p:stCondLst>
-                        <p:cond delay="indefinite"/>
-                      </p:stCondLst>
-                      <p:childTnLst>
-                        <p:par>
-                          <p:cTn id="4" fill="hold">
-                            <p:stCondLst>
-                              <p:cond delay="0"/>
-                            </p:stCondLst>
-                            <p:childTnLst>
-                              <p:par>
-                                <p:cTn id="5" presetID="1" presetClass="entr" presetSubtype="0" fill="hold" grpId="0" nodeType="clickEffect">
-                                  <p:stCondLst>
-                                    <p:cond delay="0"/>
-                                  </p:stCondLst>
-                                  <p:childTnLst>
-                                    <p:set>
-                                      <p:cBhvr>
-                                        <p:cTn id="6" dur="1" fill="hold">
-                                          <p:stCondLst>
-                                            <p:cond delay="0"/>
-                                          </p:stCondLst>
-                                        </p:cTn>
-                                        <p:tgtEl>
-                                          <p:spTgt spid="3">
-                                            <p:txEl>
-                                              <p:pRg st="0" end="0"/>
-                                            </p:txEl>
-                                          </p:spTgt>
-                                        </p:tgtEl>
-                                        <p:attrNameLst>
-                                          <p:attrName>style.visibility</p:attrName>
-                                        </p:attrNameLst>
-                                      </p:cBhvr>
-                                      <p:to>
-                                        <p:strVal val="visible"/>
-                                      </p:to>
-                                    </p:set>
-                                  </p:childTnLst>
-                                </p:cTn>
-                              </p:par>
-                            </p:childTnLst>
-                          </p:cTn>
-                        </p:par>
-                      </p:childTnLst>
-                    </p:cTn>
-                  </p:par>
-                  <p:par>
-                    <p:cTn id="7" fill="hold">
-                      <p:stCondLst>
-                        <p:cond delay="indefinite"/>
-                      </p:stCondLst>
-                      <p:childTnLst>
-                        <p:par>
-                          <p:cTn id="8" fill="hold">
-                            <p:stCondLst>
-                              <p:cond delay="0"/>
-                            </p:stCondLst>
-                            <p:childTnLst>
-                              <p:par>
-                                <p:cTn id="9" presetID="10" presetClass="entr" presetSubtype="0" fill="hold" grpId="0" nodeType="clickEffect">
-                                  <p:stCondLst>
-                                    <p:cond delay="0"/>
-                                  </p:stCondLst>
-                                  <p:childTnLst>
-                                    <p:set>
-                                      <p:cBhvr>
-                                        <p:cTn id="10" dur="1" fill="hold">
-                                          <p:stCondLst>
-                                            <p:cond delay="0"/>
-                                          </p:stCondLst>
-                                        </p:cTn>
-                                        <p:tgtEl>
-                                          <p:spTgt spid="6"/>
-                                        </p:tgtEl>
-                                        <p:attrNameLst>
-                                          <p:attrName>style.visibility</p:attrName>
-                                        </p:attrNameLst>
-                                      </p:cBhvr>
-                                      <p:to>
-                                        <p:strVal val="visible"/>
-                                      </p:to>
-                                    </p:set>
-                                    <p:animEffect transition="in" filter="fade">
-                                      <p:cBhvr>
-                                        <p:cTn id="11" dur="500"/>
-                                        <p:tgtEl>
-                                          <p:spTgt spid="6"/>
-                                        </p:tgtEl>
-                                      </p:cBhvr>
-                                    </p:animEffect>
-                                  </p:childTnLst>
-                                </p:cTn>
-                              </p:par>
-                            </p:childTnLst>
-                          </p:cTn>
-                        </p:par>
-                      </p:childTnLst>
-                    </p:cTn>
-                  </p:par>
-                  <p:par>
-                    <p:cTn id="12" fill="hold">
-                      <p:stCondLst>
-                        <p:cond delay="indefinite"/>
-                      </p:stCondLst>
-                      <p:childTnLst>
-                        <p:par>
-                          <p:cTn id="13" fill="hold">
-                            <p:stCondLst>
-                              <p:cond delay="0"/>
-                            </p:stCondLst>
-                            <p:childTnLst>
-                              <p:par>
-                                <p:cTn id="14" presetID="1" presetClass="entr" presetSubtype="0" fill="hold" grpId="0" nodeType="clickEffect">
-                                  <p:stCondLst>
-                                    <p:cond delay="0"/>
-                                  </p:stCondLst>
-                                  <p:childTnLst>
-                                    <p:set>
-                                      <p:cBhvr>
-                                        <p:cTn id="15" dur="1" fill="hold">
-                                          <p:stCondLst>
-                                            <p:cond delay="0"/>
-                                          </p:stCondLst>
-                                        </p:cTn>
-                                        <p:tgtEl>
-                                          <p:spTgt spid="3">
-                                            <p:txEl>
-                                              <p:pRg st="1" end="1"/>
-                                            </p:txEl>
-                                          </p:spTgt>
-                                        </p:tgtEl>
-                                        <p:attrNameLst>
-                                          <p:attrName>style.visibility</p:attrName>
-                                        </p:attrNameLst>
-                                      </p:cBhvr>
-                                      <p:to>
-                                        <p:strVal val="visible"/>
-                                      </p:to>
-                                    </p:set>
-                                  </p:childTnLst>
-                                </p:cTn>
-                              </p:par>
-                            </p:childTnLst>
-                          </p:cTn>
-                        </p:par>
-                      </p:childTnLst>
-                    </p:cTn>
-                  </p:par>
-                  <p:par>
-                    <p:cTn id="16" fill="hold">
-                      <p:stCondLst>
-                        <p:cond delay="indefinite"/>
-                      </p:stCondLst>
-                      <p:childTnLst>
-                        <p:par>
-                          <p:cTn id="17" fill="hold">
-                            <p:stCondLst>
-                              <p:cond delay="0"/>
-                            </p:stCondLst>
-                            <p:childTnLst>
-                              <p:par>
-                                <p:cTn id="18" presetID="1" presetClass="entr" presetSubtype="0" fill="hold" grpId="0" nodeType="clickEffect">
-                                  <p:stCondLst>
-                                    <p:cond delay="0"/>
-                                  </p:stCondLst>
-                                  <p:childTnLst>
-                                    <p:set>
-                                      <p:cBhvr>
-                                        <p:cTn id="19" dur="1" fill="hold">
-                                          <p:stCondLst>
-                                            <p:cond delay="0"/>
-                                          </p:stCondLst>
-                                        </p:cTn>
-                                        <p:tgtEl>
-                                          <p:spTgt spid="3">
-                                            <p:txEl>
-                                              <p:pRg st="2" end="2"/>
-                                            </p:txEl>
-                                          </p:spTgt>
-                                        </p:tgtEl>
-                                        <p:attrNameLst>
-                                          <p:attrName>style.visibility</p:attrName>
-                                        </p:attrNameLst>
-                                      </p:cBhvr>
-                                      <p:to>
-                                        <p:strVal val="visible"/>
-                                      </p:to>
-                                    </p:set>
-                                  </p:childTnLst>
-                                </p:cTn>
-                              </p:par>
-                            </p:childTnLst>
-                          </p:cTn>
-                        </p:par>
-                      </p:childTnLst>
-                    </p:cTn>
-                  </p:par>
-                </p:childTnLst>
-              </p:cTn>
-              <p:prevCondLst>
-                <p:cond evt="onPrev" delay="0">
-                  <p:tgtEl>
-                    <p:sldTgt/>
-                  </p:tgtEl>
-                </p:cond>
-              </p:prevCondLst>
-              <p:nextCondLst>
-                <p:cond evt="onNext" delay="0">
-                  <p:tgtEl>
-                    <p:sldTgt/>
-                  </p:tgtEl>
-                </p:cond>
-              </p:nextCondLst>
-            </p:seq>
-          </p:childTnLst>
-        </p:cTn>
-      </p:par>
-    </p:tnLst>
-    <p:bldLst>
-      <p:bldP spid="3" grpId="0" uiExpand="1" build="p"/>
-      <p:bldP spid="6" grpId="0" animBg="1"/>
-    </p:bldLst>
-  </p:timing>
-</p:sld>
-</file>
-
-<file path=ppt/slides/slide8.xml><?xml version="1.0" encoding="utf-8"?>
-<p:sld xmlns:a="http://schemas.openxmlformats.org/drawingml/2006/main" xmlns:r="http://schemas.openxmlformats.org/officeDocument/2006/relationships" xmlns:p="http://schemas.openxmlformats.org/presentationml/2006/main">
-  <p:cSld>
-    <p:spTree>
-      <p:nvGrpSpPr>
-        <p:cNvPr id="1" name=""/>
-        <p:cNvGrpSpPr/>
-        <p:nvPr/>
-      </p:nvGrpSpPr>
-      <p:grpSpPr>
-        <a:xfrm>
-          <a:off x="0" y="0"/>
-          <a:ext cx="0" cy="0"/>
-          <a:chOff x="0" y="0"/>
-          <a:chExt cx="0" cy="0"/>
-        </a:xfrm>
-      </p:grpSpPr>
-      <p:sp>
-        <p:nvSpPr>
           <p:cNvPr id="2" name="Title 1"/>
           <p:cNvSpPr>
             <a:spLocks noGrp="1"/>
@@ -7357,7 +4330,7 @@
           <a:p>
             <a:fld id="{929262FE-7F58-4A1E-8AF3-5A510A86DEBD}" type="slidenum">
               <a:rPr lang="en-US" smtClean="0"/>
-              <a:t>8</a:t>
+              <a:t>10</a:t>
             </a:fld>
             <a:endParaRPr lang="en-US"/>
           </a:p>
@@ -7561,7 +4534,7 @@
 </p:sld>
 </file>
 
-<file path=ppt/slides/slide9.xml><?xml version="1.0" encoding="utf-8"?>
+<file path=ppt/slides/slide11.xml><?xml version="1.0" encoding="utf-8"?>
 <p:sld xmlns:a="http://schemas.openxmlformats.org/drawingml/2006/main" xmlns:r="http://schemas.openxmlformats.org/officeDocument/2006/relationships" xmlns:p="http://schemas.openxmlformats.org/presentationml/2006/main">
   <p:cSld>
     <p:spTree>
@@ -8648,6 +5621,4871 @@
 </p:sld>
 </file>
 
+<file path=ppt/slides/slide12.xml><?xml version="1.0" encoding="utf-8"?>
+<p:sld xmlns:a="http://schemas.openxmlformats.org/drawingml/2006/main" xmlns:r="http://schemas.openxmlformats.org/officeDocument/2006/relationships" xmlns:p="http://schemas.openxmlformats.org/presentationml/2006/main">
+  <p:cSld>
+    <p:spTree>
+      <p:nvGrpSpPr>
+        <p:cNvPr id="1" name=""/>
+        <p:cNvGrpSpPr/>
+        <p:nvPr/>
+      </p:nvGrpSpPr>
+      <p:grpSpPr>
+        <a:xfrm>
+          <a:off x="0" y="0"/>
+          <a:ext cx="0" cy="0"/>
+          <a:chOff x="0" y="0"/>
+          <a:chExt cx="0" cy="0"/>
+        </a:xfrm>
+      </p:grpSpPr>
+      <p:sp>
+        <p:nvSpPr>
+          <p:cNvPr id="2" name="Title 1">
+            <a:extLst>
+              <a:ext uri="{FF2B5EF4-FFF2-40B4-BE49-F238E27FC236}">
+                <a16:creationId xmlns:a16="http://schemas.microsoft.com/office/drawing/2014/main" id="{FFCA34D8-4772-46AC-8945-059AA36DA3EC}"/>
+              </a:ext>
+            </a:extLst>
+          </p:cNvPr>
+          <p:cNvSpPr>
+            <a:spLocks noGrp="1"/>
+          </p:cNvSpPr>
+          <p:nvPr>
+            <p:ph type="title"/>
+          </p:nvPr>
+        </p:nvSpPr>
+        <p:spPr/>
+        <p:txBody>
+          <a:bodyPr>
+            <a:normAutofit/>
+          </a:bodyPr>
+          <a:lstStyle/>
+          <a:p>
+            <a:r>
+              <a:rPr lang="en-US" dirty="0"/>
+              <a:t>Methods for Analyzing Structures</a:t>
+            </a:r>
+          </a:p>
+        </p:txBody>
+      </p:sp>
+      <p:sp>
+        <p:nvSpPr>
+          <p:cNvPr id="3" name="Content Placeholder 2">
+            <a:extLst>
+              <a:ext uri="{FF2B5EF4-FFF2-40B4-BE49-F238E27FC236}">
+                <a16:creationId xmlns:a16="http://schemas.microsoft.com/office/drawing/2014/main" id="{C99C55A3-62BE-40C6-B473-94C02E21D020}"/>
+              </a:ext>
+            </a:extLst>
+          </p:cNvPr>
+          <p:cNvSpPr>
+            <a:spLocks noGrp="1"/>
+          </p:cNvSpPr>
+          <p:nvPr>
+            <p:ph idx="1"/>
+          </p:nvPr>
+        </p:nvSpPr>
+        <p:spPr/>
+        <p:txBody>
+          <a:bodyPr/>
+          <a:lstStyle/>
+          <a:p>
+            <a:r>
+              <a:rPr lang="en-US" dirty="0"/>
+              <a:t>Identify the type of Structure you have</a:t>
+            </a:r>
+          </a:p>
+          <a:p>
+            <a:pPr lvl="1"/>
+            <a:r>
+              <a:rPr lang="en-US" dirty="0"/>
+              <a:t>Trusses</a:t>
+            </a:r>
+          </a:p>
+          <a:p>
+            <a:pPr lvl="2"/>
+            <a:r>
+              <a:rPr lang="en-US" dirty="0"/>
+              <a:t>Method of Joints</a:t>
+            </a:r>
+          </a:p>
+          <a:p>
+            <a:pPr lvl="2"/>
+            <a:r>
+              <a:rPr lang="en-US" dirty="0"/>
+              <a:t>Method of Sections</a:t>
+            </a:r>
+          </a:p>
+          <a:p>
+            <a:pPr lvl="2"/>
+            <a:r>
+              <a:rPr lang="en-US" dirty="0"/>
+              <a:t>Hybrid of Joints and Sections</a:t>
+            </a:r>
+          </a:p>
+          <a:p>
+            <a:pPr lvl="1"/>
+            <a:r>
+              <a:rPr lang="en-US" dirty="0"/>
+              <a:t>Frames and Machines</a:t>
+            </a:r>
+          </a:p>
+          <a:p>
+            <a:pPr lvl="2"/>
+            <a:r>
+              <a:rPr lang="en-US" dirty="0"/>
+              <a:t>Analysis of Frames and Machines</a:t>
+            </a:r>
+          </a:p>
+          <a:p>
+            <a:pPr lvl="3"/>
+            <a:r>
+              <a:rPr lang="en-US" dirty="0"/>
+              <a:t>Relies heavily on Newton’s Third Law</a:t>
+            </a:r>
+          </a:p>
+          <a:p>
+            <a:pPr lvl="3"/>
+            <a:r>
+              <a:rPr lang="en-US" dirty="0"/>
+              <a:t>Still important to identify two force members</a:t>
+            </a:r>
+          </a:p>
+        </p:txBody>
+      </p:sp>
+      <p:sp>
+        <p:nvSpPr>
+          <p:cNvPr id="4" name="Slide Number Placeholder 3">
+            <a:extLst>
+              <a:ext uri="{FF2B5EF4-FFF2-40B4-BE49-F238E27FC236}">
+                <a16:creationId xmlns:a16="http://schemas.microsoft.com/office/drawing/2014/main" id="{58437221-756A-4764-8BC2-F217660EAD92}"/>
+              </a:ext>
+            </a:extLst>
+          </p:cNvPr>
+          <p:cNvSpPr>
+            <a:spLocks noGrp="1"/>
+          </p:cNvSpPr>
+          <p:nvPr>
+            <p:ph type="sldNum" sz="quarter" idx="12"/>
+          </p:nvPr>
+        </p:nvSpPr>
+        <p:spPr/>
+        <p:txBody>
+          <a:bodyPr/>
+          <a:lstStyle/>
+          <a:p>
+            <a:fld id="{929262FE-7F58-4A1E-8AF3-5A510A86DEBD}" type="slidenum">
+              <a:rPr lang="en-US" smtClean="0"/>
+              <a:t>12</a:t>
+            </a:fld>
+            <a:endParaRPr lang="en-US"/>
+          </a:p>
+        </p:txBody>
+      </p:sp>
+    </p:spTree>
+    <p:extLst>
+      <p:ext uri="{BB962C8B-B14F-4D97-AF65-F5344CB8AC3E}">
+        <p14:creationId xmlns:p14="http://schemas.microsoft.com/office/powerpoint/2010/main" val="2501368093"/>
+      </p:ext>
+    </p:extLst>
+  </p:cSld>
+  <p:clrMapOvr>
+    <a:masterClrMapping/>
+  </p:clrMapOvr>
+  <p:timing>
+    <p:tnLst>
+      <p:par>
+        <p:cTn id="1" dur="indefinite" restart="never" nodeType="tmRoot">
+          <p:childTnLst>
+            <p:seq concurrent="1" nextAc="seek">
+              <p:cTn id="2" dur="indefinite" nodeType="mainSeq">
+                <p:childTnLst>
+                  <p:par>
+                    <p:cTn id="3" fill="hold">
+                      <p:stCondLst>
+                        <p:cond delay="indefinite"/>
+                      </p:stCondLst>
+                      <p:childTnLst>
+                        <p:par>
+                          <p:cTn id="4" fill="hold">
+                            <p:stCondLst>
+                              <p:cond delay="0"/>
+                            </p:stCondLst>
+                            <p:childTnLst>
+                              <p:par>
+                                <p:cTn id="5" presetID="1" presetClass="entr" presetSubtype="0" fill="hold" grpId="0" nodeType="clickEffect">
+                                  <p:stCondLst>
+                                    <p:cond delay="0"/>
+                                  </p:stCondLst>
+                                  <p:childTnLst>
+                                    <p:set>
+                                      <p:cBhvr>
+                                        <p:cTn id="6" dur="1" fill="hold">
+                                          <p:stCondLst>
+                                            <p:cond delay="0"/>
+                                          </p:stCondLst>
+                                        </p:cTn>
+                                        <p:tgtEl>
+                                          <p:spTgt spid="3">
+                                            <p:txEl>
+                                              <p:pRg st="0" end="0"/>
+                                            </p:txEl>
+                                          </p:spTgt>
+                                        </p:tgtEl>
+                                        <p:attrNameLst>
+                                          <p:attrName>style.visibility</p:attrName>
+                                        </p:attrNameLst>
+                                      </p:cBhvr>
+                                      <p:to>
+                                        <p:strVal val="visible"/>
+                                      </p:to>
+                                    </p:set>
+                                  </p:childTnLst>
+                                </p:cTn>
+                              </p:par>
+                            </p:childTnLst>
+                          </p:cTn>
+                        </p:par>
+                      </p:childTnLst>
+                    </p:cTn>
+                  </p:par>
+                  <p:par>
+                    <p:cTn id="7" fill="hold">
+                      <p:stCondLst>
+                        <p:cond delay="indefinite"/>
+                      </p:stCondLst>
+                      <p:childTnLst>
+                        <p:par>
+                          <p:cTn id="8" fill="hold">
+                            <p:stCondLst>
+                              <p:cond delay="0"/>
+                            </p:stCondLst>
+                            <p:childTnLst>
+                              <p:par>
+                                <p:cTn id="9" presetID="1" presetClass="entr" presetSubtype="0" fill="hold" grpId="0" nodeType="clickEffect">
+                                  <p:stCondLst>
+                                    <p:cond delay="0"/>
+                                  </p:stCondLst>
+                                  <p:childTnLst>
+                                    <p:set>
+                                      <p:cBhvr>
+                                        <p:cTn id="10" dur="1" fill="hold">
+                                          <p:stCondLst>
+                                            <p:cond delay="0"/>
+                                          </p:stCondLst>
+                                        </p:cTn>
+                                        <p:tgtEl>
+                                          <p:spTgt spid="3">
+                                            <p:txEl>
+                                              <p:pRg st="1" end="1"/>
+                                            </p:txEl>
+                                          </p:spTgt>
+                                        </p:tgtEl>
+                                        <p:attrNameLst>
+                                          <p:attrName>style.visibility</p:attrName>
+                                        </p:attrNameLst>
+                                      </p:cBhvr>
+                                      <p:to>
+                                        <p:strVal val="visible"/>
+                                      </p:to>
+                                    </p:set>
+                                  </p:childTnLst>
+                                </p:cTn>
+                              </p:par>
+                            </p:childTnLst>
+                          </p:cTn>
+                        </p:par>
+                      </p:childTnLst>
+                    </p:cTn>
+                  </p:par>
+                  <p:par>
+                    <p:cTn id="11" fill="hold">
+                      <p:stCondLst>
+                        <p:cond delay="indefinite"/>
+                      </p:stCondLst>
+                      <p:childTnLst>
+                        <p:par>
+                          <p:cTn id="12" fill="hold">
+                            <p:stCondLst>
+                              <p:cond delay="0"/>
+                            </p:stCondLst>
+                            <p:childTnLst>
+                              <p:par>
+                                <p:cTn id="13" presetID="1" presetClass="entr" presetSubtype="0" fill="hold" grpId="0" nodeType="clickEffect">
+                                  <p:stCondLst>
+                                    <p:cond delay="0"/>
+                                  </p:stCondLst>
+                                  <p:childTnLst>
+                                    <p:set>
+                                      <p:cBhvr>
+                                        <p:cTn id="14" dur="1" fill="hold">
+                                          <p:stCondLst>
+                                            <p:cond delay="0"/>
+                                          </p:stCondLst>
+                                        </p:cTn>
+                                        <p:tgtEl>
+                                          <p:spTgt spid="3">
+                                            <p:txEl>
+                                              <p:pRg st="2" end="2"/>
+                                            </p:txEl>
+                                          </p:spTgt>
+                                        </p:tgtEl>
+                                        <p:attrNameLst>
+                                          <p:attrName>style.visibility</p:attrName>
+                                        </p:attrNameLst>
+                                      </p:cBhvr>
+                                      <p:to>
+                                        <p:strVal val="visible"/>
+                                      </p:to>
+                                    </p:set>
+                                  </p:childTnLst>
+                                </p:cTn>
+                              </p:par>
+                            </p:childTnLst>
+                          </p:cTn>
+                        </p:par>
+                      </p:childTnLst>
+                    </p:cTn>
+                  </p:par>
+                  <p:par>
+                    <p:cTn id="15" fill="hold">
+                      <p:stCondLst>
+                        <p:cond delay="indefinite"/>
+                      </p:stCondLst>
+                      <p:childTnLst>
+                        <p:par>
+                          <p:cTn id="16" fill="hold">
+                            <p:stCondLst>
+                              <p:cond delay="0"/>
+                            </p:stCondLst>
+                            <p:childTnLst>
+                              <p:par>
+                                <p:cTn id="17" presetID="1" presetClass="entr" presetSubtype="0" fill="hold" grpId="0" nodeType="clickEffect">
+                                  <p:stCondLst>
+                                    <p:cond delay="0"/>
+                                  </p:stCondLst>
+                                  <p:childTnLst>
+                                    <p:set>
+                                      <p:cBhvr>
+                                        <p:cTn id="18" dur="1" fill="hold">
+                                          <p:stCondLst>
+                                            <p:cond delay="0"/>
+                                          </p:stCondLst>
+                                        </p:cTn>
+                                        <p:tgtEl>
+                                          <p:spTgt spid="3">
+                                            <p:txEl>
+                                              <p:pRg st="3" end="3"/>
+                                            </p:txEl>
+                                          </p:spTgt>
+                                        </p:tgtEl>
+                                        <p:attrNameLst>
+                                          <p:attrName>style.visibility</p:attrName>
+                                        </p:attrNameLst>
+                                      </p:cBhvr>
+                                      <p:to>
+                                        <p:strVal val="visible"/>
+                                      </p:to>
+                                    </p:set>
+                                  </p:childTnLst>
+                                </p:cTn>
+                              </p:par>
+                            </p:childTnLst>
+                          </p:cTn>
+                        </p:par>
+                      </p:childTnLst>
+                    </p:cTn>
+                  </p:par>
+                  <p:par>
+                    <p:cTn id="19" fill="hold">
+                      <p:stCondLst>
+                        <p:cond delay="indefinite"/>
+                      </p:stCondLst>
+                      <p:childTnLst>
+                        <p:par>
+                          <p:cTn id="20" fill="hold">
+                            <p:stCondLst>
+                              <p:cond delay="0"/>
+                            </p:stCondLst>
+                            <p:childTnLst>
+                              <p:par>
+                                <p:cTn id="21" presetID="1" presetClass="entr" presetSubtype="0" fill="hold" grpId="0" nodeType="clickEffect">
+                                  <p:stCondLst>
+                                    <p:cond delay="0"/>
+                                  </p:stCondLst>
+                                  <p:childTnLst>
+                                    <p:set>
+                                      <p:cBhvr>
+                                        <p:cTn id="22" dur="1" fill="hold">
+                                          <p:stCondLst>
+                                            <p:cond delay="0"/>
+                                          </p:stCondLst>
+                                        </p:cTn>
+                                        <p:tgtEl>
+                                          <p:spTgt spid="3">
+                                            <p:txEl>
+                                              <p:pRg st="4" end="4"/>
+                                            </p:txEl>
+                                          </p:spTgt>
+                                        </p:tgtEl>
+                                        <p:attrNameLst>
+                                          <p:attrName>style.visibility</p:attrName>
+                                        </p:attrNameLst>
+                                      </p:cBhvr>
+                                      <p:to>
+                                        <p:strVal val="visible"/>
+                                      </p:to>
+                                    </p:set>
+                                  </p:childTnLst>
+                                </p:cTn>
+                              </p:par>
+                            </p:childTnLst>
+                          </p:cTn>
+                        </p:par>
+                      </p:childTnLst>
+                    </p:cTn>
+                  </p:par>
+                  <p:par>
+                    <p:cTn id="23" fill="hold">
+                      <p:stCondLst>
+                        <p:cond delay="indefinite"/>
+                      </p:stCondLst>
+                      <p:childTnLst>
+                        <p:par>
+                          <p:cTn id="24" fill="hold">
+                            <p:stCondLst>
+                              <p:cond delay="0"/>
+                            </p:stCondLst>
+                            <p:childTnLst>
+                              <p:par>
+                                <p:cTn id="25" presetID="1" presetClass="entr" presetSubtype="0" fill="hold" grpId="0" nodeType="clickEffect">
+                                  <p:stCondLst>
+                                    <p:cond delay="0"/>
+                                  </p:stCondLst>
+                                  <p:childTnLst>
+                                    <p:set>
+                                      <p:cBhvr>
+                                        <p:cTn id="26" dur="1" fill="hold">
+                                          <p:stCondLst>
+                                            <p:cond delay="0"/>
+                                          </p:stCondLst>
+                                        </p:cTn>
+                                        <p:tgtEl>
+                                          <p:spTgt spid="3">
+                                            <p:txEl>
+                                              <p:pRg st="5" end="5"/>
+                                            </p:txEl>
+                                          </p:spTgt>
+                                        </p:tgtEl>
+                                        <p:attrNameLst>
+                                          <p:attrName>style.visibility</p:attrName>
+                                        </p:attrNameLst>
+                                      </p:cBhvr>
+                                      <p:to>
+                                        <p:strVal val="visible"/>
+                                      </p:to>
+                                    </p:set>
+                                  </p:childTnLst>
+                                </p:cTn>
+                              </p:par>
+                            </p:childTnLst>
+                          </p:cTn>
+                        </p:par>
+                      </p:childTnLst>
+                    </p:cTn>
+                  </p:par>
+                  <p:par>
+                    <p:cTn id="27" fill="hold">
+                      <p:stCondLst>
+                        <p:cond delay="indefinite"/>
+                      </p:stCondLst>
+                      <p:childTnLst>
+                        <p:par>
+                          <p:cTn id="28" fill="hold">
+                            <p:stCondLst>
+                              <p:cond delay="0"/>
+                            </p:stCondLst>
+                            <p:childTnLst>
+                              <p:par>
+                                <p:cTn id="29" presetID="1" presetClass="entr" presetSubtype="0" fill="hold" grpId="0" nodeType="clickEffect">
+                                  <p:stCondLst>
+                                    <p:cond delay="0"/>
+                                  </p:stCondLst>
+                                  <p:childTnLst>
+                                    <p:set>
+                                      <p:cBhvr>
+                                        <p:cTn id="30" dur="1" fill="hold">
+                                          <p:stCondLst>
+                                            <p:cond delay="0"/>
+                                          </p:stCondLst>
+                                        </p:cTn>
+                                        <p:tgtEl>
+                                          <p:spTgt spid="3">
+                                            <p:txEl>
+                                              <p:pRg st="6" end="6"/>
+                                            </p:txEl>
+                                          </p:spTgt>
+                                        </p:tgtEl>
+                                        <p:attrNameLst>
+                                          <p:attrName>style.visibility</p:attrName>
+                                        </p:attrNameLst>
+                                      </p:cBhvr>
+                                      <p:to>
+                                        <p:strVal val="visible"/>
+                                      </p:to>
+                                    </p:set>
+                                  </p:childTnLst>
+                                </p:cTn>
+                              </p:par>
+                            </p:childTnLst>
+                          </p:cTn>
+                        </p:par>
+                      </p:childTnLst>
+                    </p:cTn>
+                  </p:par>
+                  <p:par>
+                    <p:cTn id="31" fill="hold">
+                      <p:stCondLst>
+                        <p:cond delay="indefinite"/>
+                      </p:stCondLst>
+                      <p:childTnLst>
+                        <p:par>
+                          <p:cTn id="32" fill="hold">
+                            <p:stCondLst>
+                              <p:cond delay="0"/>
+                            </p:stCondLst>
+                            <p:childTnLst>
+                              <p:par>
+                                <p:cTn id="33" presetID="1" presetClass="entr" presetSubtype="0" fill="hold" grpId="0" nodeType="clickEffect">
+                                  <p:stCondLst>
+                                    <p:cond delay="0"/>
+                                  </p:stCondLst>
+                                  <p:childTnLst>
+                                    <p:set>
+                                      <p:cBhvr>
+                                        <p:cTn id="34" dur="1" fill="hold">
+                                          <p:stCondLst>
+                                            <p:cond delay="0"/>
+                                          </p:stCondLst>
+                                        </p:cTn>
+                                        <p:tgtEl>
+                                          <p:spTgt spid="3">
+                                            <p:txEl>
+                                              <p:pRg st="7" end="7"/>
+                                            </p:txEl>
+                                          </p:spTgt>
+                                        </p:tgtEl>
+                                        <p:attrNameLst>
+                                          <p:attrName>style.visibility</p:attrName>
+                                        </p:attrNameLst>
+                                      </p:cBhvr>
+                                      <p:to>
+                                        <p:strVal val="visible"/>
+                                      </p:to>
+                                    </p:set>
+                                  </p:childTnLst>
+                                </p:cTn>
+                              </p:par>
+                              <p:par>
+                                <p:cTn id="35" presetID="1" presetClass="entr" presetSubtype="0" fill="hold" grpId="0" nodeType="withEffect">
+                                  <p:stCondLst>
+                                    <p:cond delay="0"/>
+                                  </p:stCondLst>
+                                  <p:childTnLst>
+                                    <p:set>
+                                      <p:cBhvr>
+                                        <p:cTn id="36" dur="1" fill="hold">
+                                          <p:stCondLst>
+                                            <p:cond delay="0"/>
+                                          </p:stCondLst>
+                                        </p:cTn>
+                                        <p:tgtEl>
+                                          <p:spTgt spid="3">
+                                            <p:txEl>
+                                              <p:pRg st="8" end="8"/>
+                                            </p:txEl>
+                                          </p:spTgt>
+                                        </p:tgtEl>
+                                        <p:attrNameLst>
+                                          <p:attrName>style.visibility</p:attrName>
+                                        </p:attrNameLst>
+                                      </p:cBhvr>
+                                      <p:to>
+                                        <p:strVal val="visible"/>
+                                      </p:to>
+                                    </p:set>
+                                  </p:childTnLst>
+                                </p:cTn>
+                              </p:par>
+                            </p:childTnLst>
+                          </p:cTn>
+                        </p:par>
+                      </p:childTnLst>
+                    </p:cTn>
+                  </p:par>
+                </p:childTnLst>
+              </p:cTn>
+              <p:prevCondLst>
+                <p:cond evt="onPrev" delay="0">
+                  <p:tgtEl>
+                    <p:sldTgt/>
+                  </p:tgtEl>
+                </p:cond>
+              </p:prevCondLst>
+              <p:nextCondLst>
+                <p:cond evt="onNext" delay="0">
+                  <p:tgtEl>
+                    <p:sldTgt/>
+                  </p:tgtEl>
+                </p:cond>
+              </p:nextCondLst>
+            </p:seq>
+          </p:childTnLst>
+        </p:cTn>
+      </p:par>
+    </p:tnLst>
+    <p:bldLst>
+      <p:bldP spid="3" grpId="0" build="p"/>
+    </p:bldLst>
+  </p:timing>
+</p:sld>
+</file>
+
+<file path=ppt/slides/slide13.xml><?xml version="1.0" encoding="utf-8"?>
+<p:sld xmlns:a="http://schemas.openxmlformats.org/drawingml/2006/main" xmlns:r="http://schemas.openxmlformats.org/officeDocument/2006/relationships" xmlns:p="http://schemas.openxmlformats.org/presentationml/2006/main">
+  <p:cSld>
+    <p:spTree>
+      <p:nvGrpSpPr>
+        <p:cNvPr id="1" name=""/>
+        <p:cNvGrpSpPr/>
+        <p:nvPr/>
+      </p:nvGrpSpPr>
+      <p:grpSpPr>
+        <a:xfrm>
+          <a:off x="0" y="0"/>
+          <a:ext cx="0" cy="0"/>
+          <a:chOff x="0" y="0"/>
+          <a:chExt cx="0" cy="0"/>
+        </a:xfrm>
+      </p:grpSpPr>
+      <p:sp>
+        <p:nvSpPr>
+          <p:cNvPr id="2" name="Title 1"/>
+          <p:cNvSpPr>
+            <a:spLocks noGrp="1"/>
+          </p:cNvSpPr>
+          <p:nvPr>
+            <p:ph type="ctrTitle"/>
+          </p:nvPr>
+        </p:nvSpPr>
+        <p:spPr/>
+        <p:txBody>
+          <a:bodyPr/>
+          <a:lstStyle/>
+          <a:p>
+            <a:r>
+              <a:rPr lang="en-US" dirty="0"/>
+              <a:t>Thanks for Watching</a:t>
+            </a:r>
+          </a:p>
+        </p:txBody>
+      </p:sp>
+      <p:sp>
+        <p:nvSpPr>
+          <p:cNvPr id="3" name="Subtitle 2"/>
+          <p:cNvSpPr>
+            <a:spLocks noGrp="1"/>
+          </p:cNvSpPr>
+          <p:nvPr>
+            <p:ph type="subTitle" idx="1"/>
+          </p:nvPr>
+        </p:nvSpPr>
+        <p:spPr/>
+        <p:txBody>
+          <a:bodyPr/>
+          <a:lstStyle/>
+          <a:p>
+            <a:r>
+              <a:rPr lang="en-US" dirty="0"/>
+              <a:t>See other engineering mechanics videos and access the full tool at…</a:t>
+            </a:r>
+          </a:p>
+        </p:txBody>
+      </p:sp>
+    </p:spTree>
+    <p:extLst>
+      <p:ext uri="{BB962C8B-B14F-4D97-AF65-F5344CB8AC3E}">
+        <p14:creationId xmlns:p14="http://schemas.microsoft.com/office/powerpoint/2010/main" val="3129637585"/>
+      </p:ext>
+    </p:extLst>
+  </p:cSld>
+  <p:clrMapOvr>
+    <a:masterClrMapping/>
+  </p:clrMapOvr>
+</p:sld>
+</file>
+
+<file path=ppt/slides/slide2.xml><?xml version="1.0" encoding="utf-8"?>
+<p:sld xmlns:a="http://schemas.openxmlformats.org/drawingml/2006/main" xmlns:r="http://schemas.openxmlformats.org/officeDocument/2006/relationships" xmlns:p="http://schemas.openxmlformats.org/presentationml/2006/main">
+  <p:cSld>
+    <p:spTree>
+      <p:nvGrpSpPr>
+        <p:cNvPr id="1" name=""/>
+        <p:cNvGrpSpPr/>
+        <p:nvPr/>
+      </p:nvGrpSpPr>
+      <p:grpSpPr>
+        <a:xfrm>
+          <a:off x="0" y="0"/>
+          <a:ext cx="0" cy="0"/>
+          <a:chOff x="0" y="0"/>
+          <a:chExt cx="0" cy="0"/>
+        </a:xfrm>
+      </p:grpSpPr>
+      <p:sp>
+        <p:nvSpPr>
+          <p:cNvPr id="2" name="Title 1"/>
+          <p:cNvSpPr>
+            <a:spLocks noGrp="1"/>
+          </p:cNvSpPr>
+          <p:nvPr>
+            <p:ph type="title"/>
+          </p:nvPr>
+        </p:nvSpPr>
+        <p:spPr/>
+        <p:txBody>
+          <a:bodyPr/>
+          <a:lstStyle/>
+          <a:p>
+            <a:r>
+              <a:rPr lang="en-US" dirty="0"/>
+              <a:t>What is a Structure?</a:t>
+            </a:r>
+          </a:p>
+        </p:txBody>
+      </p:sp>
+      <p:sp>
+        <p:nvSpPr>
+          <p:cNvPr id="3" name="Content Placeholder 2"/>
+          <p:cNvSpPr>
+            <a:spLocks noGrp="1"/>
+          </p:cNvSpPr>
+          <p:nvPr>
+            <p:ph idx="1"/>
+          </p:nvPr>
+        </p:nvSpPr>
+        <p:spPr/>
+        <p:txBody>
+          <a:bodyPr/>
+          <a:lstStyle/>
+          <a:p>
+            <a:r>
+              <a:rPr lang="en-US" dirty="0"/>
+              <a:t>A </a:t>
+            </a:r>
+            <a:r>
+              <a:rPr lang="en-US" b="1" dirty="0"/>
+              <a:t>structure</a:t>
+            </a:r>
+            <a:r>
+              <a:rPr lang="en-US" dirty="0"/>
+              <a:t> is any collection of connected bodies</a:t>
+            </a:r>
+          </a:p>
+        </p:txBody>
+      </p:sp>
+      <p:pic>
+        <p:nvPicPr>
+          <p:cNvPr id="1026" name="Picture 2"/>
+          <p:cNvPicPr>
+            <a:picLocks noChangeAspect="1" noChangeArrowheads="1"/>
+          </p:cNvPicPr>
+          <p:nvPr/>
+        </p:nvPicPr>
+        <p:blipFill>
+          <a:blip r:embed="rId2">
+            <a:extLst>
+              <a:ext uri="{28A0092B-C50C-407E-A947-70E740481C1C}">
+                <a14:useLocalDpi xmlns:a14="http://schemas.microsoft.com/office/drawing/2010/main" val="0"/>
+              </a:ext>
+            </a:extLst>
+          </a:blip>
+          <a:srcRect/>
+          <a:stretch>
+            <a:fillRect/>
+          </a:stretch>
+        </p:blipFill>
+        <p:spPr bwMode="auto">
+          <a:xfrm>
+            <a:off x="457200" y="2895600"/>
+            <a:ext cx="4800600" cy="3259123"/>
+          </a:xfrm>
+          <a:prstGeom prst="rect">
+            <a:avLst/>
+          </a:prstGeom>
+          <a:noFill/>
+          <a:ln>
+            <a:noFill/>
+          </a:ln>
+          <a:extLst>
+            <a:ext uri="{909E8E84-426E-40DD-AFC4-6F175D3DCCD1}">
+              <a14:hiddenFill xmlns:a14="http://schemas.microsoft.com/office/drawing/2010/main">
+                <a:solidFill>
+                  <a:schemeClr val="accent1"/>
+                </a:solidFill>
+              </a14:hiddenFill>
+            </a:ext>
+            <a:ext uri="{91240B29-F687-4F45-9708-019B960494DF}">
+              <a14:hiddenLine xmlns:a14="http://schemas.microsoft.com/office/drawing/2010/main" w="9525">
+                <a:solidFill>
+                  <a:schemeClr val="tx1"/>
+                </a:solidFill>
+                <a:miter lim="800000"/>
+                <a:headEnd/>
+                <a:tailEnd/>
+              </a14:hiddenLine>
+            </a:ext>
+          </a:extLst>
+        </p:spPr>
+      </p:pic>
+      <p:pic>
+        <p:nvPicPr>
+          <p:cNvPr id="1027" name="Picture 3"/>
+          <p:cNvPicPr>
+            <a:picLocks noChangeAspect="1" noChangeArrowheads="1"/>
+          </p:cNvPicPr>
+          <p:nvPr/>
+        </p:nvPicPr>
+        <p:blipFill>
+          <a:blip r:embed="rId3">
+            <a:extLst>
+              <a:ext uri="{28A0092B-C50C-407E-A947-70E740481C1C}">
+                <a14:useLocalDpi xmlns:a14="http://schemas.microsoft.com/office/drawing/2010/main" val="0"/>
+              </a:ext>
+            </a:extLst>
+          </a:blip>
+          <a:srcRect/>
+          <a:stretch>
+            <a:fillRect/>
+          </a:stretch>
+        </p:blipFill>
+        <p:spPr bwMode="auto">
+          <a:xfrm>
+            <a:off x="2514600" y="3429000"/>
+            <a:ext cx="3810000" cy="2857500"/>
+          </a:xfrm>
+          <a:prstGeom prst="rect">
+            <a:avLst/>
+          </a:prstGeom>
+          <a:noFill/>
+          <a:ln>
+            <a:noFill/>
+          </a:ln>
+          <a:extLst>
+            <a:ext uri="{909E8E84-426E-40DD-AFC4-6F175D3DCCD1}">
+              <a14:hiddenFill xmlns:a14="http://schemas.microsoft.com/office/drawing/2010/main">
+                <a:solidFill>
+                  <a:schemeClr val="accent1"/>
+                </a:solidFill>
+              </a14:hiddenFill>
+            </a:ext>
+            <a:ext uri="{91240B29-F687-4F45-9708-019B960494DF}">
+              <a14:hiddenLine xmlns:a14="http://schemas.microsoft.com/office/drawing/2010/main" w="9525">
+                <a:solidFill>
+                  <a:schemeClr val="tx1"/>
+                </a:solidFill>
+                <a:miter lim="800000"/>
+                <a:headEnd/>
+                <a:tailEnd/>
+              </a14:hiddenLine>
+            </a:ext>
+          </a:extLst>
+        </p:spPr>
+      </p:pic>
+      <p:pic>
+        <p:nvPicPr>
+          <p:cNvPr id="1028" name="Picture 4"/>
+          <p:cNvPicPr>
+            <a:picLocks noChangeAspect="1" noChangeArrowheads="1"/>
+          </p:cNvPicPr>
+          <p:nvPr/>
+        </p:nvPicPr>
+        <p:blipFill>
+          <a:blip r:embed="rId4">
+            <a:extLst>
+              <a:ext uri="{28A0092B-C50C-407E-A947-70E740481C1C}">
+                <a14:useLocalDpi xmlns:a14="http://schemas.microsoft.com/office/drawing/2010/main" val="0"/>
+              </a:ext>
+            </a:extLst>
+          </a:blip>
+          <a:srcRect/>
+          <a:stretch>
+            <a:fillRect/>
+          </a:stretch>
+        </p:blipFill>
+        <p:spPr bwMode="auto">
+          <a:xfrm>
+            <a:off x="5943600" y="2498725"/>
+            <a:ext cx="2857500" cy="3810000"/>
+          </a:xfrm>
+          <a:prstGeom prst="rect">
+            <a:avLst/>
+          </a:prstGeom>
+          <a:noFill/>
+          <a:ln>
+            <a:noFill/>
+          </a:ln>
+          <a:extLst>
+            <a:ext uri="{909E8E84-426E-40DD-AFC4-6F175D3DCCD1}">
+              <a14:hiddenFill xmlns:a14="http://schemas.microsoft.com/office/drawing/2010/main">
+                <a:solidFill>
+                  <a:schemeClr val="accent1"/>
+                </a:solidFill>
+              </a14:hiddenFill>
+            </a:ext>
+            <a:ext uri="{91240B29-F687-4F45-9708-019B960494DF}">
+              <a14:hiddenLine xmlns:a14="http://schemas.microsoft.com/office/drawing/2010/main" w="9525">
+                <a:solidFill>
+                  <a:schemeClr val="tx1"/>
+                </a:solidFill>
+                <a:miter lim="800000"/>
+                <a:headEnd/>
+                <a:tailEnd/>
+              </a14:hiddenLine>
+            </a:ext>
+          </a:extLst>
+        </p:spPr>
+      </p:pic>
+    </p:spTree>
+    <p:extLst>
+      <p:ext uri="{BB962C8B-B14F-4D97-AF65-F5344CB8AC3E}">
+        <p14:creationId xmlns:p14="http://schemas.microsoft.com/office/powerpoint/2010/main" val="3863310801"/>
+      </p:ext>
+    </p:extLst>
+  </p:cSld>
+  <p:clrMapOvr>
+    <a:masterClrMapping/>
+  </p:clrMapOvr>
+  <p:timing>
+    <p:tnLst>
+      <p:par>
+        <p:cTn id="1" dur="indefinite" restart="never" nodeType="tmRoot">
+          <p:childTnLst>
+            <p:seq concurrent="1" nextAc="seek">
+              <p:cTn id="2" dur="indefinite" nodeType="mainSeq">
+                <p:childTnLst>
+                  <p:par>
+                    <p:cTn id="3" fill="hold">
+                      <p:stCondLst>
+                        <p:cond delay="indefinite"/>
+                      </p:stCondLst>
+                      <p:childTnLst>
+                        <p:par>
+                          <p:cTn id="4" fill="hold">
+                            <p:stCondLst>
+                              <p:cond delay="0"/>
+                            </p:stCondLst>
+                            <p:childTnLst>
+                              <p:par>
+                                <p:cTn id="5" presetID="10" presetClass="entr" presetSubtype="0" fill="hold" nodeType="clickEffect">
+                                  <p:stCondLst>
+                                    <p:cond delay="0"/>
+                                  </p:stCondLst>
+                                  <p:childTnLst>
+                                    <p:set>
+                                      <p:cBhvr>
+                                        <p:cTn id="6" dur="1" fill="hold">
+                                          <p:stCondLst>
+                                            <p:cond delay="0"/>
+                                          </p:stCondLst>
+                                        </p:cTn>
+                                        <p:tgtEl>
+                                          <p:spTgt spid="1026"/>
+                                        </p:tgtEl>
+                                        <p:attrNameLst>
+                                          <p:attrName>style.visibility</p:attrName>
+                                        </p:attrNameLst>
+                                      </p:cBhvr>
+                                      <p:to>
+                                        <p:strVal val="visible"/>
+                                      </p:to>
+                                    </p:set>
+                                    <p:animEffect transition="in" filter="fade">
+                                      <p:cBhvr>
+                                        <p:cTn id="7" dur="500"/>
+                                        <p:tgtEl>
+                                          <p:spTgt spid="1026"/>
+                                        </p:tgtEl>
+                                      </p:cBhvr>
+                                    </p:animEffect>
+                                  </p:childTnLst>
+                                </p:cTn>
+                              </p:par>
+                            </p:childTnLst>
+                          </p:cTn>
+                        </p:par>
+                      </p:childTnLst>
+                    </p:cTn>
+                  </p:par>
+                  <p:par>
+                    <p:cTn id="8" fill="hold">
+                      <p:stCondLst>
+                        <p:cond delay="indefinite"/>
+                      </p:stCondLst>
+                      <p:childTnLst>
+                        <p:par>
+                          <p:cTn id="9" fill="hold">
+                            <p:stCondLst>
+                              <p:cond delay="0"/>
+                            </p:stCondLst>
+                            <p:childTnLst>
+                              <p:par>
+                                <p:cTn id="10" presetID="10" presetClass="entr" presetSubtype="0" fill="hold" nodeType="clickEffect">
+                                  <p:stCondLst>
+                                    <p:cond delay="0"/>
+                                  </p:stCondLst>
+                                  <p:childTnLst>
+                                    <p:set>
+                                      <p:cBhvr>
+                                        <p:cTn id="11" dur="1" fill="hold">
+                                          <p:stCondLst>
+                                            <p:cond delay="0"/>
+                                          </p:stCondLst>
+                                        </p:cTn>
+                                        <p:tgtEl>
+                                          <p:spTgt spid="1027"/>
+                                        </p:tgtEl>
+                                        <p:attrNameLst>
+                                          <p:attrName>style.visibility</p:attrName>
+                                        </p:attrNameLst>
+                                      </p:cBhvr>
+                                      <p:to>
+                                        <p:strVal val="visible"/>
+                                      </p:to>
+                                    </p:set>
+                                    <p:animEffect transition="in" filter="fade">
+                                      <p:cBhvr>
+                                        <p:cTn id="12" dur="500"/>
+                                        <p:tgtEl>
+                                          <p:spTgt spid="1027"/>
+                                        </p:tgtEl>
+                                      </p:cBhvr>
+                                    </p:animEffect>
+                                  </p:childTnLst>
+                                </p:cTn>
+                              </p:par>
+                            </p:childTnLst>
+                          </p:cTn>
+                        </p:par>
+                      </p:childTnLst>
+                    </p:cTn>
+                  </p:par>
+                  <p:par>
+                    <p:cTn id="13" fill="hold">
+                      <p:stCondLst>
+                        <p:cond delay="indefinite"/>
+                      </p:stCondLst>
+                      <p:childTnLst>
+                        <p:par>
+                          <p:cTn id="14" fill="hold">
+                            <p:stCondLst>
+                              <p:cond delay="0"/>
+                            </p:stCondLst>
+                            <p:childTnLst>
+                              <p:par>
+                                <p:cTn id="15" presetID="10" presetClass="entr" presetSubtype="0" fill="hold" nodeType="clickEffect">
+                                  <p:stCondLst>
+                                    <p:cond delay="0"/>
+                                  </p:stCondLst>
+                                  <p:childTnLst>
+                                    <p:set>
+                                      <p:cBhvr>
+                                        <p:cTn id="16" dur="1" fill="hold">
+                                          <p:stCondLst>
+                                            <p:cond delay="0"/>
+                                          </p:stCondLst>
+                                        </p:cTn>
+                                        <p:tgtEl>
+                                          <p:spTgt spid="1028"/>
+                                        </p:tgtEl>
+                                        <p:attrNameLst>
+                                          <p:attrName>style.visibility</p:attrName>
+                                        </p:attrNameLst>
+                                      </p:cBhvr>
+                                      <p:to>
+                                        <p:strVal val="visible"/>
+                                      </p:to>
+                                    </p:set>
+                                    <p:animEffect transition="in" filter="fade">
+                                      <p:cBhvr>
+                                        <p:cTn id="17" dur="500"/>
+                                        <p:tgtEl>
+                                          <p:spTgt spid="1028"/>
+                                        </p:tgtEl>
+                                      </p:cBhvr>
+                                    </p:animEffect>
+                                  </p:childTnLst>
+                                </p:cTn>
+                              </p:par>
+                            </p:childTnLst>
+                          </p:cTn>
+                        </p:par>
+                      </p:childTnLst>
+                    </p:cTn>
+                  </p:par>
+                </p:childTnLst>
+              </p:cTn>
+              <p:prevCondLst>
+                <p:cond evt="onPrev" delay="0">
+                  <p:tgtEl>
+                    <p:sldTgt/>
+                  </p:tgtEl>
+                </p:cond>
+              </p:prevCondLst>
+              <p:nextCondLst>
+                <p:cond evt="onNext" delay="0">
+                  <p:tgtEl>
+                    <p:sldTgt/>
+                  </p:tgtEl>
+                </p:cond>
+              </p:nextCondLst>
+            </p:seq>
+          </p:childTnLst>
+        </p:cTn>
+      </p:par>
+    </p:tnLst>
+  </p:timing>
+</p:sld>
+</file>
+
+<file path=ppt/slides/slide3.xml><?xml version="1.0" encoding="utf-8"?>
+<p:sld xmlns:a="http://schemas.openxmlformats.org/drawingml/2006/main" xmlns:r="http://schemas.openxmlformats.org/officeDocument/2006/relationships" xmlns:p="http://schemas.openxmlformats.org/presentationml/2006/main">
+  <p:cSld>
+    <p:spTree>
+      <p:nvGrpSpPr>
+        <p:cNvPr id="1" name=""/>
+        <p:cNvGrpSpPr/>
+        <p:nvPr/>
+      </p:nvGrpSpPr>
+      <p:grpSpPr>
+        <a:xfrm>
+          <a:off x="0" y="0"/>
+          <a:ext cx="0" cy="0"/>
+          <a:chOff x="0" y="0"/>
+          <a:chExt cx="0" cy="0"/>
+        </a:xfrm>
+      </p:grpSpPr>
+      <p:sp>
+        <p:nvSpPr>
+          <p:cNvPr id="2" name="Title 1"/>
+          <p:cNvSpPr>
+            <a:spLocks noGrp="1"/>
+          </p:cNvSpPr>
+          <p:nvPr>
+            <p:ph type="title"/>
+          </p:nvPr>
+        </p:nvSpPr>
+        <p:spPr/>
+        <p:txBody>
+          <a:bodyPr/>
+          <a:lstStyle/>
+          <a:p>
+            <a:r>
+              <a:rPr lang="en-US" dirty="0"/>
+              <a:t>Types of Structures</a:t>
+            </a:r>
+          </a:p>
+        </p:txBody>
+      </p:sp>
+      <p:sp>
+        <p:nvSpPr>
+          <p:cNvPr id="3" name="Content Placeholder 2"/>
+          <p:cNvSpPr>
+            <a:spLocks noGrp="1"/>
+          </p:cNvSpPr>
+          <p:nvPr>
+            <p:ph idx="1"/>
+          </p:nvPr>
+        </p:nvSpPr>
+        <p:spPr/>
+        <p:txBody>
+          <a:bodyPr>
+            <a:noAutofit/>
+          </a:bodyPr>
+          <a:lstStyle/>
+          <a:p>
+            <a:r>
+              <a:rPr lang="en-US" sz="2800" b="1" dirty="0"/>
+              <a:t>Truss</a:t>
+            </a:r>
+            <a:r>
+              <a:rPr lang="en-US" sz="2800" dirty="0"/>
+              <a:t> – Rigid assembly </a:t>
+            </a:r>
+            <a:r>
+              <a:rPr lang="en-US" sz="2800" u="sng" dirty="0"/>
+              <a:t>made entirely of two-force members</a:t>
+            </a:r>
+            <a:r>
+              <a:rPr lang="en-US" sz="2800" dirty="0"/>
+              <a:t>.</a:t>
+            </a:r>
+          </a:p>
+          <a:p>
+            <a:endParaRPr lang="en-US" sz="2800" dirty="0"/>
+          </a:p>
+          <a:p>
+            <a:r>
+              <a:rPr lang="en-US" sz="2800" b="1" dirty="0"/>
+              <a:t>Frame</a:t>
+            </a:r>
+            <a:r>
+              <a:rPr lang="en-US" sz="2800" dirty="0"/>
+              <a:t> – Rigid assembly </a:t>
+            </a:r>
+            <a:r>
+              <a:rPr lang="en-US" sz="2800" u="sng" dirty="0"/>
+              <a:t>containing at least one member that is not a two-force member</a:t>
+            </a:r>
+            <a:r>
+              <a:rPr lang="en-US" sz="2800" dirty="0"/>
+              <a:t>.</a:t>
+            </a:r>
+          </a:p>
+          <a:p>
+            <a:endParaRPr lang="en-US" sz="2800" dirty="0"/>
+          </a:p>
+          <a:p>
+            <a:r>
+              <a:rPr lang="en-US" sz="2800" b="1" dirty="0"/>
+              <a:t>Machine</a:t>
+            </a:r>
+            <a:r>
+              <a:rPr lang="en-US" sz="2800" dirty="0"/>
+              <a:t> – Non-rigid assembly </a:t>
+            </a:r>
+            <a:r>
+              <a:rPr lang="en-US" sz="2800" u="sng" dirty="0"/>
+              <a:t>containing at least one member that is not a two-force member</a:t>
+            </a:r>
+            <a:r>
+              <a:rPr lang="en-US" sz="2800" dirty="0"/>
+              <a:t>.</a:t>
+            </a:r>
+          </a:p>
+          <a:p>
+            <a:endParaRPr lang="en-US" sz="2800" dirty="0"/>
+          </a:p>
+        </p:txBody>
+      </p:sp>
+      <p:cxnSp>
+        <p:nvCxnSpPr>
+          <p:cNvPr id="5" name="Straight Connector 4"/>
+          <p:cNvCxnSpPr/>
+          <p:nvPr/>
+        </p:nvCxnSpPr>
+        <p:spPr>
+          <a:xfrm>
+            <a:off x="152400" y="2743200"/>
+            <a:ext cx="8686800" cy="0"/>
+          </a:xfrm>
+          <a:prstGeom prst="line">
+            <a:avLst/>
+          </a:prstGeom>
+          <a:ln>
+            <a:prstDash val="dash"/>
+          </a:ln>
+        </p:spPr>
+        <p:style>
+          <a:lnRef idx="2">
+            <a:schemeClr val="dk1"/>
+          </a:lnRef>
+          <a:fillRef idx="0">
+            <a:schemeClr val="dk1"/>
+          </a:fillRef>
+          <a:effectRef idx="1">
+            <a:schemeClr val="dk1"/>
+          </a:effectRef>
+          <a:fontRef idx="minor">
+            <a:schemeClr val="tx1"/>
+          </a:fontRef>
+        </p:style>
+      </p:cxnSp>
+    </p:spTree>
+    <p:extLst>
+      <p:ext uri="{BB962C8B-B14F-4D97-AF65-F5344CB8AC3E}">
+        <p14:creationId xmlns:p14="http://schemas.microsoft.com/office/powerpoint/2010/main" val="3319090787"/>
+      </p:ext>
+    </p:extLst>
+  </p:cSld>
+  <p:clrMapOvr>
+    <a:masterClrMapping/>
+  </p:clrMapOvr>
+  <p:timing>
+    <p:tnLst>
+      <p:par>
+        <p:cTn id="1" dur="indefinite" restart="never" nodeType="tmRoot">
+          <p:childTnLst>
+            <p:seq concurrent="1" nextAc="seek">
+              <p:cTn id="2" dur="indefinite" nodeType="mainSeq">
+                <p:childTnLst>
+                  <p:par>
+                    <p:cTn id="3" fill="hold">
+                      <p:stCondLst>
+                        <p:cond delay="indefinite"/>
+                      </p:stCondLst>
+                      <p:childTnLst>
+                        <p:par>
+                          <p:cTn id="4" fill="hold">
+                            <p:stCondLst>
+                              <p:cond delay="0"/>
+                            </p:stCondLst>
+                            <p:childTnLst>
+                              <p:par>
+                                <p:cTn id="5" presetID="1" presetClass="entr" presetSubtype="0" fill="hold" grpId="0" nodeType="clickEffect">
+                                  <p:stCondLst>
+                                    <p:cond delay="0"/>
+                                  </p:stCondLst>
+                                  <p:childTnLst>
+                                    <p:set>
+                                      <p:cBhvr>
+                                        <p:cTn id="6" dur="1" fill="hold">
+                                          <p:stCondLst>
+                                            <p:cond delay="0"/>
+                                          </p:stCondLst>
+                                        </p:cTn>
+                                        <p:tgtEl>
+                                          <p:spTgt spid="3">
+                                            <p:txEl>
+                                              <p:pRg st="0" end="0"/>
+                                            </p:txEl>
+                                          </p:spTgt>
+                                        </p:tgtEl>
+                                        <p:attrNameLst>
+                                          <p:attrName>style.visibility</p:attrName>
+                                        </p:attrNameLst>
+                                      </p:cBhvr>
+                                      <p:to>
+                                        <p:strVal val="visible"/>
+                                      </p:to>
+                                    </p:set>
+                                  </p:childTnLst>
+                                </p:cTn>
+                              </p:par>
+                            </p:childTnLst>
+                          </p:cTn>
+                        </p:par>
+                      </p:childTnLst>
+                    </p:cTn>
+                  </p:par>
+                  <p:par>
+                    <p:cTn id="7" fill="hold">
+                      <p:stCondLst>
+                        <p:cond delay="indefinite"/>
+                      </p:stCondLst>
+                      <p:childTnLst>
+                        <p:par>
+                          <p:cTn id="8" fill="hold">
+                            <p:stCondLst>
+                              <p:cond delay="0"/>
+                            </p:stCondLst>
+                            <p:childTnLst>
+                              <p:par>
+                                <p:cTn id="9" presetID="1" presetClass="entr" presetSubtype="0" fill="hold" grpId="0" nodeType="clickEffect">
+                                  <p:stCondLst>
+                                    <p:cond delay="0"/>
+                                  </p:stCondLst>
+                                  <p:childTnLst>
+                                    <p:set>
+                                      <p:cBhvr>
+                                        <p:cTn id="10" dur="1" fill="hold">
+                                          <p:stCondLst>
+                                            <p:cond delay="0"/>
+                                          </p:stCondLst>
+                                        </p:cTn>
+                                        <p:tgtEl>
+                                          <p:spTgt spid="3">
+                                            <p:txEl>
+                                              <p:pRg st="2" end="2"/>
+                                            </p:txEl>
+                                          </p:spTgt>
+                                        </p:tgtEl>
+                                        <p:attrNameLst>
+                                          <p:attrName>style.visibility</p:attrName>
+                                        </p:attrNameLst>
+                                      </p:cBhvr>
+                                      <p:to>
+                                        <p:strVal val="visible"/>
+                                      </p:to>
+                                    </p:set>
+                                  </p:childTnLst>
+                                </p:cTn>
+                              </p:par>
+                            </p:childTnLst>
+                          </p:cTn>
+                        </p:par>
+                      </p:childTnLst>
+                    </p:cTn>
+                  </p:par>
+                  <p:par>
+                    <p:cTn id="11" fill="hold">
+                      <p:stCondLst>
+                        <p:cond delay="indefinite"/>
+                      </p:stCondLst>
+                      <p:childTnLst>
+                        <p:par>
+                          <p:cTn id="12" fill="hold">
+                            <p:stCondLst>
+                              <p:cond delay="0"/>
+                            </p:stCondLst>
+                            <p:childTnLst>
+                              <p:par>
+                                <p:cTn id="13" presetID="1" presetClass="entr" presetSubtype="0" fill="hold" grpId="0" nodeType="clickEffect">
+                                  <p:stCondLst>
+                                    <p:cond delay="0"/>
+                                  </p:stCondLst>
+                                  <p:childTnLst>
+                                    <p:set>
+                                      <p:cBhvr>
+                                        <p:cTn id="14" dur="1" fill="hold">
+                                          <p:stCondLst>
+                                            <p:cond delay="0"/>
+                                          </p:stCondLst>
+                                        </p:cTn>
+                                        <p:tgtEl>
+                                          <p:spTgt spid="3">
+                                            <p:txEl>
+                                              <p:pRg st="4" end="4"/>
+                                            </p:txEl>
+                                          </p:spTgt>
+                                        </p:tgtEl>
+                                        <p:attrNameLst>
+                                          <p:attrName>style.visibility</p:attrName>
+                                        </p:attrNameLst>
+                                      </p:cBhvr>
+                                      <p:to>
+                                        <p:strVal val="visible"/>
+                                      </p:to>
+                                    </p:set>
+                                  </p:childTnLst>
+                                </p:cTn>
+                              </p:par>
+                            </p:childTnLst>
+                          </p:cTn>
+                        </p:par>
+                      </p:childTnLst>
+                    </p:cTn>
+                  </p:par>
+                  <p:par>
+                    <p:cTn id="15" fill="hold">
+                      <p:stCondLst>
+                        <p:cond delay="indefinite"/>
+                      </p:stCondLst>
+                      <p:childTnLst>
+                        <p:par>
+                          <p:cTn id="16" fill="hold">
+                            <p:stCondLst>
+                              <p:cond delay="0"/>
+                            </p:stCondLst>
+                            <p:childTnLst>
+                              <p:par>
+                                <p:cTn id="17" presetID="10" presetClass="entr" presetSubtype="0" fill="hold" nodeType="clickEffect">
+                                  <p:stCondLst>
+                                    <p:cond delay="0"/>
+                                  </p:stCondLst>
+                                  <p:childTnLst>
+                                    <p:set>
+                                      <p:cBhvr>
+                                        <p:cTn id="18" dur="1" fill="hold">
+                                          <p:stCondLst>
+                                            <p:cond delay="0"/>
+                                          </p:stCondLst>
+                                        </p:cTn>
+                                        <p:tgtEl>
+                                          <p:spTgt spid="5"/>
+                                        </p:tgtEl>
+                                        <p:attrNameLst>
+                                          <p:attrName>style.visibility</p:attrName>
+                                        </p:attrNameLst>
+                                      </p:cBhvr>
+                                      <p:to>
+                                        <p:strVal val="visible"/>
+                                      </p:to>
+                                    </p:set>
+                                    <p:animEffect transition="in" filter="fade">
+                                      <p:cBhvr>
+                                        <p:cTn id="19" dur="500"/>
+                                        <p:tgtEl>
+                                          <p:spTgt spid="5"/>
+                                        </p:tgtEl>
+                                      </p:cBhvr>
+                                    </p:animEffect>
+                                  </p:childTnLst>
+                                </p:cTn>
+                              </p:par>
+                            </p:childTnLst>
+                          </p:cTn>
+                        </p:par>
+                      </p:childTnLst>
+                    </p:cTn>
+                  </p:par>
+                </p:childTnLst>
+              </p:cTn>
+              <p:prevCondLst>
+                <p:cond evt="onPrev" delay="0">
+                  <p:tgtEl>
+                    <p:sldTgt/>
+                  </p:tgtEl>
+                </p:cond>
+              </p:prevCondLst>
+              <p:nextCondLst>
+                <p:cond evt="onNext" delay="0">
+                  <p:tgtEl>
+                    <p:sldTgt/>
+                  </p:tgtEl>
+                </p:cond>
+              </p:nextCondLst>
+            </p:seq>
+          </p:childTnLst>
+        </p:cTn>
+      </p:par>
+    </p:tnLst>
+    <p:bldLst>
+      <p:bldP spid="3" grpId="0" build="p"/>
+    </p:bldLst>
+  </p:timing>
+</p:sld>
+</file>
+
+<file path=ppt/slides/slide4.xml><?xml version="1.0" encoding="utf-8"?>
+<p:sld xmlns:a="http://schemas.openxmlformats.org/drawingml/2006/main" xmlns:r="http://schemas.openxmlformats.org/officeDocument/2006/relationships" xmlns:p="http://schemas.openxmlformats.org/presentationml/2006/main">
+  <p:cSld>
+    <p:spTree>
+      <p:nvGrpSpPr>
+        <p:cNvPr id="1" name=""/>
+        <p:cNvGrpSpPr/>
+        <p:nvPr/>
+      </p:nvGrpSpPr>
+      <p:grpSpPr>
+        <a:xfrm>
+          <a:off x="0" y="0"/>
+          <a:ext cx="0" cy="0"/>
+          <a:chOff x="0" y="0"/>
+          <a:chExt cx="0" cy="0"/>
+        </a:xfrm>
+      </p:grpSpPr>
+      <p:sp>
+        <p:nvSpPr>
+          <p:cNvPr id="2" name="Title 1"/>
+          <p:cNvSpPr>
+            <a:spLocks noGrp="1"/>
+          </p:cNvSpPr>
+          <p:nvPr>
+            <p:ph type="title"/>
+          </p:nvPr>
+        </p:nvSpPr>
+        <p:spPr/>
+        <p:txBody>
+          <a:bodyPr/>
+          <a:lstStyle/>
+          <a:p>
+            <a:r>
+              <a:rPr lang="en-US" dirty="0"/>
+              <a:t>Trusses</a:t>
+            </a:r>
+          </a:p>
+        </p:txBody>
+      </p:sp>
+      <p:sp>
+        <p:nvSpPr>
+          <p:cNvPr id="3" name="Content Placeholder 2"/>
+          <p:cNvSpPr>
+            <a:spLocks noGrp="1"/>
+          </p:cNvSpPr>
+          <p:nvPr>
+            <p:ph idx="1"/>
+          </p:nvPr>
+        </p:nvSpPr>
+        <p:spPr>
+          <a:xfrm>
+            <a:off x="457200" y="1600201"/>
+            <a:ext cx="8229600" cy="1905000"/>
+          </a:xfrm>
+        </p:spPr>
+        <p:txBody>
+          <a:bodyPr/>
+          <a:lstStyle/>
+          <a:p>
+            <a:r>
+              <a:rPr lang="en-US" dirty="0"/>
+              <a:t>A </a:t>
+            </a:r>
+            <a:r>
+              <a:rPr lang="en-US" b="1" dirty="0"/>
+              <a:t>truss</a:t>
+            </a:r>
+            <a:r>
+              <a:rPr lang="en-US" dirty="0"/>
+              <a:t> is a type of engineering </a:t>
+            </a:r>
+            <a:r>
+              <a:rPr lang="en-US" b="1" dirty="0"/>
+              <a:t>structure</a:t>
+            </a:r>
+            <a:r>
+              <a:rPr lang="en-US" dirty="0"/>
+              <a:t> where all the members in the structure are </a:t>
+            </a:r>
+            <a:r>
+              <a:rPr lang="en-US" b="1" dirty="0"/>
+              <a:t>two force members</a:t>
+            </a:r>
+            <a:r>
+              <a:rPr lang="en-US" dirty="0"/>
+              <a:t>. </a:t>
+            </a:r>
+          </a:p>
+        </p:txBody>
+      </p:sp>
+      <p:sp>
+        <p:nvSpPr>
+          <p:cNvPr id="4" name="Slide Number Placeholder 3"/>
+          <p:cNvSpPr>
+            <a:spLocks noGrp="1"/>
+          </p:cNvSpPr>
+          <p:nvPr>
+            <p:ph type="sldNum" sz="quarter" idx="12"/>
+          </p:nvPr>
+        </p:nvSpPr>
+        <p:spPr/>
+        <p:txBody>
+          <a:bodyPr/>
+          <a:lstStyle/>
+          <a:p>
+            <a:fld id="{929262FE-7F58-4A1E-8AF3-5A510A86DEBD}" type="slidenum">
+              <a:rPr lang="en-US" smtClean="0"/>
+              <a:t>4</a:t>
+            </a:fld>
+            <a:endParaRPr lang="en-US"/>
+          </a:p>
+        </p:txBody>
+      </p:sp>
+      <p:pic>
+        <p:nvPicPr>
+          <p:cNvPr id="1026" name="Picture 2" descr="http://upload.wikimedia.org/wikipedia/commons/thumb/c/c5/RRTrussBridgeSideView.jpg/350px-RRTrussBridgeSideView.jpg"/>
+          <p:cNvPicPr>
+            <a:picLocks noChangeAspect="1" noChangeArrowheads="1"/>
+          </p:cNvPicPr>
+          <p:nvPr/>
+        </p:nvPicPr>
+        <p:blipFill>
+          <a:blip r:embed="rId2">
+            <a:extLst>
+              <a:ext uri="{28A0092B-C50C-407E-A947-70E740481C1C}">
+                <a14:useLocalDpi xmlns:a14="http://schemas.microsoft.com/office/drawing/2010/main" val="0"/>
+              </a:ext>
+            </a:extLst>
+          </a:blip>
+          <a:srcRect/>
+          <a:stretch>
+            <a:fillRect/>
+          </a:stretch>
+        </p:blipFill>
+        <p:spPr bwMode="auto">
+          <a:xfrm>
+            <a:off x="2737368" y="3311676"/>
+            <a:ext cx="4221713" cy="2110857"/>
+          </a:xfrm>
+          <a:prstGeom prst="rect">
+            <a:avLst/>
+          </a:prstGeom>
+          <a:noFill/>
+          <a:extLst>
+            <a:ext uri="{909E8E84-426E-40DD-AFC4-6F175D3DCCD1}">
+              <a14:hiddenFill xmlns:a14="http://schemas.microsoft.com/office/drawing/2010/main">
+                <a:solidFill>
+                  <a:srgbClr val="FFFFFF"/>
+                </a:solidFill>
+              </a14:hiddenFill>
+            </a:ext>
+          </a:extLst>
+        </p:spPr>
+      </p:pic>
+      <p:grpSp>
+        <p:nvGrpSpPr>
+          <p:cNvPr id="5" name="Group 4">
+            <a:extLst>
+              <a:ext uri="{FF2B5EF4-FFF2-40B4-BE49-F238E27FC236}">
+                <a16:creationId xmlns:a16="http://schemas.microsoft.com/office/drawing/2014/main" id="{E7CA4A1E-65D3-4651-ADFB-70A690B5B06C}"/>
+              </a:ext>
+            </a:extLst>
+          </p:cNvPr>
+          <p:cNvGrpSpPr/>
+          <p:nvPr/>
+        </p:nvGrpSpPr>
+        <p:grpSpPr>
+          <a:xfrm>
+            <a:off x="2421079" y="5636578"/>
+            <a:ext cx="4880786" cy="274320"/>
+            <a:chOff x="2421079" y="5636578"/>
+            <a:chExt cx="4880786" cy="274320"/>
+          </a:xfrm>
+        </p:grpSpPr>
+        <p:grpSp>
+          <p:nvGrpSpPr>
+            <p:cNvPr id="21" name="Group 20">
+              <a:extLst>
+                <a:ext uri="{FF2B5EF4-FFF2-40B4-BE49-F238E27FC236}">
+                  <a16:creationId xmlns:a16="http://schemas.microsoft.com/office/drawing/2014/main" id="{E6BB82BC-FD06-4126-8B44-ABB339F36516}"/>
+                </a:ext>
+              </a:extLst>
+            </p:cNvPr>
+            <p:cNvGrpSpPr/>
+            <p:nvPr/>
+          </p:nvGrpSpPr>
+          <p:grpSpPr>
+            <a:xfrm>
+              <a:off x="3352800" y="5636578"/>
+              <a:ext cx="2990850" cy="274320"/>
+              <a:chOff x="7446733" y="1447546"/>
+              <a:chExt cx="2990850" cy="274320"/>
+            </a:xfrm>
+          </p:grpSpPr>
+          <p:sp>
+            <p:nvSpPr>
+              <p:cNvPr id="22" name="Rectangle: Rounded Corners 21">
+                <a:extLst>
+                  <a:ext uri="{FF2B5EF4-FFF2-40B4-BE49-F238E27FC236}">
+                    <a16:creationId xmlns:a16="http://schemas.microsoft.com/office/drawing/2014/main" id="{9C47DC9E-2756-4BFD-9263-913A68E13DE9}"/>
+                  </a:ext>
+                </a:extLst>
+              </p:cNvPr>
+              <p:cNvSpPr/>
+              <p:nvPr/>
+            </p:nvSpPr>
+            <p:spPr>
+              <a:xfrm>
+                <a:off x="7446733" y="1447546"/>
+                <a:ext cx="2990850" cy="274320"/>
+              </a:xfrm>
+              <a:prstGeom prst="roundRect">
+                <a:avLst>
+                  <a:gd name="adj" fmla="val 50000"/>
+                </a:avLst>
+              </a:prstGeom>
+              <a:gradFill rotWithShape="1">
+                <a:gsLst>
+                  <a:gs pos="0">
+                    <a:srgbClr val="A5A5A5">
+                      <a:lumMod val="110000"/>
+                      <a:satMod val="105000"/>
+                      <a:tint val="67000"/>
+                    </a:srgbClr>
+                  </a:gs>
+                  <a:gs pos="50000">
+                    <a:srgbClr val="A5A5A5">
+                      <a:lumMod val="105000"/>
+                      <a:satMod val="103000"/>
+                      <a:tint val="73000"/>
+                    </a:srgbClr>
+                  </a:gs>
+                  <a:gs pos="100000">
+                    <a:srgbClr val="A5A5A5">
+                      <a:lumMod val="105000"/>
+                      <a:satMod val="109000"/>
+                      <a:tint val="81000"/>
+                    </a:srgbClr>
+                  </a:gs>
+                </a:gsLst>
+                <a:lin ang="5400000" scaled="0"/>
+              </a:gradFill>
+              <a:ln w="6350" cap="flat" cmpd="sng" algn="ctr">
+                <a:solidFill>
+                  <a:srgbClr val="A5A5A5"/>
+                </a:solidFill>
+                <a:prstDash val="solid"/>
+                <a:miter lim="800000"/>
+              </a:ln>
+              <a:effectLst/>
+            </p:spPr>
+            <p:txBody>
+              <a:bodyPr rtlCol="0" anchor="ctr"/>
+              <a:lstStyle/>
+              <a:p>
+                <a:pPr marL="0" marR="0" lvl="0" indent="0" algn="ctr" defTabSz="914400" eaLnBrk="1" fontAlgn="auto" latinLnBrk="0" hangingPunct="1">
+                  <a:lnSpc>
+                    <a:spcPct val="100000"/>
+                  </a:lnSpc>
+                  <a:spcBef>
+                    <a:spcPts val="0"/>
+                  </a:spcBef>
+                  <a:spcAft>
+                    <a:spcPts val="0"/>
+                  </a:spcAft>
+                  <a:buClrTx/>
+                  <a:buSzTx/>
+                  <a:buFontTx/>
+                  <a:buNone/>
+                  <a:tabLst/>
+                  <a:defRPr/>
+                </a:pPr>
+                <a:endParaRPr kumimoji="0" lang="en-US" sz="1800" b="0" i="0" u="none" strike="noStrike" kern="0" cap="none" spc="0" normalizeH="0" baseline="0" noProof="0">
+                  <a:ln>
+                    <a:noFill/>
+                  </a:ln>
+                  <a:solidFill>
+                    <a:prstClr val="black"/>
+                  </a:solidFill>
+                  <a:effectLst/>
+                  <a:uLnTx/>
+                  <a:uFillTx/>
+                  <a:latin typeface="Calibri" panose="020F0502020204030204"/>
+                  <a:ea typeface="+mn-ea"/>
+                  <a:cs typeface="+mn-cs"/>
+                </a:endParaRPr>
+              </a:p>
+            </p:txBody>
+          </p:sp>
+          <p:sp>
+            <p:nvSpPr>
+              <p:cNvPr id="23" name="Oval 22">
+                <a:extLst>
+                  <a:ext uri="{FF2B5EF4-FFF2-40B4-BE49-F238E27FC236}">
+                    <a16:creationId xmlns:a16="http://schemas.microsoft.com/office/drawing/2014/main" id="{949FED89-8A84-47F3-A138-9799AEF5D5C5}"/>
+                  </a:ext>
+                </a:extLst>
+              </p:cNvPr>
+              <p:cNvSpPr/>
+              <p:nvPr/>
+            </p:nvSpPr>
+            <p:spPr>
+              <a:xfrm>
+                <a:off x="7553325" y="1538986"/>
+                <a:ext cx="91440" cy="91440"/>
+              </a:xfrm>
+              <a:prstGeom prst="ellipse">
+                <a:avLst/>
+              </a:prstGeom>
+              <a:solidFill>
+                <a:sysClr val="windowText" lastClr="000000"/>
+              </a:solidFill>
+              <a:ln w="12700" cap="flat" cmpd="sng" algn="ctr">
+                <a:solidFill>
+                  <a:sysClr val="windowText" lastClr="000000">
+                    <a:shade val="50000"/>
+                  </a:sysClr>
+                </a:solidFill>
+                <a:prstDash val="solid"/>
+                <a:miter lim="800000"/>
+              </a:ln>
+              <a:effectLst/>
+            </p:spPr>
+            <p:txBody>
+              <a:bodyPr rtlCol="0" anchor="ctr"/>
+              <a:lstStyle/>
+              <a:p>
+                <a:pPr marL="0" marR="0" lvl="0" indent="0" algn="ctr" defTabSz="914400" eaLnBrk="1" fontAlgn="auto" latinLnBrk="0" hangingPunct="1">
+                  <a:lnSpc>
+                    <a:spcPct val="100000"/>
+                  </a:lnSpc>
+                  <a:spcBef>
+                    <a:spcPts val="0"/>
+                  </a:spcBef>
+                  <a:spcAft>
+                    <a:spcPts val="0"/>
+                  </a:spcAft>
+                  <a:buClrTx/>
+                  <a:buSzTx/>
+                  <a:buFontTx/>
+                  <a:buNone/>
+                  <a:tabLst/>
+                  <a:defRPr/>
+                </a:pPr>
+                <a:endParaRPr kumimoji="0" lang="en-US" sz="1800" b="0" i="0" u="none" strike="noStrike" kern="0" cap="none" spc="0" normalizeH="0" baseline="0" noProof="0">
+                  <a:ln>
+                    <a:noFill/>
+                  </a:ln>
+                  <a:solidFill>
+                    <a:prstClr val="white"/>
+                  </a:solidFill>
+                  <a:effectLst/>
+                  <a:uLnTx/>
+                  <a:uFillTx/>
+                  <a:latin typeface="Calibri" panose="020F0502020204030204"/>
+                  <a:ea typeface="+mn-ea"/>
+                  <a:cs typeface="+mn-cs"/>
+                </a:endParaRPr>
+              </a:p>
+            </p:txBody>
+          </p:sp>
+          <p:sp>
+            <p:nvSpPr>
+              <p:cNvPr id="24" name="Oval 23">
+                <a:extLst>
+                  <a:ext uri="{FF2B5EF4-FFF2-40B4-BE49-F238E27FC236}">
+                    <a16:creationId xmlns:a16="http://schemas.microsoft.com/office/drawing/2014/main" id="{217CEA85-FF72-4568-B1DE-8F60936722B3}"/>
+                  </a:ext>
+                </a:extLst>
+              </p:cNvPr>
+              <p:cNvSpPr/>
+              <p:nvPr/>
+            </p:nvSpPr>
+            <p:spPr>
+              <a:xfrm>
+                <a:off x="10248900" y="1538986"/>
+                <a:ext cx="91440" cy="91440"/>
+              </a:xfrm>
+              <a:prstGeom prst="ellipse">
+                <a:avLst/>
+              </a:prstGeom>
+              <a:solidFill>
+                <a:sysClr val="windowText" lastClr="000000"/>
+              </a:solidFill>
+              <a:ln w="12700" cap="flat" cmpd="sng" algn="ctr">
+                <a:solidFill>
+                  <a:sysClr val="windowText" lastClr="000000">
+                    <a:shade val="50000"/>
+                  </a:sysClr>
+                </a:solidFill>
+                <a:prstDash val="solid"/>
+                <a:miter lim="800000"/>
+              </a:ln>
+              <a:effectLst/>
+            </p:spPr>
+            <p:txBody>
+              <a:bodyPr rtlCol="0" anchor="ctr"/>
+              <a:lstStyle/>
+              <a:p>
+                <a:pPr marL="0" marR="0" lvl="0" indent="0" algn="ctr" defTabSz="914400" eaLnBrk="1" fontAlgn="auto" latinLnBrk="0" hangingPunct="1">
+                  <a:lnSpc>
+                    <a:spcPct val="100000"/>
+                  </a:lnSpc>
+                  <a:spcBef>
+                    <a:spcPts val="0"/>
+                  </a:spcBef>
+                  <a:spcAft>
+                    <a:spcPts val="0"/>
+                  </a:spcAft>
+                  <a:buClrTx/>
+                  <a:buSzTx/>
+                  <a:buFontTx/>
+                  <a:buNone/>
+                  <a:tabLst/>
+                  <a:defRPr/>
+                </a:pPr>
+                <a:endParaRPr kumimoji="0" lang="en-US" sz="1800" b="0" i="0" u="none" strike="noStrike" kern="0" cap="none" spc="0" normalizeH="0" baseline="0" noProof="0">
+                  <a:ln>
+                    <a:noFill/>
+                  </a:ln>
+                  <a:solidFill>
+                    <a:prstClr val="white"/>
+                  </a:solidFill>
+                  <a:effectLst/>
+                  <a:uLnTx/>
+                  <a:uFillTx/>
+                  <a:latin typeface="Calibri" panose="020F0502020204030204"/>
+                  <a:ea typeface="+mn-ea"/>
+                  <a:cs typeface="+mn-cs"/>
+                </a:endParaRPr>
+              </a:p>
+            </p:txBody>
+          </p:sp>
+        </p:grpSp>
+        <p:cxnSp>
+          <p:nvCxnSpPr>
+            <p:cNvPr id="25" name="Straight Arrow Connector 24">
+              <a:extLst>
+                <a:ext uri="{FF2B5EF4-FFF2-40B4-BE49-F238E27FC236}">
+                  <a16:creationId xmlns:a16="http://schemas.microsoft.com/office/drawing/2014/main" id="{980249F8-BEE4-41ED-8C11-1773FC0F6899}"/>
+                </a:ext>
+              </a:extLst>
+            </p:cNvPr>
+            <p:cNvCxnSpPr>
+              <a:cxnSpLocks/>
+            </p:cNvCxnSpPr>
+            <p:nvPr/>
+          </p:nvCxnSpPr>
+          <p:spPr>
+            <a:xfrm>
+              <a:off x="6217832" y="5773738"/>
+              <a:ext cx="1084033" cy="0"/>
+            </a:xfrm>
+            <a:prstGeom prst="straightConnector1">
+              <a:avLst/>
+            </a:prstGeom>
+            <a:noFill/>
+            <a:ln w="38100" cap="flat" cmpd="sng" algn="ctr">
+              <a:solidFill>
+                <a:srgbClr val="FF0000"/>
+              </a:solidFill>
+              <a:prstDash val="solid"/>
+              <a:miter lim="800000"/>
+              <a:tailEnd type="triangle"/>
+            </a:ln>
+            <a:effectLst/>
+          </p:spPr>
+        </p:cxnSp>
+        <p:cxnSp>
+          <p:nvCxnSpPr>
+            <p:cNvPr id="26" name="Straight Arrow Connector 25">
+              <a:extLst>
+                <a:ext uri="{FF2B5EF4-FFF2-40B4-BE49-F238E27FC236}">
+                  <a16:creationId xmlns:a16="http://schemas.microsoft.com/office/drawing/2014/main" id="{36FD553C-8EC3-4791-9804-59FAC4BFE850}"/>
+                </a:ext>
+              </a:extLst>
+            </p:cNvPr>
+            <p:cNvCxnSpPr>
+              <a:cxnSpLocks/>
+            </p:cNvCxnSpPr>
+            <p:nvPr/>
+          </p:nvCxnSpPr>
+          <p:spPr>
+            <a:xfrm flipH="1">
+              <a:off x="2421079" y="5772051"/>
+              <a:ext cx="1084033" cy="0"/>
+            </a:xfrm>
+            <a:prstGeom prst="straightConnector1">
+              <a:avLst/>
+            </a:prstGeom>
+            <a:noFill/>
+            <a:ln w="38100" cap="flat" cmpd="sng" algn="ctr">
+              <a:solidFill>
+                <a:srgbClr val="FF0000"/>
+              </a:solidFill>
+              <a:prstDash val="solid"/>
+              <a:miter lim="800000"/>
+              <a:tailEnd type="triangle"/>
+            </a:ln>
+            <a:effectLst/>
+          </p:spPr>
+        </p:cxnSp>
+        <p:cxnSp>
+          <p:nvCxnSpPr>
+            <p:cNvPr id="27" name="Straight Connector 26">
+              <a:extLst>
+                <a:ext uri="{FF2B5EF4-FFF2-40B4-BE49-F238E27FC236}">
+                  <a16:creationId xmlns:a16="http://schemas.microsoft.com/office/drawing/2014/main" id="{15872DCA-CD82-4C3C-986D-733D21BDDEE6}"/>
+                </a:ext>
+              </a:extLst>
+            </p:cNvPr>
+            <p:cNvCxnSpPr>
+              <a:cxnSpLocks/>
+            </p:cNvCxnSpPr>
+            <p:nvPr/>
+          </p:nvCxnSpPr>
+          <p:spPr>
+            <a:xfrm>
+              <a:off x="2783117" y="5773738"/>
+              <a:ext cx="3876675" cy="0"/>
+            </a:xfrm>
+            <a:prstGeom prst="line">
+              <a:avLst/>
+            </a:prstGeom>
+            <a:noFill/>
+            <a:ln w="6350" cap="flat" cmpd="sng" algn="ctr">
+              <a:solidFill>
+                <a:srgbClr val="FF0000"/>
+              </a:solidFill>
+              <a:prstDash val="dash"/>
+              <a:miter lim="800000"/>
+            </a:ln>
+            <a:effectLst/>
+          </p:spPr>
+        </p:cxnSp>
+      </p:grpSp>
+      <p:grpSp>
+        <p:nvGrpSpPr>
+          <p:cNvPr id="35" name="Group 34">
+            <a:extLst>
+              <a:ext uri="{FF2B5EF4-FFF2-40B4-BE49-F238E27FC236}">
+                <a16:creationId xmlns:a16="http://schemas.microsoft.com/office/drawing/2014/main" id="{EE53051E-C28E-48EB-A704-86F898E3C877}"/>
+              </a:ext>
+            </a:extLst>
+          </p:cNvPr>
+          <p:cNvGrpSpPr/>
+          <p:nvPr/>
+        </p:nvGrpSpPr>
+        <p:grpSpPr>
+          <a:xfrm>
+            <a:off x="2421079" y="6363661"/>
+            <a:ext cx="4880786" cy="274320"/>
+            <a:chOff x="2421079" y="6363661"/>
+            <a:chExt cx="4880786" cy="274320"/>
+          </a:xfrm>
+        </p:grpSpPr>
+        <p:grpSp>
+          <p:nvGrpSpPr>
+            <p:cNvPr id="28" name="Group 27">
+              <a:extLst>
+                <a:ext uri="{FF2B5EF4-FFF2-40B4-BE49-F238E27FC236}">
+                  <a16:creationId xmlns:a16="http://schemas.microsoft.com/office/drawing/2014/main" id="{28F9B4E0-CB34-476C-9C0E-80E36689478C}"/>
+                </a:ext>
+              </a:extLst>
+            </p:cNvPr>
+            <p:cNvGrpSpPr/>
+            <p:nvPr/>
+          </p:nvGrpSpPr>
+          <p:grpSpPr>
+            <a:xfrm>
+              <a:off x="3352800" y="6363661"/>
+              <a:ext cx="2990850" cy="274320"/>
+              <a:chOff x="7446733" y="1447546"/>
+              <a:chExt cx="2990850" cy="274320"/>
+            </a:xfrm>
+          </p:grpSpPr>
+          <p:sp>
+            <p:nvSpPr>
+              <p:cNvPr id="29" name="Rectangle: Rounded Corners 28">
+                <a:extLst>
+                  <a:ext uri="{FF2B5EF4-FFF2-40B4-BE49-F238E27FC236}">
+                    <a16:creationId xmlns:a16="http://schemas.microsoft.com/office/drawing/2014/main" id="{DC8CA094-F8E1-4558-8D14-7AE26D847D1A}"/>
+                  </a:ext>
+                </a:extLst>
+              </p:cNvPr>
+              <p:cNvSpPr/>
+              <p:nvPr/>
+            </p:nvSpPr>
+            <p:spPr>
+              <a:xfrm>
+                <a:off x="7446733" y="1447546"/>
+                <a:ext cx="2990850" cy="274320"/>
+              </a:xfrm>
+              <a:prstGeom prst="roundRect">
+                <a:avLst>
+                  <a:gd name="adj" fmla="val 50000"/>
+                </a:avLst>
+              </a:prstGeom>
+              <a:gradFill rotWithShape="1">
+                <a:gsLst>
+                  <a:gs pos="0">
+                    <a:srgbClr val="A5A5A5">
+                      <a:lumMod val="110000"/>
+                      <a:satMod val="105000"/>
+                      <a:tint val="67000"/>
+                    </a:srgbClr>
+                  </a:gs>
+                  <a:gs pos="50000">
+                    <a:srgbClr val="A5A5A5">
+                      <a:lumMod val="105000"/>
+                      <a:satMod val="103000"/>
+                      <a:tint val="73000"/>
+                    </a:srgbClr>
+                  </a:gs>
+                  <a:gs pos="100000">
+                    <a:srgbClr val="A5A5A5">
+                      <a:lumMod val="105000"/>
+                      <a:satMod val="109000"/>
+                      <a:tint val="81000"/>
+                    </a:srgbClr>
+                  </a:gs>
+                </a:gsLst>
+                <a:lin ang="5400000" scaled="0"/>
+              </a:gradFill>
+              <a:ln w="6350" cap="flat" cmpd="sng" algn="ctr">
+                <a:solidFill>
+                  <a:srgbClr val="A5A5A5"/>
+                </a:solidFill>
+                <a:prstDash val="solid"/>
+                <a:miter lim="800000"/>
+              </a:ln>
+              <a:effectLst/>
+            </p:spPr>
+            <p:txBody>
+              <a:bodyPr rtlCol="0" anchor="ctr"/>
+              <a:lstStyle/>
+              <a:p>
+                <a:pPr marL="0" marR="0" lvl="0" indent="0" algn="ctr" defTabSz="914400" eaLnBrk="1" fontAlgn="auto" latinLnBrk="0" hangingPunct="1">
+                  <a:lnSpc>
+                    <a:spcPct val="100000"/>
+                  </a:lnSpc>
+                  <a:spcBef>
+                    <a:spcPts val="0"/>
+                  </a:spcBef>
+                  <a:spcAft>
+                    <a:spcPts val="0"/>
+                  </a:spcAft>
+                  <a:buClrTx/>
+                  <a:buSzTx/>
+                  <a:buFontTx/>
+                  <a:buNone/>
+                  <a:tabLst/>
+                  <a:defRPr/>
+                </a:pPr>
+                <a:endParaRPr kumimoji="0" lang="en-US" sz="1800" b="0" i="0" u="none" strike="noStrike" kern="0" cap="none" spc="0" normalizeH="0" baseline="0" noProof="0">
+                  <a:ln>
+                    <a:noFill/>
+                  </a:ln>
+                  <a:solidFill>
+                    <a:prstClr val="black"/>
+                  </a:solidFill>
+                  <a:effectLst/>
+                  <a:uLnTx/>
+                  <a:uFillTx/>
+                  <a:latin typeface="Calibri" panose="020F0502020204030204"/>
+                  <a:ea typeface="+mn-ea"/>
+                  <a:cs typeface="+mn-cs"/>
+                </a:endParaRPr>
+              </a:p>
+            </p:txBody>
+          </p:sp>
+          <p:sp>
+            <p:nvSpPr>
+              <p:cNvPr id="30" name="Oval 29">
+                <a:extLst>
+                  <a:ext uri="{FF2B5EF4-FFF2-40B4-BE49-F238E27FC236}">
+                    <a16:creationId xmlns:a16="http://schemas.microsoft.com/office/drawing/2014/main" id="{44E4F1CC-83E0-46AC-9CFF-7B008B724A48}"/>
+                  </a:ext>
+                </a:extLst>
+              </p:cNvPr>
+              <p:cNvSpPr/>
+              <p:nvPr/>
+            </p:nvSpPr>
+            <p:spPr>
+              <a:xfrm>
+                <a:off x="7553325" y="1538986"/>
+                <a:ext cx="91440" cy="91440"/>
+              </a:xfrm>
+              <a:prstGeom prst="ellipse">
+                <a:avLst/>
+              </a:prstGeom>
+              <a:solidFill>
+                <a:sysClr val="windowText" lastClr="000000"/>
+              </a:solidFill>
+              <a:ln w="12700" cap="flat" cmpd="sng" algn="ctr">
+                <a:solidFill>
+                  <a:sysClr val="windowText" lastClr="000000">
+                    <a:shade val="50000"/>
+                  </a:sysClr>
+                </a:solidFill>
+                <a:prstDash val="solid"/>
+                <a:miter lim="800000"/>
+              </a:ln>
+              <a:effectLst/>
+            </p:spPr>
+            <p:txBody>
+              <a:bodyPr rtlCol="0" anchor="ctr"/>
+              <a:lstStyle/>
+              <a:p>
+                <a:pPr marL="0" marR="0" lvl="0" indent="0" algn="ctr" defTabSz="914400" eaLnBrk="1" fontAlgn="auto" latinLnBrk="0" hangingPunct="1">
+                  <a:lnSpc>
+                    <a:spcPct val="100000"/>
+                  </a:lnSpc>
+                  <a:spcBef>
+                    <a:spcPts val="0"/>
+                  </a:spcBef>
+                  <a:spcAft>
+                    <a:spcPts val="0"/>
+                  </a:spcAft>
+                  <a:buClrTx/>
+                  <a:buSzTx/>
+                  <a:buFontTx/>
+                  <a:buNone/>
+                  <a:tabLst/>
+                  <a:defRPr/>
+                </a:pPr>
+                <a:endParaRPr kumimoji="0" lang="en-US" sz="1800" b="0" i="0" u="none" strike="noStrike" kern="0" cap="none" spc="0" normalizeH="0" baseline="0" noProof="0">
+                  <a:ln>
+                    <a:noFill/>
+                  </a:ln>
+                  <a:solidFill>
+                    <a:prstClr val="white"/>
+                  </a:solidFill>
+                  <a:effectLst/>
+                  <a:uLnTx/>
+                  <a:uFillTx/>
+                  <a:latin typeface="Calibri" panose="020F0502020204030204"/>
+                  <a:ea typeface="+mn-ea"/>
+                  <a:cs typeface="+mn-cs"/>
+                </a:endParaRPr>
+              </a:p>
+            </p:txBody>
+          </p:sp>
+          <p:sp>
+            <p:nvSpPr>
+              <p:cNvPr id="31" name="Oval 30">
+                <a:extLst>
+                  <a:ext uri="{FF2B5EF4-FFF2-40B4-BE49-F238E27FC236}">
+                    <a16:creationId xmlns:a16="http://schemas.microsoft.com/office/drawing/2014/main" id="{55CE290D-657E-4A43-AF1C-6631072CAB3F}"/>
+                  </a:ext>
+                </a:extLst>
+              </p:cNvPr>
+              <p:cNvSpPr/>
+              <p:nvPr/>
+            </p:nvSpPr>
+            <p:spPr>
+              <a:xfrm>
+                <a:off x="10248900" y="1538986"/>
+                <a:ext cx="91440" cy="91440"/>
+              </a:xfrm>
+              <a:prstGeom prst="ellipse">
+                <a:avLst/>
+              </a:prstGeom>
+              <a:solidFill>
+                <a:sysClr val="windowText" lastClr="000000"/>
+              </a:solidFill>
+              <a:ln w="12700" cap="flat" cmpd="sng" algn="ctr">
+                <a:solidFill>
+                  <a:sysClr val="windowText" lastClr="000000">
+                    <a:shade val="50000"/>
+                  </a:sysClr>
+                </a:solidFill>
+                <a:prstDash val="solid"/>
+                <a:miter lim="800000"/>
+              </a:ln>
+              <a:effectLst/>
+            </p:spPr>
+            <p:txBody>
+              <a:bodyPr rtlCol="0" anchor="ctr"/>
+              <a:lstStyle/>
+              <a:p>
+                <a:pPr marL="0" marR="0" lvl="0" indent="0" algn="ctr" defTabSz="914400" eaLnBrk="1" fontAlgn="auto" latinLnBrk="0" hangingPunct="1">
+                  <a:lnSpc>
+                    <a:spcPct val="100000"/>
+                  </a:lnSpc>
+                  <a:spcBef>
+                    <a:spcPts val="0"/>
+                  </a:spcBef>
+                  <a:spcAft>
+                    <a:spcPts val="0"/>
+                  </a:spcAft>
+                  <a:buClrTx/>
+                  <a:buSzTx/>
+                  <a:buFontTx/>
+                  <a:buNone/>
+                  <a:tabLst/>
+                  <a:defRPr/>
+                </a:pPr>
+                <a:endParaRPr kumimoji="0" lang="en-US" sz="1800" b="0" i="0" u="none" strike="noStrike" kern="0" cap="none" spc="0" normalizeH="0" baseline="0" noProof="0">
+                  <a:ln>
+                    <a:noFill/>
+                  </a:ln>
+                  <a:solidFill>
+                    <a:prstClr val="white"/>
+                  </a:solidFill>
+                  <a:effectLst/>
+                  <a:uLnTx/>
+                  <a:uFillTx/>
+                  <a:latin typeface="Calibri" panose="020F0502020204030204"/>
+                  <a:ea typeface="+mn-ea"/>
+                  <a:cs typeface="+mn-cs"/>
+                </a:endParaRPr>
+              </a:p>
+            </p:txBody>
+          </p:sp>
+        </p:grpSp>
+        <p:cxnSp>
+          <p:nvCxnSpPr>
+            <p:cNvPr id="32" name="Straight Arrow Connector 31">
+              <a:extLst>
+                <a:ext uri="{FF2B5EF4-FFF2-40B4-BE49-F238E27FC236}">
+                  <a16:creationId xmlns:a16="http://schemas.microsoft.com/office/drawing/2014/main" id="{2C3D1E73-84FC-4042-BE5C-288F45E03E32}"/>
+                </a:ext>
+              </a:extLst>
+            </p:cNvPr>
+            <p:cNvCxnSpPr>
+              <a:cxnSpLocks/>
+            </p:cNvCxnSpPr>
+            <p:nvPr/>
+          </p:nvCxnSpPr>
+          <p:spPr>
+            <a:xfrm flipH="1">
+              <a:off x="6217832" y="6500821"/>
+              <a:ext cx="1084033" cy="0"/>
+            </a:xfrm>
+            <a:prstGeom prst="straightConnector1">
+              <a:avLst/>
+            </a:prstGeom>
+            <a:noFill/>
+            <a:ln w="38100" cap="flat" cmpd="sng" algn="ctr">
+              <a:solidFill>
+                <a:srgbClr val="FF0000"/>
+              </a:solidFill>
+              <a:prstDash val="solid"/>
+              <a:miter lim="800000"/>
+              <a:tailEnd type="triangle"/>
+            </a:ln>
+            <a:effectLst/>
+          </p:spPr>
+        </p:cxnSp>
+        <p:cxnSp>
+          <p:nvCxnSpPr>
+            <p:cNvPr id="33" name="Straight Arrow Connector 32">
+              <a:extLst>
+                <a:ext uri="{FF2B5EF4-FFF2-40B4-BE49-F238E27FC236}">
+                  <a16:creationId xmlns:a16="http://schemas.microsoft.com/office/drawing/2014/main" id="{96B050F9-B90C-47B4-B9EC-8E602ED5B6F7}"/>
+                </a:ext>
+              </a:extLst>
+            </p:cNvPr>
+            <p:cNvCxnSpPr>
+              <a:cxnSpLocks/>
+            </p:cNvCxnSpPr>
+            <p:nvPr/>
+          </p:nvCxnSpPr>
+          <p:spPr>
+            <a:xfrm>
+              <a:off x="2421079" y="6499134"/>
+              <a:ext cx="1084033" cy="0"/>
+            </a:xfrm>
+            <a:prstGeom prst="straightConnector1">
+              <a:avLst/>
+            </a:prstGeom>
+            <a:noFill/>
+            <a:ln w="38100" cap="flat" cmpd="sng" algn="ctr">
+              <a:solidFill>
+                <a:srgbClr val="FF0000"/>
+              </a:solidFill>
+              <a:prstDash val="solid"/>
+              <a:miter lim="800000"/>
+              <a:tailEnd type="triangle"/>
+            </a:ln>
+            <a:effectLst/>
+          </p:spPr>
+        </p:cxnSp>
+        <p:cxnSp>
+          <p:nvCxnSpPr>
+            <p:cNvPr id="34" name="Straight Connector 33">
+              <a:extLst>
+                <a:ext uri="{FF2B5EF4-FFF2-40B4-BE49-F238E27FC236}">
+                  <a16:creationId xmlns:a16="http://schemas.microsoft.com/office/drawing/2014/main" id="{F9630AB0-5D9D-418E-B9D0-C27E3FFA57EC}"/>
+                </a:ext>
+              </a:extLst>
+            </p:cNvPr>
+            <p:cNvCxnSpPr>
+              <a:cxnSpLocks/>
+            </p:cNvCxnSpPr>
+            <p:nvPr/>
+          </p:nvCxnSpPr>
+          <p:spPr>
+            <a:xfrm>
+              <a:off x="2783117" y="6500821"/>
+              <a:ext cx="3876675" cy="0"/>
+            </a:xfrm>
+            <a:prstGeom prst="line">
+              <a:avLst/>
+            </a:prstGeom>
+            <a:noFill/>
+            <a:ln w="6350" cap="flat" cmpd="sng" algn="ctr">
+              <a:solidFill>
+                <a:srgbClr val="FF0000"/>
+              </a:solidFill>
+              <a:prstDash val="dash"/>
+              <a:miter lim="800000"/>
+            </a:ln>
+            <a:effectLst/>
+          </p:spPr>
+        </p:cxnSp>
+      </p:grpSp>
+    </p:spTree>
+    <p:extLst>
+      <p:ext uri="{BB962C8B-B14F-4D97-AF65-F5344CB8AC3E}">
+        <p14:creationId xmlns:p14="http://schemas.microsoft.com/office/powerpoint/2010/main" val="1327616489"/>
+      </p:ext>
+    </p:extLst>
+  </p:cSld>
+  <p:clrMapOvr>
+    <a:masterClrMapping/>
+  </p:clrMapOvr>
+  <p:timing>
+    <p:tnLst>
+      <p:par>
+        <p:cTn id="1" dur="indefinite" restart="never" nodeType="tmRoot">
+          <p:childTnLst>
+            <p:seq concurrent="1" nextAc="seek">
+              <p:cTn id="2" dur="indefinite" nodeType="mainSeq">
+                <p:childTnLst>
+                  <p:par>
+                    <p:cTn id="3" fill="hold">
+                      <p:stCondLst>
+                        <p:cond delay="indefinite"/>
+                      </p:stCondLst>
+                      <p:childTnLst>
+                        <p:par>
+                          <p:cTn id="4" fill="hold">
+                            <p:stCondLst>
+                              <p:cond delay="0"/>
+                            </p:stCondLst>
+                            <p:childTnLst>
+                              <p:par>
+                                <p:cTn id="5" presetID="1" presetClass="entr" presetSubtype="0" fill="hold" grpId="0" nodeType="clickEffect">
+                                  <p:stCondLst>
+                                    <p:cond delay="0"/>
+                                  </p:stCondLst>
+                                  <p:childTnLst>
+                                    <p:set>
+                                      <p:cBhvr>
+                                        <p:cTn id="6" dur="1" fill="hold">
+                                          <p:stCondLst>
+                                            <p:cond delay="0"/>
+                                          </p:stCondLst>
+                                        </p:cTn>
+                                        <p:tgtEl>
+                                          <p:spTgt spid="3">
+                                            <p:txEl>
+                                              <p:pRg st="0" end="0"/>
+                                            </p:txEl>
+                                          </p:spTgt>
+                                        </p:tgtEl>
+                                        <p:attrNameLst>
+                                          <p:attrName>style.visibility</p:attrName>
+                                        </p:attrNameLst>
+                                      </p:cBhvr>
+                                      <p:to>
+                                        <p:strVal val="visible"/>
+                                      </p:to>
+                                    </p:set>
+                                  </p:childTnLst>
+                                </p:cTn>
+                              </p:par>
+                            </p:childTnLst>
+                          </p:cTn>
+                        </p:par>
+                      </p:childTnLst>
+                    </p:cTn>
+                  </p:par>
+                  <p:par>
+                    <p:cTn id="7" fill="hold">
+                      <p:stCondLst>
+                        <p:cond delay="indefinite"/>
+                      </p:stCondLst>
+                      <p:childTnLst>
+                        <p:par>
+                          <p:cTn id="8" fill="hold">
+                            <p:stCondLst>
+                              <p:cond delay="0"/>
+                            </p:stCondLst>
+                            <p:childTnLst>
+                              <p:par>
+                                <p:cTn id="9" presetID="10" presetClass="entr" presetSubtype="0" fill="hold" nodeType="clickEffect">
+                                  <p:stCondLst>
+                                    <p:cond delay="0"/>
+                                  </p:stCondLst>
+                                  <p:childTnLst>
+                                    <p:set>
+                                      <p:cBhvr>
+                                        <p:cTn id="10" dur="1" fill="hold">
+                                          <p:stCondLst>
+                                            <p:cond delay="0"/>
+                                          </p:stCondLst>
+                                        </p:cTn>
+                                        <p:tgtEl>
+                                          <p:spTgt spid="1026"/>
+                                        </p:tgtEl>
+                                        <p:attrNameLst>
+                                          <p:attrName>style.visibility</p:attrName>
+                                        </p:attrNameLst>
+                                      </p:cBhvr>
+                                      <p:to>
+                                        <p:strVal val="visible"/>
+                                      </p:to>
+                                    </p:set>
+                                    <p:animEffect transition="in" filter="fade">
+                                      <p:cBhvr>
+                                        <p:cTn id="11" dur="500"/>
+                                        <p:tgtEl>
+                                          <p:spTgt spid="1026"/>
+                                        </p:tgtEl>
+                                      </p:cBhvr>
+                                    </p:animEffect>
+                                  </p:childTnLst>
+                                </p:cTn>
+                              </p:par>
+                            </p:childTnLst>
+                          </p:cTn>
+                        </p:par>
+                      </p:childTnLst>
+                    </p:cTn>
+                  </p:par>
+                  <p:par>
+                    <p:cTn id="12" fill="hold">
+                      <p:stCondLst>
+                        <p:cond delay="indefinite"/>
+                      </p:stCondLst>
+                      <p:childTnLst>
+                        <p:par>
+                          <p:cTn id="13" fill="hold">
+                            <p:stCondLst>
+                              <p:cond delay="0"/>
+                            </p:stCondLst>
+                            <p:childTnLst>
+                              <p:par>
+                                <p:cTn id="14" presetID="10" presetClass="entr" presetSubtype="0" fill="hold" nodeType="clickEffect">
+                                  <p:stCondLst>
+                                    <p:cond delay="0"/>
+                                  </p:stCondLst>
+                                  <p:childTnLst>
+                                    <p:set>
+                                      <p:cBhvr>
+                                        <p:cTn id="15" dur="1" fill="hold">
+                                          <p:stCondLst>
+                                            <p:cond delay="0"/>
+                                          </p:stCondLst>
+                                        </p:cTn>
+                                        <p:tgtEl>
+                                          <p:spTgt spid="5"/>
+                                        </p:tgtEl>
+                                        <p:attrNameLst>
+                                          <p:attrName>style.visibility</p:attrName>
+                                        </p:attrNameLst>
+                                      </p:cBhvr>
+                                      <p:to>
+                                        <p:strVal val="visible"/>
+                                      </p:to>
+                                    </p:set>
+                                    <p:animEffect transition="in" filter="fade">
+                                      <p:cBhvr>
+                                        <p:cTn id="16" dur="500"/>
+                                        <p:tgtEl>
+                                          <p:spTgt spid="5"/>
+                                        </p:tgtEl>
+                                      </p:cBhvr>
+                                    </p:animEffect>
+                                  </p:childTnLst>
+                                </p:cTn>
+                              </p:par>
+                            </p:childTnLst>
+                          </p:cTn>
+                        </p:par>
+                      </p:childTnLst>
+                    </p:cTn>
+                  </p:par>
+                  <p:par>
+                    <p:cTn id="17" fill="hold">
+                      <p:stCondLst>
+                        <p:cond delay="indefinite"/>
+                      </p:stCondLst>
+                      <p:childTnLst>
+                        <p:par>
+                          <p:cTn id="18" fill="hold">
+                            <p:stCondLst>
+                              <p:cond delay="0"/>
+                            </p:stCondLst>
+                            <p:childTnLst>
+                              <p:par>
+                                <p:cTn id="19" presetID="10" presetClass="entr" presetSubtype="0" fill="hold" nodeType="clickEffect">
+                                  <p:stCondLst>
+                                    <p:cond delay="0"/>
+                                  </p:stCondLst>
+                                  <p:childTnLst>
+                                    <p:set>
+                                      <p:cBhvr>
+                                        <p:cTn id="20" dur="1" fill="hold">
+                                          <p:stCondLst>
+                                            <p:cond delay="0"/>
+                                          </p:stCondLst>
+                                        </p:cTn>
+                                        <p:tgtEl>
+                                          <p:spTgt spid="35"/>
+                                        </p:tgtEl>
+                                        <p:attrNameLst>
+                                          <p:attrName>style.visibility</p:attrName>
+                                        </p:attrNameLst>
+                                      </p:cBhvr>
+                                      <p:to>
+                                        <p:strVal val="visible"/>
+                                      </p:to>
+                                    </p:set>
+                                    <p:animEffect transition="in" filter="fade">
+                                      <p:cBhvr>
+                                        <p:cTn id="21" dur="500"/>
+                                        <p:tgtEl>
+                                          <p:spTgt spid="35"/>
+                                        </p:tgtEl>
+                                      </p:cBhvr>
+                                    </p:animEffect>
+                                  </p:childTnLst>
+                                </p:cTn>
+                              </p:par>
+                            </p:childTnLst>
+                          </p:cTn>
+                        </p:par>
+                      </p:childTnLst>
+                    </p:cTn>
+                  </p:par>
+                </p:childTnLst>
+              </p:cTn>
+              <p:prevCondLst>
+                <p:cond evt="onPrev" delay="0">
+                  <p:tgtEl>
+                    <p:sldTgt/>
+                  </p:tgtEl>
+                </p:cond>
+              </p:prevCondLst>
+              <p:nextCondLst>
+                <p:cond evt="onNext" delay="0">
+                  <p:tgtEl>
+                    <p:sldTgt/>
+                  </p:tgtEl>
+                </p:cond>
+              </p:nextCondLst>
+            </p:seq>
+          </p:childTnLst>
+        </p:cTn>
+      </p:par>
+    </p:tnLst>
+    <p:bldLst>
+      <p:bldP spid="3" grpId="0" build="p"/>
+    </p:bldLst>
+  </p:timing>
+</p:sld>
+</file>
+
+<file path=ppt/slides/slide5.xml><?xml version="1.0" encoding="utf-8"?>
+<p:sld xmlns:a="http://schemas.openxmlformats.org/drawingml/2006/main" xmlns:r="http://schemas.openxmlformats.org/officeDocument/2006/relationships" xmlns:p="http://schemas.openxmlformats.org/presentationml/2006/main">
+  <p:cSld>
+    <p:spTree>
+      <p:nvGrpSpPr>
+        <p:cNvPr id="1" name=""/>
+        <p:cNvGrpSpPr/>
+        <p:nvPr/>
+      </p:nvGrpSpPr>
+      <p:grpSpPr>
+        <a:xfrm>
+          <a:off x="0" y="0"/>
+          <a:ext cx="0" cy="0"/>
+          <a:chOff x="0" y="0"/>
+          <a:chExt cx="0" cy="0"/>
+        </a:xfrm>
+      </p:grpSpPr>
+      <p:sp>
+        <p:nvSpPr>
+          <p:cNvPr id="2" name="Title 1"/>
+          <p:cNvSpPr>
+            <a:spLocks noGrp="1"/>
+          </p:cNvSpPr>
+          <p:nvPr>
+            <p:ph type="title"/>
+          </p:nvPr>
+        </p:nvSpPr>
+        <p:spPr/>
+        <p:txBody>
+          <a:bodyPr>
+            <a:normAutofit/>
+          </a:bodyPr>
+          <a:lstStyle/>
+          <a:p>
+            <a:r>
+              <a:rPr lang="en-US" dirty="0"/>
+              <a:t>Frames and Machines </a:t>
+            </a:r>
+          </a:p>
+        </p:txBody>
+      </p:sp>
+      <p:sp>
+        <p:nvSpPr>
+          <p:cNvPr id="3" name="Content Placeholder 2"/>
+          <p:cNvSpPr>
+            <a:spLocks noGrp="1"/>
+          </p:cNvSpPr>
+          <p:nvPr>
+            <p:ph idx="1"/>
+          </p:nvPr>
+        </p:nvSpPr>
+        <p:spPr>
+          <a:xfrm>
+            <a:off x="457200" y="1600200"/>
+            <a:ext cx="8229600" cy="4983161"/>
+          </a:xfrm>
+        </p:spPr>
+        <p:txBody>
+          <a:bodyPr>
+            <a:normAutofit fontScale="77500" lnSpcReduction="20000"/>
+          </a:bodyPr>
+          <a:lstStyle/>
+          <a:p>
+            <a:r>
+              <a:rPr lang="en-US" dirty="0"/>
+              <a:t>A </a:t>
+            </a:r>
+            <a:r>
+              <a:rPr lang="en-US" b="1" dirty="0"/>
+              <a:t>frame</a:t>
+            </a:r>
+            <a:r>
+              <a:rPr lang="en-US" dirty="0"/>
+              <a:t> or a </a:t>
+            </a:r>
+            <a:r>
+              <a:rPr lang="en-US" b="1" dirty="0"/>
+              <a:t>machine</a:t>
+            </a:r>
+            <a:r>
+              <a:rPr lang="en-US" dirty="0"/>
+              <a:t> is a </a:t>
+            </a:r>
+            <a:r>
+              <a:rPr lang="en-US" b="1" dirty="0"/>
+              <a:t>structure</a:t>
+            </a:r>
+            <a:r>
+              <a:rPr lang="en-US" dirty="0"/>
+              <a:t> that has </a:t>
+            </a:r>
+            <a:r>
+              <a:rPr lang="en-US" b="1" dirty="0"/>
+              <a:t>at least one member that is not a two-force member</a:t>
+            </a:r>
+            <a:r>
+              <a:rPr lang="en-US" dirty="0"/>
+              <a:t>.</a:t>
+            </a:r>
+          </a:p>
+          <a:p>
+            <a:pPr lvl="1"/>
+            <a:r>
+              <a:rPr lang="en-US" dirty="0"/>
+              <a:t>A frame is </a:t>
+            </a:r>
+            <a:r>
+              <a:rPr lang="en-US" b="1" dirty="0"/>
+              <a:t>rigid</a:t>
+            </a:r>
+          </a:p>
+          <a:p>
+            <a:pPr lvl="1"/>
+            <a:r>
+              <a:rPr lang="en-US" dirty="0"/>
+              <a:t>A machine is </a:t>
+            </a:r>
+            <a:r>
+              <a:rPr lang="en-US" b="1" dirty="0"/>
+              <a:t>not rigid</a:t>
+            </a:r>
+          </a:p>
+          <a:p>
+            <a:pPr lvl="1"/>
+            <a:endParaRPr lang="en-US" dirty="0"/>
+          </a:p>
+          <a:p>
+            <a:pPr lvl="1"/>
+            <a:endParaRPr lang="en-US" dirty="0"/>
+          </a:p>
+          <a:p>
+            <a:pPr lvl="1"/>
+            <a:endParaRPr lang="en-US" dirty="0"/>
+          </a:p>
+          <a:p>
+            <a:pPr lvl="1"/>
+            <a:endParaRPr lang="en-US" dirty="0"/>
+          </a:p>
+          <a:p>
+            <a:pPr marL="0" indent="0">
+              <a:buNone/>
+            </a:pPr>
+            <a:endParaRPr lang="en-US" dirty="0"/>
+          </a:p>
+          <a:p>
+            <a:r>
+              <a:rPr lang="en-US" dirty="0"/>
+              <a:t>Because we can’t assume that each member is a two-force member we can’t use the method of joints or method of sections.</a:t>
+            </a:r>
+          </a:p>
+          <a:p>
+            <a:pPr lvl="1"/>
+            <a:r>
+              <a:rPr lang="en-US" dirty="0"/>
+              <a:t>Though it is still useful to identify the two-force members that are present for analysis.</a:t>
+            </a:r>
+          </a:p>
+        </p:txBody>
+      </p:sp>
+      <p:pic>
+        <p:nvPicPr>
+          <p:cNvPr id="4" name="Picture 4"/>
+          <p:cNvPicPr>
+            <a:picLocks noChangeAspect="1" noChangeArrowheads="1"/>
+          </p:cNvPicPr>
+          <p:nvPr/>
+        </p:nvPicPr>
+        <p:blipFill>
+          <a:blip r:embed="rId2">
+            <a:extLst>
+              <a:ext uri="{28A0092B-C50C-407E-A947-70E740481C1C}">
+                <a14:useLocalDpi xmlns:a14="http://schemas.microsoft.com/office/drawing/2010/main" val="0"/>
+              </a:ext>
+            </a:extLst>
+          </a:blip>
+          <a:srcRect/>
+          <a:stretch>
+            <a:fillRect/>
+          </a:stretch>
+        </p:blipFill>
+        <p:spPr bwMode="auto">
+          <a:xfrm>
+            <a:off x="3886200" y="2328811"/>
+            <a:ext cx="1600200" cy="2133600"/>
+          </a:xfrm>
+          <a:prstGeom prst="rect">
+            <a:avLst/>
+          </a:prstGeom>
+          <a:noFill/>
+          <a:ln>
+            <a:noFill/>
+          </a:ln>
+          <a:extLst>
+            <a:ext uri="{909E8E84-426E-40DD-AFC4-6F175D3DCCD1}">
+              <a14:hiddenFill xmlns:a14="http://schemas.microsoft.com/office/drawing/2010/main">
+                <a:solidFill>
+                  <a:schemeClr val="accent1"/>
+                </a:solidFill>
+              </a14:hiddenFill>
+            </a:ext>
+            <a:ext uri="{91240B29-F687-4F45-9708-019B960494DF}">
+              <a14:hiddenLine xmlns:a14="http://schemas.microsoft.com/office/drawing/2010/main" w="9525">
+                <a:solidFill>
+                  <a:schemeClr val="tx1"/>
+                </a:solidFill>
+                <a:miter lim="800000"/>
+                <a:headEnd/>
+                <a:tailEnd/>
+              </a14:hiddenLine>
+            </a:ext>
+          </a:extLst>
+        </p:spPr>
+      </p:pic>
+      <p:pic>
+        <p:nvPicPr>
+          <p:cNvPr id="5" name="Picture 2"/>
+          <p:cNvPicPr>
+            <a:picLocks noChangeAspect="1" noChangeArrowheads="1"/>
+          </p:cNvPicPr>
+          <p:nvPr/>
+        </p:nvPicPr>
+        <p:blipFill>
+          <a:blip r:embed="rId3" cstate="print">
+            <a:extLst>
+              <a:ext uri="{28A0092B-C50C-407E-A947-70E740481C1C}">
+                <a14:useLocalDpi xmlns:a14="http://schemas.microsoft.com/office/drawing/2010/main" val="0"/>
+              </a:ext>
+            </a:extLst>
+          </a:blip>
+          <a:srcRect/>
+          <a:stretch>
+            <a:fillRect/>
+          </a:stretch>
+        </p:blipFill>
+        <p:spPr bwMode="auto">
+          <a:xfrm>
+            <a:off x="5791200" y="2590800"/>
+            <a:ext cx="2370930" cy="1609622"/>
+          </a:xfrm>
+          <a:prstGeom prst="rect">
+            <a:avLst/>
+          </a:prstGeom>
+          <a:noFill/>
+          <a:ln>
+            <a:noFill/>
+          </a:ln>
+          <a:extLst>
+            <a:ext uri="{909E8E84-426E-40DD-AFC4-6F175D3DCCD1}">
+              <a14:hiddenFill xmlns:a14="http://schemas.microsoft.com/office/drawing/2010/main">
+                <a:solidFill>
+                  <a:schemeClr val="accent1"/>
+                </a:solidFill>
+              </a14:hiddenFill>
+            </a:ext>
+            <a:ext uri="{91240B29-F687-4F45-9708-019B960494DF}">
+              <a14:hiddenLine xmlns:a14="http://schemas.microsoft.com/office/drawing/2010/main" w="9525">
+                <a:solidFill>
+                  <a:schemeClr val="tx1"/>
+                </a:solidFill>
+                <a:miter lim="800000"/>
+                <a:headEnd/>
+                <a:tailEnd/>
+              </a14:hiddenLine>
+            </a:ext>
+          </a:extLst>
+        </p:spPr>
+      </p:pic>
+    </p:spTree>
+    <p:extLst>
+      <p:ext uri="{BB962C8B-B14F-4D97-AF65-F5344CB8AC3E}">
+        <p14:creationId xmlns:p14="http://schemas.microsoft.com/office/powerpoint/2010/main" val="745661465"/>
+      </p:ext>
+    </p:extLst>
+  </p:cSld>
+  <p:clrMapOvr>
+    <a:masterClrMapping/>
+  </p:clrMapOvr>
+  <p:timing>
+    <p:tnLst>
+      <p:par>
+        <p:cTn id="1" dur="indefinite" restart="never" nodeType="tmRoot">
+          <p:childTnLst>
+            <p:seq concurrent="1" nextAc="seek">
+              <p:cTn id="2" dur="indefinite" nodeType="mainSeq">
+                <p:childTnLst>
+                  <p:par>
+                    <p:cTn id="3" fill="hold">
+                      <p:stCondLst>
+                        <p:cond delay="indefinite"/>
+                      </p:stCondLst>
+                      <p:childTnLst>
+                        <p:par>
+                          <p:cTn id="4" fill="hold">
+                            <p:stCondLst>
+                              <p:cond delay="0"/>
+                            </p:stCondLst>
+                            <p:childTnLst>
+                              <p:par>
+                                <p:cTn id="5" presetID="1" presetClass="entr" presetSubtype="0" fill="hold" grpId="0" nodeType="clickEffect">
+                                  <p:stCondLst>
+                                    <p:cond delay="0"/>
+                                  </p:stCondLst>
+                                  <p:childTnLst>
+                                    <p:set>
+                                      <p:cBhvr>
+                                        <p:cTn id="6" dur="1" fill="hold">
+                                          <p:stCondLst>
+                                            <p:cond delay="0"/>
+                                          </p:stCondLst>
+                                        </p:cTn>
+                                        <p:tgtEl>
+                                          <p:spTgt spid="3">
+                                            <p:txEl>
+                                              <p:pRg st="0" end="0"/>
+                                            </p:txEl>
+                                          </p:spTgt>
+                                        </p:tgtEl>
+                                        <p:attrNameLst>
+                                          <p:attrName>style.visibility</p:attrName>
+                                        </p:attrNameLst>
+                                      </p:cBhvr>
+                                      <p:to>
+                                        <p:strVal val="visible"/>
+                                      </p:to>
+                                    </p:set>
+                                  </p:childTnLst>
+                                </p:cTn>
+                              </p:par>
+                            </p:childTnLst>
+                          </p:cTn>
+                        </p:par>
+                      </p:childTnLst>
+                    </p:cTn>
+                  </p:par>
+                  <p:par>
+                    <p:cTn id="7" fill="hold">
+                      <p:stCondLst>
+                        <p:cond delay="indefinite"/>
+                      </p:stCondLst>
+                      <p:childTnLst>
+                        <p:par>
+                          <p:cTn id="8" fill="hold">
+                            <p:stCondLst>
+                              <p:cond delay="0"/>
+                            </p:stCondLst>
+                            <p:childTnLst>
+                              <p:par>
+                                <p:cTn id="9" presetID="1" presetClass="entr" presetSubtype="0" fill="hold" grpId="0" nodeType="clickEffect">
+                                  <p:stCondLst>
+                                    <p:cond delay="0"/>
+                                  </p:stCondLst>
+                                  <p:childTnLst>
+                                    <p:set>
+                                      <p:cBhvr>
+                                        <p:cTn id="10" dur="1" fill="hold">
+                                          <p:stCondLst>
+                                            <p:cond delay="0"/>
+                                          </p:stCondLst>
+                                        </p:cTn>
+                                        <p:tgtEl>
+                                          <p:spTgt spid="3">
+                                            <p:txEl>
+                                              <p:pRg st="1" end="1"/>
+                                            </p:txEl>
+                                          </p:spTgt>
+                                        </p:tgtEl>
+                                        <p:attrNameLst>
+                                          <p:attrName>style.visibility</p:attrName>
+                                        </p:attrNameLst>
+                                      </p:cBhvr>
+                                      <p:to>
+                                        <p:strVal val="visible"/>
+                                      </p:to>
+                                    </p:set>
+                                  </p:childTnLst>
+                                </p:cTn>
+                              </p:par>
+                            </p:childTnLst>
+                          </p:cTn>
+                        </p:par>
+                      </p:childTnLst>
+                    </p:cTn>
+                  </p:par>
+                  <p:par>
+                    <p:cTn id="11" fill="hold">
+                      <p:stCondLst>
+                        <p:cond delay="indefinite"/>
+                      </p:stCondLst>
+                      <p:childTnLst>
+                        <p:par>
+                          <p:cTn id="12" fill="hold">
+                            <p:stCondLst>
+                              <p:cond delay="0"/>
+                            </p:stCondLst>
+                            <p:childTnLst>
+                              <p:par>
+                                <p:cTn id="13" presetID="10" presetClass="entr" presetSubtype="0" fill="hold" nodeType="clickEffect">
+                                  <p:stCondLst>
+                                    <p:cond delay="0"/>
+                                  </p:stCondLst>
+                                  <p:childTnLst>
+                                    <p:set>
+                                      <p:cBhvr>
+                                        <p:cTn id="14" dur="1" fill="hold">
+                                          <p:stCondLst>
+                                            <p:cond delay="0"/>
+                                          </p:stCondLst>
+                                        </p:cTn>
+                                        <p:tgtEl>
+                                          <p:spTgt spid="4"/>
+                                        </p:tgtEl>
+                                        <p:attrNameLst>
+                                          <p:attrName>style.visibility</p:attrName>
+                                        </p:attrNameLst>
+                                      </p:cBhvr>
+                                      <p:to>
+                                        <p:strVal val="visible"/>
+                                      </p:to>
+                                    </p:set>
+                                    <p:animEffect transition="in" filter="fade">
+                                      <p:cBhvr>
+                                        <p:cTn id="15" dur="500"/>
+                                        <p:tgtEl>
+                                          <p:spTgt spid="4"/>
+                                        </p:tgtEl>
+                                      </p:cBhvr>
+                                    </p:animEffect>
+                                  </p:childTnLst>
+                                </p:cTn>
+                              </p:par>
+                            </p:childTnLst>
+                          </p:cTn>
+                        </p:par>
+                      </p:childTnLst>
+                    </p:cTn>
+                  </p:par>
+                  <p:par>
+                    <p:cTn id="16" fill="hold">
+                      <p:stCondLst>
+                        <p:cond delay="indefinite"/>
+                      </p:stCondLst>
+                      <p:childTnLst>
+                        <p:par>
+                          <p:cTn id="17" fill="hold">
+                            <p:stCondLst>
+                              <p:cond delay="0"/>
+                            </p:stCondLst>
+                            <p:childTnLst>
+                              <p:par>
+                                <p:cTn id="18" presetID="1" presetClass="entr" presetSubtype="0" fill="hold" grpId="0" nodeType="clickEffect">
+                                  <p:stCondLst>
+                                    <p:cond delay="0"/>
+                                  </p:stCondLst>
+                                  <p:childTnLst>
+                                    <p:set>
+                                      <p:cBhvr>
+                                        <p:cTn id="19" dur="1" fill="hold">
+                                          <p:stCondLst>
+                                            <p:cond delay="0"/>
+                                          </p:stCondLst>
+                                        </p:cTn>
+                                        <p:tgtEl>
+                                          <p:spTgt spid="3">
+                                            <p:txEl>
+                                              <p:pRg st="2" end="2"/>
+                                            </p:txEl>
+                                          </p:spTgt>
+                                        </p:tgtEl>
+                                        <p:attrNameLst>
+                                          <p:attrName>style.visibility</p:attrName>
+                                        </p:attrNameLst>
+                                      </p:cBhvr>
+                                      <p:to>
+                                        <p:strVal val="visible"/>
+                                      </p:to>
+                                    </p:set>
+                                  </p:childTnLst>
+                                </p:cTn>
+                              </p:par>
+                            </p:childTnLst>
+                          </p:cTn>
+                        </p:par>
+                      </p:childTnLst>
+                    </p:cTn>
+                  </p:par>
+                  <p:par>
+                    <p:cTn id="20" fill="hold">
+                      <p:stCondLst>
+                        <p:cond delay="indefinite"/>
+                      </p:stCondLst>
+                      <p:childTnLst>
+                        <p:par>
+                          <p:cTn id="21" fill="hold">
+                            <p:stCondLst>
+                              <p:cond delay="0"/>
+                            </p:stCondLst>
+                            <p:childTnLst>
+                              <p:par>
+                                <p:cTn id="22" presetID="10" presetClass="entr" presetSubtype="0" fill="hold" nodeType="clickEffect">
+                                  <p:stCondLst>
+                                    <p:cond delay="0"/>
+                                  </p:stCondLst>
+                                  <p:childTnLst>
+                                    <p:set>
+                                      <p:cBhvr>
+                                        <p:cTn id="23" dur="1" fill="hold">
+                                          <p:stCondLst>
+                                            <p:cond delay="0"/>
+                                          </p:stCondLst>
+                                        </p:cTn>
+                                        <p:tgtEl>
+                                          <p:spTgt spid="5"/>
+                                        </p:tgtEl>
+                                        <p:attrNameLst>
+                                          <p:attrName>style.visibility</p:attrName>
+                                        </p:attrNameLst>
+                                      </p:cBhvr>
+                                      <p:to>
+                                        <p:strVal val="visible"/>
+                                      </p:to>
+                                    </p:set>
+                                    <p:animEffect transition="in" filter="fade">
+                                      <p:cBhvr>
+                                        <p:cTn id="24" dur="500"/>
+                                        <p:tgtEl>
+                                          <p:spTgt spid="5"/>
+                                        </p:tgtEl>
+                                      </p:cBhvr>
+                                    </p:animEffect>
+                                  </p:childTnLst>
+                                </p:cTn>
+                              </p:par>
+                            </p:childTnLst>
+                          </p:cTn>
+                        </p:par>
+                      </p:childTnLst>
+                    </p:cTn>
+                  </p:par>
+                  <p:par>
+                    <p:cTn id="25" fill="hold">
+                      <p:stCondLst>
+                        <p:cond delay="indefinite"/>
+                      </p:stCondLst>
+                      <p:childTnLst>
+                        <p:par>
+                          <p:cTn id="26" fill="hold">
+                            <p:stCondLst>
+                              <p:cond delay="0"/>
+                            </p:stCondLst>
+                            <p:childTnLst>
+                              <p:par>
+                                <p:cTn id="27" presetID="1" presetClass="entr" presetSubtype="0" fill="hold" grpId="0" nodeType="clickEffect">
+                                  <p:stCondLst>
+                                    <p:cond delay="0"/>
+                                  </p:stCondLst>
+                                  <p:childTnLst>
+                                    <p:set>
+                                      <p:cBhvr>
+                                        <p:cTn id="28" dur="1" fill="hold">
+                                          <p:stCondLst>
+                                            <p:cond delay="0"/>
+                                          </p:stCondLst>
+                                        </p:cTn>
+                                        <p:tgtEl>
+                                          <p:spTgt spid="3">
+                                            <p:txEl>
+                                              <p:pRg st="8" end="8"/>
+                                            </p:txEl>
+                                          </p:spTgt>
+                                        </p:tgtEl>
+                                        <p:attrNameLst>
+                                          <p:attrName>style.visibility</p:attrName>
+                                        </p:attrNameLst>
+                                      </p:cBhvr>
+                                      <p:to>
+                                        <p:strVal val="visible"/>
+                                      </p:to>
+                                    </p:set>
+                                  </p:childTnLst>
+                                </p:cTn>
+                              </p:par>
+                            </p:childTnLst>
+                          </p:cTn>
+                        </p:par>
+                      </p:childTnLst>
+                    </p:cTn>
+                  </p:par>
+                  <p:par>
+                    <p:cTn id="29" fill="hold">
+                      <p:stCondLst>
+                        <p:cond delay="indefinite"/>
+                      </p:stCondLst>
+                      <p:childTnLst>
+                        <p:par>
+                          <p:cTn id="30" fill="hold">
+                            <p:stCondLst>
+                              <p:cond delay="0"/>
+                            </p:stCondLst>
+                            <p:childTnLst>
+                              <p:par>
+                                <p:cTn id="31" presetID="1" presetClass="entr" presetSubtype="0" fill="hold" grpId="0" nodeType="clickEffect">
+                                  <p:stCondLst>
+                                    <p:cond delay="0"/>
+                                  </p:stCondLst>
+                                  <p:childTnLst>
+                                    <p:set>
+                                      <p:cBhvr>
+                                        <p:cTn id="32" dur="1" fill="hold">
+                                          <p:stCondLst>
+                                            <p:cond delay="0"/>
+                                          </p:stCondLst>
+                                        </p:cTn>
+                                        <p:tgtEl>
+                                          <p:spTgt spid="3">
+                                            <p:txEl>
+                                              <p:pRg st="9" end="9"/>
+                                            </p:txEl>
+                                          </p:spTgt>
+                                        </p:tgtEl>
+                                        <p:attrNameLst>
+                                          <p:attrName>style.visibility</p:attrName>
+                                        </p:attrNameLst>
+                                      </p:cBhvr>
+                                      <p:to>
+                                        <p:strVal val="visible"/>
+                                      </p:to>
+                                    </p:set>
+                                  </p:childTnLst>
+                                </p:cTn>
+                              </p:par>
+                            </p:childTnLst>
+                          </p:cTn>
+                        </p:par>
+                      </p:childTnLst>
+                    </p:cTn>
+                  </p:par>
+                </p:childTnLst>
+              </p:cTn>
+              <p:prevCondLst>
+                <p:cond evt="onPrev" delay="0">
+                  <p:tgtEl>
+                    <p:sldTgt/>
+                  </p:tgtEl>
+                </p:cond>
+              </p:prevCondLst>
+              <p:nextCondLst>
+                <p:cond evt="onNext" delay="0">
+                  <p:tgtEl>
+                    <p:sldTgt/>
+                  </p:tgtEl>
+                </p:cond>
+              </p:nextCondLst>
+            </p:seq>
+          </p:childTnLst>
+        </p:cTn>
+      </p:par>
+    </p:tnLst>
+    <p:bldLst>
+      <p:bldP spid="3" grpId="0" uiExpand="1" build="p"/>
+    </p:bldLst>
+  </p:timing>
+</p:sld>
+</file>
+
+<file path=ppt/slides/slide6.xml><?xml version="1.0" encoding="utf-8"?>
+<p:sld xmlns:a="http://schemas.openxmlformats.org/drawingml/2006/main" xmlns:r="http://schemas.openxmlformats.org/officeDocument/2006/relationships" xmlns:p="http://schemas.openxmlformats.org/presentationml/2006/main">
+  <p:cSld>
+    <p:spTree>
+      <p:nvGrpSpPr>
+        <p:cNvPr id="1" name=""/>
+        <p:cNvGrpSpPr/>
+        <p:nvPr/>
+      </p:nvGrpSpPr>
+      <p:grpSpPr>
+        <a:xfrm>
+          <a:off x="0" y="0"/>
+          <a:ext cx="0" cy="0"/>
+          <a:chOff x="0" y="0"/>
+          <a:chExt cx="0" cy="0"/>
+        </a:xfrm>
+      </p:grpSpPr>
+      <p:sp>
+        <p:nvSpPr>
+          <p:cNvPr id="2" name="Title 1"/>
+          <p:cNvSpPr>
+            <a:spLocks noGrp="1"/>
+          </p:cNvSpPr>
+          <p:nvPr>
+            <p:ph type="title"/>
+          </p:nvPr>
+        </p:nvSpPr>
+        <p:spPr/>
+        <p:txBody>
+          <a:bodyPr/>
+          <a:lstStyle/>
+          <a:p>
+            <a:r>
+              <a:rPr lang="en-US" dirty="0"/>
+              <a:t>Analyzing Structures</a:t>
+            </a:r>
+          </a:p>
+        </p:txBody>
+      </p:sp>
+      <p:sp>
+        <p:nvSpPr>
+          <p:cNvPr id="3" name="Content Placeholder 2"/>
+          <p:cNvSpPr>
+            <a:spLocks noGrp="1"/>
+          </p:cNvSpPr>
+          <p:nvPr>
+            <p:ph idx="1"/>
+          </p:nvPr>
+        </p:nvSpPr>
+        <p:spPr>
+          <a:xfrm>
+            <a:off x="457200" y="1600200"/>
+            <a:ext cx="4267200" cy="4876799"/>
+          </a:xfrm>
+        </p:spPr>
+        <p:txBody>
+          <a:bodyPr>
+            <a:normAutofit fontScale="77500" lnSpcReduction="20000"/>
+          </a:bodyPr>
+          <a:lstStyle/>
+          <a:p>
+            <a:r>
+              <a:rPr lang="en-US" dirty="0"/>
+              <a:t>As with everything in statics, the structure is assumed to be in </a:t>
+            </a:r>
+            <a:r>
+              <a:rPr lang="en-US" b="1" dirty="0"/>
+              <a:t>equilibrium</a:t>
+            </a:r>
+            <a:r>
+              <a:rPr lang="en-US" dirty="0"/>
+              <a:t>.</a:t>
+            </a:r>
+          </a:p>
+          <a:p>
+            <a:endParaRPr lang="en-US" dirty="0"/>
+          </a:p>
+          <a:p>
+            <a:r>
+              <a:rPr lang="en-US" dirty="0"/>
+              <a:t>Because the structure is in equilibrium, each member (part of the structure) is also in equilibrium.</a:t>
+            </a:r>
+          </a:p>
+          <a:p>
+            <a:endParaRPr lang="en-US" dirty="0"/>
+          </a:p>
+          <a:p>
+            <a:r>
+              <a:rPr lang="en-US" dirty="0"/>
+              <a:t>We analyze structures by </a:t>
+            </a:r>
+            <a:r>
+              <a:rPr lang="en-US" b="1" dirty="0"/>
+              <a:t>breaking them down into parts</a:t>
+            </a:r>
+            <a:r>
+              <a:rPr lang="en-US" dirty="0"/>
+              <a:t> and then performing </a:t>
+            </a:r>
+            <a:r>
+              <a:rPr lang="en-US" b="1" dirty="0"/>
+              <a:t>static analysis </a:t>
+            </a:r>
+            <a:r>
+              <a:rPr lang="en-US" dirty="0"/>
+              <a:t>on the pieces.</a:t>
+            </a:r>
+          </a:p>
+        </p:txBody>
+      </p:sp>
+      <p:pic>
+        <p:nvPicPr>
+          <p:cNvPr id="4098" name="Picture 2"/>
+          <p:cNvPicPr>
+            <a:picLocks noChangeAspect="1" noChangeArrowheads="1"/>
+          </p:cNvPicPr>
+          <p:nvPr/>
+        </p:nvPicPr>
+        <p:blipFill>
+          <a:blip r:embed="rId2">
+            <a:extLst>
+              <a:ext uri="{28A0092B-C50C-407E-A947-70E740481C1C}">
+                <a14:useLocalDpi xmlns:a14="http://schemas.microsoft.com/office/drawing/2010/main" val="0"/>
+              </a:ext>
+            </a:extLst>
+          </a:blip>
+          <a:srcRect/>
+          <a:stretch>
+            <a:fillRect/>
+          </a:stretch>
+        </p:blipFill>
+        <p:spPr bwMode="auto">
+          <a:xfrm>
+            <a:off x="4953000" y="2362200"/>
+            <a:ext cx="4025538" cy="3103659"/>
+          </a:xfrm>
+          <a:prstGeom prst="rect">
+            <a:avLst/>
+          </a:prstGeom>
+          <a:noFill/>
+          <a:ln>
+            <a:noFill/>
+          </a:ln>
+          <a:extLst>
+            <a:ext uri="{909E8E84-426E-40DD-AFC4-6F175D3DCCD1}">
+              <a14:hiddenFill xmlns:a14="http://schemas.microsoft.com/office/drawing/2010/main">
+                <a:solidFill>
+                  <a:schemeClr val="accent1"/>
+                </a:solidFill>
+              </a14:hiddenFill>
+            </a:ext>
+            <a:ext uri="{91240B29-F687-4F45-9708-019B960494DF}">
+              <a14:hiddenLine xmlns:a14="http://schemas.microsoft.com/office/drawing/2010/main" w="9525">
+                <a:solidFill>
+                  <a:schemeClr val="tx1"/>
+                </a:solidFill>
+                <a:miter lim="800000"/>
+                <a:headEnd/>
+                <a:tailEnd/>
+              </a14:hiddenLine>
+            </a:ext>
+          </a:extLst>
+        </p:spPr>
+      </p:pic>
+    </p:spTree>
+    <p:extLst>
+      <p:ext uri="{BB962C8B-B14F-4D97-AF65-F5344CB8AC3E}">
+        <p14:creationId xmlns:p14="http://schemas.microsoft.com/office/powerpoint/2010/main" val="2141156771"/>
+      </p:ext>
+    </p:extLst>
+  </p:cSld>
+  <p:clrMapOvr>
+    <a:masterClrMapping/>
+  </p:clrMapOvr>
+  <p:timing>
+    <p:tnLst>
+      <p:par>
+        <p:cTn id="1" dur="indefinite" restart="never" nodeType="tmRoot">
+          <p:childTnLst>
+            <p:seq concurrent="1" nextAc="seek">
+              <p:cTn id="2" dur="indefinite" nodeType="mainSeq">
+                <p:childTnLst>
+                  <p:par>
+                    <p:cTn id="3" fill="hold">
+                      <p:stCondLst>
+                        <p:cond delay="indefinite"/>
+                      </p:stCondLst>
+                      <p:childTnLst>
+                        <p:par>
+                          <p:cTn id="4" fill="hold">
+                            <p:stCondLst>
+                              <p:cond delay="0"/>
+                            </p:stCondLst>
+                            <p:childTnLst>
+                              <p:par>
+                                <p:cTn id="5" presetID="1" presetClass="entr" presetSubtype="0" fill="hold" grpId="0" nodeType="clickEffect">
+                                  <p:stCondLst>
+                                    <p:cond delay="0"/>
+                                  </p:stCondLst>
+                                  <p:childTnLst>
+                                    <p:set>
+                                      <p:cBhvr>
+                                        <p:cTn id="6" dur="1" fill="hold">
+                                          <p:stCondLst>
+                                            <p:cond delay="0"/>
+                                          </p:stCondLst>
+                                        </p:cTn>
+                                        <p:tgtEl>
+                                          <p:spTgt spid="3">
+                                            <p:txEl>
+                                              <p:pRg st="0" end="0"/>
+                                            </p:txEl>
+                                          </p:spTgt>
+                                        </p:tgtEl>
+                                        <p:attrNameLst>
+                                          <p:attrName>style.visibility</p:attrName>
+                                        </p:attrNameLst>
+                                      </p:cBhvr>
+                                      <p:to>
+                                        <p:strVal val="visible"/>
+                                      </p:to>
+                                    </p:set>
+                                  </p:childTnLst>
+                                </p:cTn>
+                              </p:par>
+                            </p:childTnLst>
+                          </p:cTn>
+                        </p:par>
+                      </p:childTnLst>
+                    </p:cTn>
+                  </p:par>
+                  <p:par>
+                    <p:cTn id="7" fill="hold">
+                      <p:stCondLst>
+                        <p:cond delay="indefinite"/>
+                      </p:stCondLst>
+                      <p:childTnLst>
+                        <p:par>
+                          <p:cTn id="8" fill="hold">
+                            <p:stCondLst>
+                              <p:cond delay="0"/>
+                            </p:stCondLst>
+                            <p:childTnLst>
+                              <p:par>
+                                <p:cTn id="9" presetID="1" presetClass="entr" presetSubtype="0" fill="hold" grpId="0" nodeType="clickEffect">
+                                  <p:stCondLst>
+                                    <p:cond delay="0"/>
+                                  </p:stCondLst>
+                                  <p:childTnLst>
+                                    <p:set>
+                                      <p:cBhvr>
+                                        <p:cTn id="10" dur="1" fill="hold">
+                                          <p:stCondLst>
+                                            <p:cond delay="0"/>
+                                          </p:stCondLst>
+                                        </p:cTn>
+                                        <p:tgtEl>
+                                          <p:spTgt spid="3">
+                                            <p:txEl>
+                                              <p:pRg st="2" end="2"/>
+                                            </p:txEl>
+                                          </p:spTgt>
+                                        </p:tgtEl>
+                                        <p:attrNameLst>
+                                          <p:attrName>style.visibility</p:attrName>
+                                        </p:attrNameLst>
+                                      </p:cBhvr>
+                                      <p:to>
+                                        <p:strVal val="visible"/>
+                                      </p:to>
+                                    </p:set>
+                                  </p:childTnLst>
+                                </p:cTn>
+                              </p:par>
+                            </p:childTnLst>
+                          </p:cTn>
+                        </p:par>
+                      </p:childTnLst>
+                    </p:cTn>
+                  </p:par>
+                  <p:par>
+                    <p:cTn id="11" fill="hold">
+                      <p:stCondLst>
+                        <p:cond delay="indefinite"/>
+                      </p:stCondLst>
+                      <p:childTnLst>
+                        <p:par>
+                          <p:cTn id="12" fill="hold">
+                            <p:stCondLst>
+                              <p:cond delay="0"/>
+                            </p:stCondLst>
+                            <p:childTnLst>
+                              <p:par>
+                                <p:cTn id="13" presetID="1" presetClass="entr" presetSubtype="0" fill="hold" grpId="0" nodeType="clickEffect">
+                                  <p:stCondLst>
+                                    <p:cond delay="0"/>
+                                  </p:stCondLst>
+                                  <p:childTnLst>
+                                    <p:set>
+                                      <p:cBhvr>
+                                        <p:cTn id="14" dur="1" fill="hold">
+                                          <p:stCondLst>
+                                            <p:cond delay="0"/>
+                                          </p:stCondLst>
+                                        </p:cTn>
+                                        <p:tgtEl>
+                                          <p:spTgt spid="3">
+                                            <p:txEl>
+                                              <p:pRg st="4" end="4"/>
+                                            </p:txEl>
+                                          </p:spTgt>
+                                        </p:tgtEl>
+                                        <p:attrNameLst>
+                                          <p:attrName>style.visibility</p:attrName>
+                                        </p:attrNameLst>
+                                      </p:cBhvr>
+                                      <p:to>
+                                        <p:strVal val="visible"/>
+                                      </p:to>
+                                    </p:set>
+                                  </p:childTnLst>
+                                </p:cTn>
+                              </p:par>
+                            </p:childTnLst>
+                          </p:cTn>
+                        </p:par>
+                      </p:childTnLst>
+                    </p:cTn>
+                  </p:par>
+                </p:childTnLst>
+              </p:cTn>
+              <p:prevCondLst>
+                <p:cond evt="onPrev" delay="0">
+                  <p:tgtEl>
+                    <p:sldTgt/>
+                  </p:tgtEl>
+                </p:cond>
+              </p:prevCondLst>
+              <p:nextCondLst>
+                <p:cond evt="onNext" delay="0">
+                  <p:tgtEl>
+                    <p:sldTgt/>
+                  </p:tgtEl>
+                </p:cond>
+              </p:nextCondLst>
+            </p:seq>
+          </p:childTnLst>
+        </p:cTn>
+      </p:par>
+    </p:tnLst>
+    <p:bldLst>
+      <p:bldP spid="3" grpId="0" build="p"/>
+    </p:bldLst>
+  </p:timing>
+</p:sld>
+</file>
+
+<file path=ppt/slides/slide7.xml><?xml version="1.0" encoding="utf-8"?>
+<p:sld xmlns:a="http://schemas.openxmlformats.org/drawingml/2006/main" xmlns:r="http://schemas.openxmlformats.org/officeDocument/2006/relationships" xmlns:p="http://schemas.openxmlformats.org/presentationml/2006/main">
+  <p:cSld>
+    <p:spTree>
+      <p:nvGrpSpPr>
+        <p:cNvPr id="1" name=""/>
+        <p:cNvGrpSpPr/>
+        <p:nvPr/>
+      </p:nvGrpSpPr>
+      <p:grpSpPr>
+        <a:xfrm>
+          <a:off x="0" y="0"/>
+          <a:ext cx="0" cy="0"/>
+          <a:chOff x="0" y="0"/>
+          <a:chExt cx="0" cy="0"/>
+        </a:xfrm>
+      </p:grpSpPr>
+      <p:sp>
+        <p:nvSpPr>
+          <p:cNvPr id="2" name="Title 1"/>
+          <p:cNvSpPr>
+            <a:spLocks noGrp="1"/>
+          </p:cNvSpPr>
+          <p:nvPr>
+            <p:ph type="title"/>
+          </p:nvPr>
+        </p:nvSpPr>
+        <p:spPr/>
+        <p:txBody>
+          <a:bodyPr>
+            <a:normAutofit fontScale="90000"/>
+          </a:bodyPr>
+          <a:lstStyle/>
+          <a:p>
+            <a:r>
+              <a:rPr lang="en-US" dirty="0"/>
+              <a:t>Important Factors for Structure Analysis</a:t>
+            </a:r>
+          </a:p>
+        </p:txBody>
+      </p:sp>
+      <p:sp>
+        <p:nvSpPr>
+          <p:cNvPr id="3" name="Content Placeholder 2"/>
+          <p:cNvSpPr>
+            <a:spLocks noGrp="1"/>
+          </p:cNvSpPr>
+          <p:nvPr>
+            <p:ph idx="1"/>
+          </p:nvPr>
+        </p:nvSpPr>
+        <p:spPr/>
+        <p:txBody>
+          <a:bodyPr/>
+          <a:lstStyle/>
+          <a:p>
+            <a:r>
+              <a:rPr lang="en-US" dirty="0"/>
+              <a:t>When making the jump from analyzing a single body to analyzing a collection of bodies, the two most important factors are...</a:t>
+            </a:r>
+          </a:p>
+          <a:p>
+            <a:endParaRPr lang="en-US" dirty="0"/>
+          </a:p>
+          <a:p>
+            <a:pPr marL="514350" indent="-514350">
+              <a:buFont typeface="+mj-lt"/>
+              <a:buAutoNum type="arabicPeriod"/>
+            </a:pPr>
+            <a:r>
+              <a:rPr lang="en-US" dirty="0"/>
+              <a:t>The application of </a:t>
+            </a:r>
+            <a:r>
+              <a:rPr lang="en-US" b="1" dirty="0"/>
+              <a:t>Newton’s Third Law</a:t>
+            </a:r>
+            <a:r>
+              <a:rPr lang="en-US" dirty="0"/>
+              <a:t>.</a:t>
+            </a:r>
+          </a:p>
+          <a:p>
+            <a:pPr marL="514350" indent="-514350">
+              <a:buFont typeface="+mj-lt"/>
+              <a:buAutoNum type="arabicPeriod"/>
+            </a:pPr>
+            <a:r>
+              <a:rPr lang="en-US" dirty="0"/>
+              <a:t>The identification of </a:t>
+            </a:r>
+            <a:r>
+              <a:rPr lang="en-US" b="1" dirty="0"/>
+              <a:t>Two Force Members</a:t>
+            </a:r>
+            <a:r>
+              <a:rPr lang="en-US" dirty="0"/>
+              <a:t>.</a:t>
+            </a:r>
+          </a:p>
+        </p:txBody>
+      </p:sp>
+      <p:sp>
+        <p:nvSpPr>
+          <p:cNvPr id="4" name="Slide Number Placeholder 3"/>
+          <p:cNvSpPr>
+            <a:spLocks noGrp="1"/>
+          </p:cNvSpPr>
+          <p:nvPr>
+            <p:ph type="sldNum" sz="quarter" idx="12"/>
+          </p:nvPr>
+        </p:nvSpPr>
+        <p:spPr/>
+        <p:txBody>
+          <a:bodyPr/>
+          <a:lstStyle/>
+          <a:p>
+            <a:fld id="{929262FE-7F58-4A1E-8AF3-5A510A86DEBD}" type="slidenum">
+              <a:rPr lang="en-US" smtClean="0"/>
+              <a:t>7</a:t>
+            </a:fld>
+            <a:endParaRPr lang="en-US"/>
+          </a:p>
+        </p:txBody>
+      </p:sp>
+    </p:spTree>
+    <p:extLst>
+      <p:ext uri="{BB962C8B-B14F-4D97-AF65-F5344CB8AC3E}">
+        <p14:creationId xmlns:p14="http://schemas.microsoft.com/office/powerpoint/2010/main" val="555737132"/>
+      </p:ext>
+    </p:extLst>
+  </p:cSld>
+  <p:clrMapOvr>
+    <a:masterClrMapping/>
+  </p:clrMapOvr>
+  <p:timing>
+    <p:tnLst>
+      <p:par>
+        <p:cTn id="1" dur="indefinite" restart="never" nodeType="tmRoot">
+          <p:childTnLst>
+            <p:seq concurrent="1" nextAc="seek">
+              <p:cTn id="2" dur="indefinite" nodeType="mainSeq">
+                <p:childTnLst>
+                  <p:par>
+                    <p:cTn id="3" fill="hold">
+                      <p:stCondLst>
+                        <p:cond delay="indefinite"/>
+                      </p:stCondLst>
+                      <p:childTnLst>
+                        <p:par>
+                          <p:cTn id="4" fill="hold">
+                            <p:stCondLst>
+                              <p:cond delay="0"/>
+                            </p:stCondLst>
+                            <p:childTnLst>
+                              <p:par>
+                                <p:cTn id="5" presetID="1" presetClass="entr" presetSubtype="0" fill="hold" grpId="0" nodeType="clickEffect">
+                                  <p:stCondLst>
+                                    <p:cond delay="0"/>
+                                  </p:stCondLst>
+                                  <p:childTnLst>
+                                    <p:set>
+                                      <p:cBhvr>
+                                        <p:cTn id="6" dur="1" fill="hold">
+                                          <p:stCondLst>
+                                            <p:cond delay="0"/>
+                                          </p:stCondLst>
+                                        </p:cTn>
+                                        <p:tgtEl>
+                                          <p:spTgt spid="3">
+                                            <p:txEl>
+                                              <p:pRg st="0" end="0"/>
+                                            </p:txEl>
+                                          </p:spTgt>
+                                        </p:tgtEl>
+                                        <p:attrNameLst>
+                                          <p:attrName>style.visibility</p:attrName>
+                                        </p:attrNameLst>
+                                      </p:cBhvr>
+                                      <p:to>
+                                        <p:strVal val="visible"/>
+                                      </p:to>
+                                    </p:set>
+                                  </p:childTnLst>
+                                </p:cTn>
+                              </p:par>
+                            </p:childTnLst>
+                          </p:cTn>
+                        </p:par>
+                      </p:childTnLst>
+                    </p:cTn>
+                  </p:par>
+                  <p:par>
+                    <p:cTn id="7" fill="hold">
+                      <p:stCondLst>
+                        <p:cond delay="indefinite"/>
+                      </p:stCondLst>
+                      <p:childTnLst>
+                        <p:par>
+                          <p:cTn id="8" fill="hold">
+                            <p:stCondLst>
+                              <p:cond delay="0"/>
+                            </p:stCondLst>
+                            <p:childTnLst>
+                              <p:par>
+                                <p:cTn id="9" presetID="1" presetClass="entr" presetSubtype="0" fill="hold" grpId="0" nodeType="clickEffect">
+                                  <p:stCondLst>
+                                    <p:cond delay="0"/>
+                                  </p:stCondLst>
+                                  <p:childTnLst>
+                                    <p:set>
+                                      <p:cBhvr>
+                                        <p:cTn id="10" dur="1" fill="hold">
+                                          <p:stCondLst>
+                                            <p:cond delay="0"/>
+                                          </p:stCondLst>
+                                        </p:cTn>
+                                        <p:tgtEl>
+                                          <p:spTgt spid="3">
+                                            <p:txEl>
+                                              <p:pRg st="2" end="2"/>
+                                            </p:txEl>
+                                          </p:spTgt>
+                                        </p:tgtEl>
+                                        <p:attrNameLst>
+                                          <p:attrName>style.visibility</p:attrName>
+                                        </p:attrNameLst>
+                                      </p:cBhvr>
+                                      <p:to>
+                                        <p:strVal val="visible"/>
+                                      </p:to>
+                                    </p:set>
+                                  </p:childTnLst>
+                                </p:cTn>
+                              </p:par>
+                            </p:childTnLst>
+                          </p:cTn>
+                        </p:par>
+                      </p:childTnLst>
+                    </p:cTn>
+                  </p:par>
+                  <p:par>
+                    <p:cTn id="11" fill="hold">
+                      <p:stCondLst>
+                        <p:cond delay="indefinite"/>
+                      </p:stCondLst>
+                      <p:childTnLst>
+                        <p:par>
+                          <p:cTn id="12" fill="hold">
+                            <p:stCondLst>
+                              <p:cond delay="0"/>
+                            </p:stCondLst>
+                            <p:childTnLst>
+                              <p:par>
+                                <p:cTn id="13" presetID="1" presetClass="entr" presetSubtype="0" fill="hold" grpId="0" nodeType="clickEffect">
+                                  <p:stCondLst>
+                                    <p:cond delay="0"/>
+                                  </p:stCondLst>
+                                  <p:childTnLst>
+                                    <p:set>
+                                      <p:cBhvr>
+                                        <p:cTn id="14" dur="1" fill="hold">
+                                          <p:stCondLst>
+                                            <p:cond delay="0"/>
+                                          </p:stCondLst>
+                                        </p:cTn>
+                                        <p:tgtEl>
+                                          <p:spTgt spid="3">
+                                            <p:txEl>
+                                              <p:pRg st="3" end="3"/>
+                                            </p:txEl>
+                                          </p:spTgt>
+                                        </p:tgtEl>
+                                        <p:attrNameLst>
+                                          <p:attrName>style.visibility</p:attrName>
+                                        </p:attrNameLst>
+                                      </p:cBhvr>
+                                      <p:to>
+                                        <p:strVal val="visible"/>
+                                      </p:to>
+                                    </p:set>
+                                  </p:childTnLst>
+                                </p:cTn>
+                              </p:par>
+                            </p:childTnLst>
+                          </p:cTn>
+                        </p:par>
+                      </p:childTnLst>
+                    </p:cTn>
+                  </p:par>
+                </p:childTnLst>
+              </p:cTn>
+              <p:prevCondLst>
+                <p:cond evt="onPrev" delay="0">
+                  <p:tgtEl>
+                    <p:sldTgt/>
+                  </p:tgtEl>
+                </p:cond>
+              </p:prevCondLst>
+              <p:nextCondLst>
+                <p:cond evt="onNext" delay="0">
+                  <p:tgtEl>
+                    <p:sldTgt/>
+                  </p:tgtEl>
+                </p:cond>
+              </p:nextCondLst>
+            </p:seq>
+          </p:childTnLst>
+        </p:cTn>
+      </p:par>
+    </p:tnLst>
+    <p:bldLst>
+      <p:bldP spid="3" grpId="0" build="p"/>
+    </p:bldLst>
+  </p:timing>
+</p:sld>
+</file>
+
+<file path=ppt/slides/slide8.xml><?xml version="1.0" encoding="utf-8"?>
+<p:sld xmlns:a="http://schemas.openxmlformats.org/drawingml/2006/main" xmlns:r="http://schemas.openxmlformats.org/officeDocument/2006/relationships" xmlns:p="http://schemas.openxmlformats.org/presentationml/2006/main">
+  <p:cSld>
+    <p:spTree>
+      <p:nvGrpSpPr>
+        <p:cNvPr id="1" name=""/>
+        <p:cNvGrpSpPr/>
+        <p:nvPr/>
+      </p:nvGrpSpPr>
+      <p:grpSpPr>
+        <a:xfrm>
+          <a:off x="0" y="0"/>
+          <a:ext cx="0" cy="0"/>
+          <a:chOff x="0" y="0"/>
+          <a:chExt cx="0" cy="0"/>
+        </a:xfrm>
+      </p:grpSpPr>
+      <p:sp>
+        <p:nvSpPr>
+          <p:cNvPr id="2" name="Title 1"/>
+          <p:cNvSpPr>
+            <a:spLocks noGrp="1"/>
+          </p:cNvSpPr>
+          <p:nvPr>
+            <p:ph type="title"/>
+          </p:nvPr>
+        </p:nvSpPr>
+        <p:spPr/>
+        <p:txBody>
+          <a:bodyPr/>
+          <a:lstStyle/>
+          <a:p>
+            <a:r>
+              <a:rPr lang="en-US" dirty="0"/>
+              <a:t>Newton’s Third Law</a:t>
+            </a:r>
+          </a:p>
+        </p:txBody>
+      </p:sp>
+      <p:sp>
+        <p:nvSpPr>
+          <p:cNvPr id="3" name="Content Placeholder 2"/>
+          <p:cNvSpPr>
+            <a:spLocks noGrp="1"/>
+          </p:cNvSpPr>
+          <p:nvPr>
+            <p:ph idx="1"/>
+          </p:nvPr>
+        </p:nvSpPr>
+        <p:spPr>
+          <a:xfrm>
+            <a:off x="457200" y="1600200"/>
+            <a:ext cx="4191000" cy="4525963"/>
+          </a:xfrm>
+        </p:spPr>
+        <p:txBody>
+          <a:bodyPr>
+            <a:normAutofit fontScale="77500" lnSpcReduction="20000"/>
+          </a:bodyPr>
+          <a:lstStyle/>
+          <a:p>
+            <a:r>
+              <a:rPr lang="en-US" dirty="0"/>
+              <a:t>Newton’s Third states that “for every action (force) there is an equal and opposite reaction (other force)”.</a:t>
+            </a:r>
+          </a:p>
+          <a:p>
+            <a:endParaRPr lang="en-US" dirty="0"/>
+          </a:p>
+          <a:p>
+            <a:r>
+              <a:rPr lang="en-US" dirty="0"/>
+              <a:t>In a structure, this </a:t>
+            </a:r>
+            <a:r>
+              <a:rPr lang="en-US"/>
+              <a:t>means that </a:t>
+            </a:r>
+            <a:r>
+              <a:rPr lang="en-US" dirty="0"/>
+              <a:t>whenever two bodies are connected, the force that body A exerts on body B will be equal and opposite to the force that body B exerts on Body A.</a:t>
+            </a:r>
+          </a:p>
+        </p:txBody>
+      </p:sp>
+      <p:sp>
+        <p:nvSpPr>
+          <p:cNvPr id="4" name="Slide Number Placeholder 3"/>
+          <p:cNvSpPr>
+            <a:spLocks noGrp="1"/>
+          </p:cNvSpPr>
+          <p:nvPr>
+            <p:ph type="sldNum" sz="quarter" idx="12"/>
+          </p:nvPr>
+        </p:nvSpPr>
+        <p:spPr/>
+        <p:txBody>
+          <a:bodyPr/>
+          <a:lstStyle/>
+          <a:p>
+            <a:fld id="{929262FE-7F58-4A1E-8AF3-5A510A86DEBD}" type="slidenum">
+              <a:rPr lang="en-US" smtClean="0"/>
+              <a:t>8</a:t>
+            </a:fld>
+            <a:endParaRPr lang="en-US"/>
+          </a:p>
+        </p:txBody>
+      </p:sp>
+      <p:pic>
+        <p:nvPicPr>
+          <p:cNvPr id="1026" name="Picture 2" descr="C-clamp on a piece of wood"/>
+          <p:cNvPicPr>
+            <a:picLocks noChangeAspect="1" noChangeArrowheads="1"/>
+          </p:cNvPicPr>
+          <p:nvPr/>
+        </p:nvPicPr>
+        <p:blipFill>
+          <a:blip r:embed="rId2">
+            <a:extLst>
+              <a:ext uri="{28A0092B-C50C-407E-A947-70E740481C1C}">
+                <a14:useLocalDpi xmlns:a14="http://schemas.microsoft.com/office/drawing/2010/main" val="0"/>
+              </a:ext>
+            </a:extLst>
+          </a:blip>
+          <a:srcRect/>
+          <a:stretch>
+            <a:fillRect/>
+          </a:stretch>
+        </p:blipFill>
+        <p:spPr bwMode="auto">
+          <a:xfrm>
+            <a:off x="4953000" y="1752600"/>
+            <a:ext cx="3505200" cy="4276346"/>
+          </a:xfrm>
+          <a:prstGeom prst="rect">
+            <a:avLst/>
+          </a:prstGeom>
+          <a:noFill/>
+          <a:extLst>
+            <a:ext uri="{909E8E84-426E-40DD-AFC4-6F175D3DCCD1}">
+              <a14:hiddenFill xmlns:a14="http://schemas.microsoft.com/office/drawing/2010/main">
+                <a:solidFill>
+                  <a:srgbClr val="FFFFFF"/>
+                </a:solidFill>
+              </a14:hiddenFill>
+            </a:ext>
+          </a:extLst>
+        </p:spPr>
+      </p:pic>
+    </p:spTree>
+    <p:extLst>
+      <p:ext uri="{BB962C8B-B14F-4D97-AF65-F5344CB8AC3E}">
+        <p14:creationId xmlns:p14="http://schemas.microsoft.com/office/powerpoint/2010/main" val="3416991234"/>
+      </p:ext>
+    </p:extLst>
+  </p:cSld>
+  <p:clrMapOvr>
+    <a:masterClrMapping/>
+  </p:clrMapOvr>
+  <p:timing>
+    <p:tnLst>
+      <p:par>
+        <p:cTn id="1" dur="indefinite" restart="never" nodeType="tmRoot">
+          <p:childTnLst>
+            <p:seq concurrent="1" nextAc="seek">
+              <p:cTn id="2" dur="indefinite" nodeType="mainSeq">
+                <p:childTnLst>
+                  <p:par>
+                    <p:cTn id="3" fill="hold">
+                      <p:stCondLst>
+                        <p:cond delay="indefinite"/>
+                      </p:stCondLst>
+                      <p:childTnLst>
+                        <p:par>
+                          <p:cTn id="4" fill="hold">
+                            <p:stCondLst>
+                              <p:cond delay="0"/>
+                            </p:stCondLst>
+                            <p:childTnLst>
+                              <p:par>
+                                <p:cTn id="5" presetID="1" presetClass="entr" presetSubtype="0" fill="hold" grpId="0" nodeType="clickEffect">
+                                  <p:stCondLst>
+                                    <p:cond delay="0"/>
+                                  </p:stCondLst>
+                                  <p:childTnLst>
+                                    <p:set>
+                                      <p:cBhvr>
+                                        <p:cTn id="6" dur="1" fill="hold">
+                                          <p:stCondLst>
+                                            <p:cond delay="0"/>
+                                          </p:stCondLst>
+                                        </p:cTn>
+                                        <p:tgtEl>
+                                          <p:spTgt spid="3">
+                                            <p:txEl>
+                                              <p:pRg st="0" end="0"/>
+                                            </p:txEl>
+                                          </p:spTgt>
+                                        </p:tgtEl>
+                                        <p:attrNameLst>
+                                          <p:attrName>style.visibility</p:attrName>
+                                        </p:attrNameLst>
+                                      </p:cBhvr>
+                                      <p:to>
+                                        <p:strVal val="visible"/>
+                                      </p:to>
+                                    </p:set>
+                                  </p:childTnLst>
+                                </p:cTn>
+                              </p:par>
+                            </p:childTnLst>
+                          </p:cTn>
+                        </p:par>
+                      </p:childTnLst>
+                    </p:cTn>
+                  </p:par>
+                  <p:par>
+                    <p:cTn id="7" fill="hold">
+                      <p:stCondLst>
+                        <p:cond delay="indefinite"/>
+                      </p:stCondLst>
+                      <p:childTnLst>
+                        <p:par>
+                          <p:cTn id="8" fill="hold">
+                            <p:stCondLst>
+                              <p:cond delay="0"/>
+                            </p:stCondLst>
+                            <p:childTnLst>
+                              <p:par>
+                                <p:cTn id="9" presetID="1" presetClass="entr" presetSubtype="0" fill="hold" grpId="0" nodeType="clickEffect">
+                                  <p:stCondLst>
+                                    <p:cond delay="0"/>
+                                  </p:stCondLst>
+                                  <p:childTnLst>
+                                    <p:set>
+                                      <p:cBhvr>
+                                        <p:cTn id="10" dur="1" fill="hold">
+                                          <p:stCondLst>
+                                            <p:cond delay="0"/>
+                                          </p:stCondLst>
+                                        </p:cTn>
+                                        <p:tgtEl>
+                                          <p:spTgt spid="3">
+                                            <p:txEl>
+                                              <p:pRg st="2" end="2"/>
+                                            </p:txEl>
+                                          </p:spTgt>
+                                        </p:tgtEl>
+                                        <p:attrNameLst>
+                                          <p:attrName>style.visibility</p:attrName>
+                                        </p:attrNameLst>
+                                      </p:cBhvr>
+                                      <p:to>
+                                        <p:strVal val="visible"/>
+                                      </p:to>
+                                    </p:set>
+                                  </p:childTnLst>
+                                </p:cTn>
+                              </p:par>
+                            </p:childTnLst>
+                          </p:cTn>
+                        </p:par>
+                      </p:childTnLst>
+                    </p:cTn>
+                  </p:par>
+                  <p:par>
+                    <p:cTn id="11" fill="hold">
+                      <p:stCondLst>
+                        <p:cond delay="indefinite"/>
+                      </p:stCondLst>
+                      <p:childTnLst>
+                        <p:par>
+                          <p:cTn id="12" fill="hold">
+                            <p:stCondLst>
+                              <p:cond delay="0"/>
+                            </p:stCondLst>
+                            <p:childTnLst>
+                              <p:par>
+                                <p:cTn id="13" presetID="10" presetClass="entr" presetSubtype="0" fill="hold" nodeType="clickEffect">
+                                  <p:stCondLst>
+                                    <p:cond delay="0"/>
+                                  </p:stCondLst>
+                                  <p:childTnLst>
+                                    <p:set>
+                                      <p:cBhvr>
+                                        <p:cTn id="14" dur="1" fill="hold">
+                                          <p:stCondLst>
+                                            <p:cond delay="0"/>
+                                          </p:stCondLst>
+                                        </p:cTn>
+                                        <p:tgtEl>
+                                          <p:spTgt spid="1026"/>
+                                        </p:tgtEl>
+                                        <p:attrNameLst>
+                                          <p:attrName>style.visibility</p:attrName>
+                                        </p:attrNameLst>
+                                      </p:cBhvr>
+                                      <p:to>
+                                        <p:strVal val="visible"/>
+                                      </p:to>
+                                    </p:set>
+                                    <p:animEffect transition="in" filter="fade">
+                                      <p:cBhvr>
+                                        <p:cTn id="15" dur="500"/>
+                                        <p:tgtEl>
+                                          <p:spTgt spid="1026"/>
+                                        </p:tgtEl>
+                                      </p:cBhvr>
+                                    </p:animEffect>
+                                  </p:childTnLst>
+                                </p:cTn>
+                              </p:par>
+                            </p:childTnLst>
+                          </p:cTn>
+                        </p:par>
+                      </p:childTnLst>
+                    </p:cTn>
+                  </p:par>
+                </p:childTnLst>
+              </p:cTn>
+              <p:prevCondLst>
+                <p:cond evt="onPrev" delay="0">
+                  <p:tgtEl>
+                    <p:sldTgt/>
+                  </p:tgtEl>
+                </p:cond>
+              </p:prevCondLst>
+              <p:nextCondLst>
+                <p:cond evt="onNext" delay="0">
+                  <p:tgtEl>
+                    <p:sldTgt/>
+                  </p:tgtEl>
+                </p:cond>
+              </p:nextCondLst>
+            </p:seq>
+          </p:childTnLst>
+        </p:cTn>
+      </p:par>
+    </p:tnLst>
+    <p:bldLst>
+      <p:bldP spid="3" grpId="0" build="p"/>
+    </p:bldLst>
+  </p:timing>
+</p:sld>
+</file>
+
+<file path=ppt/slides/slide9.xml><?xml version="1.0" encoding="utf-8"?>
+<p:sld xmlns:a="http://schemas.openxmlformats.org/drawingml/2006/main" xmlns:r="http://schemas.openxmlformats.org/officeDocument/2006/relationships" xmlns:p="http://schemas.openxmlformats.org/presentationml/2006/main">
+  <p:cSld>
+    <p:spTree>
+      <p:nvGrpSpPr>
+        <p:cNvPr id="1" name=""/>
+        <p:cNvGrpSpPr/>
+        <p:nvPr/>
+      </p:nvGrpSpPr>
+      <p:grpSpPr>
+        <a:xfrm>
+          <a:off x="0" y="0"/>
+          <a:ext cx="0" cy="0"/>
+          <a:chOff x="0" y="0"/>
+          <a:chExt cx="0" cy="0"/>
+        </a:xfrm>
+      </p:grpSpPr>
+      <p:sp>
+        <p:nvSpPr>
+          <p:cNvPr id="2" name="Title 1"/>
+          <p:cNvSpPr>
+            <a:spLocks noGrp="1"/>
+          </p:cNvSpPr>
+          <p:nvPr>
+            <p:ph type="title"/>
+          </p:nvPr>
+        </p:nvSpPr>
+        <p:spPr/>
+        <p:txBody>
+          <a:bodyPr/>
+          <a:lstStyle/>
+          <a:p>
+            <a:r>
+              <a:rPr lang="en-US" dirty="0"/>
+              <a:t>Newton’s Third Law</a:t>
+            </a:r>
+          </a:p>
+        </p:txBody>
+      </p:sp>
+      <p:sp>
+        <p:nvSpPr>
+          <p:cNvPr id="3" name="Content Placeholder 2"/>
+          <p:cNvSpPr>
+            <a:spLocks noGrp="1"/>
+          </p:cNvSpPr>
+          <p:nvPr>
+            <p:ph idx="1"/>
+          </p:nvPr>
+        </p:nvSpPr>
+        <p:spPr>
+          <a:xfrm>
+            <a:off x="4343400" y="1600200"/>
+            <a:ext cx="4495800" cy="4756150"/>
+          </a:xfrm>
+        </p:spPr>
+        <p:txBody>
+          <a:bodyPr>
+            <a:normAutofit fontScale="85000" lnSpcReduction="20000"/>
+          </a:bodyPr>
+          <a:lstStyle/>
+          <a:p>
+            <a:r>
+              <a:rPr lang="en-US" dirty="0"/>
+              <a:t>Though you analyze each body separately, </a:t>
+            </a:r>
+            <a:r>
+              <a:rPr lang="en-US" b="1" dirty="0"/>
+              <a:t>Third Law pairs </a:t>
+            </a:r>
+            <a:r>
+              <a:rPr lang="en-US" dirty="0"/>
+              <a:t>of forces will exist wherever two separate members in the structure are connected to one another.</a:t>
+            </a:r>
+          </a:p>
+          <a:p>
+            <a:r>
+              <a:rPr lang="en-US" dirty="0"/>
+              <a:t>These pairs will be </a:t>
+            </a:r>
+            <a:r>
+              <a:rPr lang="en-US" b="1" dirty="0"/>
+              <a:t>equal in magnitude </a:t>
+            </a:r>
+            <a:r>
+              <a:rPr lang="en-US" dirty="0"/>
+              <a:t>but </a:t>
+            </a:r>
+            <a:r>
+              <a:rPr lang="en-US" b="1" dirty="0"/>
+              <a:t>opposite in direction</a:t>
+            </a:r>
+            <a:r>
+              <a:rPr lang="en-US" dirty="0"/>
+              <a:t>.</a:t>
+            </a:r>
+          </a:p>
+          <a:p>
+            <a:r>
+              <a:rPr lang="en-US" dirty="0"/>
+              <a:t>This reduces the number of unknowns you will need to solve for.</a:t>
+            </a:r>
+          </a:p>
+        </p:txBody>
+      </p:sp>
+      <p:sp>
+        <p:nvSpPr>
+          <p:cNvPr id="4" name="Slide Number Placeholder 3"/>
+          <p:cNvSpPr>
+            <a:spLocks noGrp="1"/>
+          </p:cNvSpPr>
+          <p:nvPr>
+            <p:ph type="sldNum" sz="quarter" idx="12"/>
+          </p:nvPr>
+        </p:nvSpPr>
+        <p:spPr/>
+        <p:txBody>
+          <a:bodyPr/>
+          <a:lstStyle/>
+          <a:p>
+            <a:fld id="{929262FE-7F58-4A1E-8AF3-5A510A86DEBD}" type="slidenum">
+              <a:rPr lang="en-US" smtClean="0"/>
+              <a:t>9</a:t>
+            </a:fld>
+            <a:endParaRPr lang="en-US"/>
+          </a:p>
+        </p:txBody>
+      </p:sp>
+      <p:pic>
+        <p:nvPicPr>
+          <p:cNvPr id="5" name="Picture 2"/>
+          <p:cNvPicPr>
+            <a:picLocks noChangeAspect="1" noChangeArrowheads="1"/>
+          </p:cNvPicPr>
+          <p:nvPr/>
+        </p:nvPicPr>
+        <p:blipFill>
+          <a:blip r:embed="rId2">
+            <a:extLst>
+              <a:ext uri="{28A0092B-C50C-407E-A947-70E740481C1C}">
+                <a14:useLocalDpi xmlns:a14="http://schemas.microsoft.com/office/drawing/2010/main" val="0"/>
+              </a:ext>
+            </a:extLst>
+          </a:blip>
+          <a:srcRect/>
+          <a:stretch>
+            <a:fillRect/>
+          </a:stretch>
+        </p:blipFill>
+        <p:spPr bwMode="auto">
+          <a:xfrm>
+            <a:off x="165462" y="2362200"/>
+            <a:ext cx="4025538" cy="3103659"/>
+          </a:xfrm>
+          <a:prstGeom prst="rect">
+            <a:avLst/>
+          </a:prstGeom>
+          <a:noFill/>
+          <a:ln>
+            <a:noFill/>
+          </a:ln>
+          <a:extLst>
+            <a:ext uri="{909E8E84-426E-40DD-AFC4-6F175D3DCCD1}">
+              <a14:hiddenFill xmlns:a14="http://schemas.microsoft.com/office/drawing/2010/main">
+                <a:solidFill>
+                  <a:schemeClr val="accent1"/>
+                </a:solidFill>
+              </a14:hiddenFill>
+            </a:ext>
+            <a:ext uri="{91240B29-F687-4F45-9708-019B960494DF}">
+              <a14:hiddenLine xmlns:a14="http://schemas.microsoft.com/office/drawing/2010/main" w="9525">
+                <a:solidFill>
+                  <a:schemeClr val="tx1"/>
+                </a:solidFill>
+                <a:miter lim="800000"/>
+                <a:headEnd/>
+                <a:tailEnd/>
+              </a14:hiddenLine>
+            </a:ext>
+          </a:extLst>
+        </p:spPr>
+      </p:pic>
+      <p:sp>
+        <p:nvSpPr>
+          <p:cNvPr id="6" name="Rectangle 5"/>
+          <p:cNvSpPr/>
+          <p:nvPr/>
+        </p:nvSpPr>
+        <p:spPr>
+          <a:xfrm>
+            <a:off x="3276600" y="3505200"/>
+            <a:ext cx="1111431" cy="1219200"/>
+          </a:xfrm>
+          <a:prstGeom prst="rect">
+            <a:avLst/>
+          </a:prstGeom>
+          <a:noFill/>
+          <a:ln w="38100">
+            <a:solidFill>
+              <a:srgbClr val="FF0000"/>
+            </a:solidFill>
+            <a:prstDash val="dash"/>
+          </a:ln>
+        </p:spPr>
+        <p:style>
+          <a:lnRef idx="2">
+            <a:schemeClr val="accent2"/>
+          </a:lnRef>
+          <a:fillRef idx="1">
+            <a:schemeClr val="lt1"/>
+          </a:fillRef>
+          <a:effectRef idx="0">
+            <a:schemeClr val="accent2"/>
+          </a:effectRef>
+          <a:fontRef idx="minor">
+            <a:schemeClr val="dk1"/>
+          </a:fontRef>
+        </p:style>
+        <p:txBody>
+          <a:bodyPr rtlCol="0" anchor="ctr"/>
+          <a:lstStyle/>
+          <a:p>
+            <a:pPr algn="ctr"/>
+            <a:endParaRPr lang="en-US"/>
+          </a:p>
+        </p:txBody>
+      </p:sp>
+    </p:spTree>
+    <p:extLst>
+      <p:ext uri="{BB962C8B-B14F-4D97-AF65-F5344CB8AC3E}">
+        <p14:creationId xmlns:p14="http://schemas.microsoft.com/office/powerpoint/2010/main" val="1021619719"/>
+      </p:ext>
+    </p:extLst>
+  </p:cSld>
+  <p:clrMapOvr>
+    <a:masterClrMapping/>
+  </p:clrMapOvr>
+  <p:timing>
+    <p:tnLst>
+      <p:par>
+        <p:cTn id="1" dur="indefinite" restart="never" nodeType="tmRoot">
+          <p:childTnLst>
+            <p:seq concurrent="1" nextAc="seek">
+              <p:cTn id="2" dur="indefinite" nodeType="mainSeq">
+                <p:childTnLst>
+                  <p:par>
+                    <p:cTn id="3" fill="hold">
+                      <p:stCondLst>
+                        <p:cond delay="indefinite"/>
+                      </p:stCondLst>
+                      <p:childTnLst>
+                        <p:par>
+                          <p:cTn id="4" fill="hold">
+                            <p:stCondLst>
+                              <p:cond delay="0"/>
+                            </p:stCondLst>
+                            <p:childTnLst>
+                              <p:par>
+                                <p:cTn id="5" presetID="1" presetClass="entr" presetSubtype="0" fill="hold" grpId="0" nodeType="clickEffect">
+                                  <p:stCondLst>
+                                    <p:cond delay="0"/>
+                                  </p:stCondLst>
+                                  <p:childTnLst>
+                                    <p:set>
+                                      <p:cBhvr>
+                                        <p:cTn id="6" dur="1" fill="hold">
+                                          <p:stCondLst>
+                                            <p:cond delay="0"/>
+                                          </p:stCondLst>
+                                        </p:cTn>
+                                        <p:tgtEl>
+                                          <p:spTgt spid="3">
+                                            <p:txEl>
+                                              <p:pRg st="0" end="0"/>
+                                            </p:txEl>
+                                          </p:spTgt>
+                                        </p:tgtEl>
+                                        <p:attrNameLst>
+                                          <p:attrName>style.visibility</p:attrName>
+                                        </p:attrNameLst>
+                                      </p:cBhvr>
+                                      <p:to>
+                                        <p:strVal val="visible"/>
+                                      </p:to>
+                                    </p:set>
+                                  </p:childTnLst>
+                                </p:cTn>
+                              </p:par>
+                            </p:childTnLst>
+                          </p:cTn>
+                        </p:par>
+                      </p:childTnLst>
+                    </p:cTn>
+                  </p:par>
+                  <p:par>
+                    <p:cTn id="7" fill="hold">
+                      <p:stCondLst>
+                        <p:cond delay="indefinite"/>
+                      </p:stCondLst>
+                      <p:childTnLst>
+                        <p:par>
+                          <p:cTn id="8" fill="hold">
+                            <p:stCondLst>
+                              <p:cond delay="0"/>
+                            </p:stCondLst>
+                            <p:childTnLst>
+                              <p:par>
+                                <p:cTn id="9" presetID="10" presetClass="entr" presetSubtype="0" fill="hold" grpId="0" nodeType="clickEffect">
+                                  <p:stCondLst>
+                                    <p:cond delay="0"/>
+                                  </p:stCondLst>
+                                  <p:childTnLst>
+                                    <p:set>
+                                      <p:cBhvr>
+                                        <p:cTn id="10" dur="1" fill="hold">
+                                          <p:stCondLst>
+                                            <p:cond delay="0"/>
+                                          </p:stCondLst>
+                                        </p:cTn>
+                                        <p:tgtEl>
+                                          <p:spTgt spid="6"/>
+                                        </p:tgtEl>
+                                        <p:attrNameLst>
+                                          <p:attrName>style.visibility</p:attrName>
+                                        </p:attrNameLst>
+                                      </p:cBhvr>
+                                      <p:to>
+                                        <p:strVal val="visible"/>
+                                      </p:to>
+                                    </p:set>
+                                    <p:animEffect transition="in" filter="fade">
+                                      <p:cBhvr>
+                                        <p:cTn id="11" dur="500"/>
+                                        <p:tgtEl>
+                                          <p:spTgt spid="6"/>
+                                        </p:tgtEl>
+                                      </p:cBhvr>
+                                    </p:animEffect>
+                                  </p:childTnLst>
+                                </p:cTn>
+                              </p:par>
+                            </p:childTnLst>
+                          </p:cTn>
+                        </p:par>
+                      </p:childTnLst>
+                    </p:cTn>
+                  </p:par>
+                  <p:par>
+                    <p:cTn id="12" fill="hold">
+                      <p:stCondLst>
+                        <p:cond delay="indefinite"/>
+                      </p:stCondLst>
+                      <p:childTnLst>
+                        <p:par>
+                          <p:cTn id="13" fill="hold">
+                            <p:stCondLst>
+                              <p:cond delay="0"/>
+                            </p:stCondLst>
+                            <p:childTnLst>
+                              <p:par>
+                                <p:cTn id="14" presetID="1" presetClass="entr" presetSubtype="0" fill="hold" grpId="0" nodeType="clickEffect">
+                                  <p:stCondLst>
+                                    <p:cond delay="0"/>
+                                  </p:stCondLst>
+                                  <p:childTnLst>
+                                    <p:set>
+                                      <p:cBhvr>
+                                        <p:cTn id="15" dur="1" fill="hold">
+                                          <p:stCondLst>
+                                            <p:cond delay="0"/>
+                                          </p:stCondLst>
+                                        </p:cTn>
+                                        <p:tgtEl>
+                                          <p:spTgt spid="3">
+                                            <p:txEl>
+                                              <p:pRg st="1" end="1"/>
+                                            </p:txEl>
+                                          </p:spTgt>
+                                        </p:tgtEl>
+                                        <p:attrNameLst>
+                                          <p:attrName>style.visibility</p:attrName>
+                                        </p:attrNameLst>
+                                      </p:cBhvr>
+                                      <p:to>
+                                        <p:strVal val="visible"/>
+                                      </p:to>
+                                    </p:set>
+                                  </p:childTnLst>
+                                </p:cTn>
+                              </p:par>
+                            </p:childTnLst>
+                          </p:cTn>
+                        </p:par>
+                      </p:childTnLst>
+                    </p:cTn>
+                  </p:par>
+                  <p:par>
+                    <p:cTn id="16" fill="hold">
+                      <p:stCondLst>
+                        <p:cond delay="indefinite"/>
+                      </p:stCondLst>
+                      <p:childTnLst>
+                        <p:par>
+                          <p:cTn id="17" fill="hold">
+                            <p:stCondLst>
+                              <p:cond delay="0"/>
+                            </p:stCondLst>
+                            <p:childTnLst>
+                              <p:par>
+                                <p:cTn id="18" presetID="1" presetClass="entr" presetSubtype="0" fill="hold" grpId="0" nodeType="clickEffect">
+                                  <p:stCondLst>
+                                    <p:cond delay="0"/>
+                                  </p:stCondLst>
+                                  <p:childTnLst>
+                                    <p:set>
+                                      <p:cBhvr>
+                                        <p:cTn id="19" dur="1" fill="hold">
+                                          <p:stCondLst>
+                                            <p:cond delay="0"/>
+                                          </p:stCondLst>
+                                        </p:cTn>
+                                        <p:tgtEl>
+                                          <p:spTgt spid="3">
+                                            <p:txEl>
+                                              <p:pRg st="2" end="2"/>
+                                            </p:txEl>
+                                          </p:spTgt>
+                                        </p:tgtEl>
+                                        <p:attrNameLst>
+                                          <p:attrName>style.visibility</p:attrName>
+                                        </p:attrNameLst>
+                                      </p:cBhvr>
+                                      <p:to>
+                                        <p:strVal val="visible"/>
+                                      </p:to>
+                                    </p:set>
+                                  </p:childTnLst>
+                                </p:cTn>
+                              </p:par>
+                            </p:childTnLst>
+                          </p:cTn>
+                        </p:par>
+                      </p:childTnLst>
+                    </p:cTn>
+                  </p:par>
+                </p:childTnLst>
+              </p:cTn>
+              <p:prevCondLst>
+                <p:cond evt="onPrev" delay="0">
+                  <p:tgtEl>
+                    <p:sldTgt/>
+                  </p:tgtEl>
+                </p:cond>
+              </p:prevCondLst>
+              <p:nextCondLst>
+                <p:cond evt="onNext" delay="0">
+                  <p:tgtEl>
+                    <p:sldTgt/>
+                  </p:tgtEl>
+                </p:cond>
+              </p:nextCondLst>
+            </p:seq>
+          </p:childTnLst>
+        </p:cTn>
+      </p:par>
+    </p:tnLst>
+    <p:bldLst>
+      <p:bldP spid="3" grpId="0" uiExpand="1" build="p"/>
+      <p:bldP spid="6" grpId="0" animBg="1"/>
+    </p:bldLst>
+  </p:timing>
+</p:sld>
+</file>
+
 <file path=ppt/theme/theme1.xml><?xml version="1.0" encoding="utf-8"?>
 <a:theme xmlns:a="http://schemas.openxmlformats.org/drawingml/2006/main" name="MA_Template">
   <a:themeElements>
@@ -9219,21 +11057,6 @@
 </file>
 
 <file path=customXml/item1.xml><?xml version="1.0" encoding="utf-8"?>
-<p:properties xmlns:p="http://schemas.microsoft.com/office/2006/metadata/properties" xmlns:xsi="http://www.w3.org/2001/XMLSchema-instance" xmlns:pc="http://schemas.microsoft.com/office/infopath/2007/PartnerControls">
-  <documentManagement/>
-</p:properties>
-</file>
-
-<file path=customXml/item2.xml><?xml version="1.0" encoding="utf-8"?>
-<?mso-contentType ?>
-<FormTemplates xmlns="http://schemas.microsoft.com/sharepoint/v3/contenttype/forms">
-  <Display>DocumentLibraryForm</Display>
-  <Edit>DocumentLibraryForm</Edit>
-  <New>DocumentLibraryForm</New>
-</FormTemplates>
-</file>
-
-<file path=customXml/item3.xml><?xml version="1.0" encoding="utf-8"?>
 <ct:contentTypeSchema xmlns:ct="http://schemas.microsoft.com/office/2006/metadata/contentType" xmlns:ma="http://schemas.microsoft.com/office/2006/metadata/properties/metaAttributes" ct:_="" ma:_="" ma:contentTypeName="Document" ma:contentTypeID="0x010100A06DF21F5BB2734A800ED30F3F452129" ma:contentTypeVersion="12" ma:contentTypeDescription="Create a new document." ma:contentTypeScope="" ma:versionID="544d96a5fbac5de9d5d902b535c73fb2">
   <xsd:schema xmlns:xsd="http://www.w3.org/2001/XMLSchema" xmlns:xs="http://www.w3.org/2001/XMLSchema" xmlns:p="http://schemas.microsoft.com/office/2006/metadata/properties" xmlns:ns3="90d05cb5-950f-4f68-bc2c-e17794455b92" xmlns:ns4="b4eab9fa-dbb0-4082-8491-8bd54207a265" targetNamespace="http://schemas.microsoft.com/office/2006/metadata/properties" ma:root="true" ma:fieldsID="7a710efc71c2169bf9c05e5a40dddf12" ns3:_="" ns4:_="">
     <xsd:import namespace="90d05cb5-950f-4f68-bc2c-e17794455b92"/>
@@ -9450,24 +11273,22 @@
 </ct:contentTypeSchema>
 </file>
 
-<file path=customXml/itemProps1.xml><?xml version="1.0" encoding="utf-8"?>
-<ds:datastoreItem xmlns:ds="http://schemas.openxmlformats.org/officeDocument/2006/customXml" ds:itemID="{52EB1464-66D1-425A-BBB5-7A9312BBE9C4}">
-  <ds:schemaRefs>
-    <ds:schemaRef ds:uri="http://schemas.microsoft.com/office/2006/metadata/properties"/>
-    <ds:schemaRef ds:uri="http://schemas.microsoft.com/office/infopath/2007/PartnerControls"/>
-  </ds:schemaRefs>
-</ds:datastoreItem>
+<file path=customXml/item2.xml><?xml version="1.0" encoding="utf-8"?>
+<?mso-contentType ?>
+<FormTemplates xmlns="http://schemas.microsoft.com/sharepoint/v3/contenttype/forms">
+  <Display>DocumentLibraryForm</Display>
+  <Edit>DocumentLibraryForm</Edit>
+  <New>DocumentLibraryForm</New>
+</FormTemplates>
 </file>
 
-<file path=customXml/itemProps2.xml><?xml version="1.0" encoding="utf-8"?>
-<ds:datastoreItem xmlns:ds="http://schemas.openxmlformats.org/officeDocument/2006/customXml" ds:itemID="{F5CF5F32-56DC-4068-8B04-457CF34A96F3}">
-  <ds:schemaRefs>
-    <ds:schemaRef ds:uri="http://schemas.microsoft.com/sharepoint/v3/contenttype/forms"/>
-  </ds:schemaRefs>
-</ds:datastoreItem>
+<file path=customXml/item3.xml><?xml version="1.0" encoding="utf-8"?>
+<p:properties xmlns:p="http://schemas.microsoft.com/office/2006/metadata/properties" xmlns:xsi="http://www.w3.org/2001/XMLSchema-instance" xmlns:pc="http://schemas.microsoft.com/office/infopath/2007/PartnerControls">
+  <documentManagement/>
+</p:properties>
 </file>
 
-<file path=customXml/itemProps3.xml><?xml version="1.0" encoding="utf-8"?>
+<file path=customXml/itemProps1.xml><?xml version="1.0" encoding="utf-8"?>
 <ds:datastoreItem xmlns:ds="http://schemas.openxmlformats.org/officeDocument/2006/customXml" ds:itemID="{A43B8A4B-79FE-4529-931C-D64224FA70E3}">
   <ds:schemaRefs>
     <ds:schemaRef ds:uri="http://schemas.microsoft.com/office/2006/metadata/contentType"/>
@@ -9484,4 +11305,21 @@
     <ds:schemaRef ds:uri="http://schemas.microsoft.com/internal/obd"/>
   </ds:schemaRefs>
 </ds:datastoreItem>
+</file>
+
+<file path=customXml/itemProps2.xml><?xml version="1.0" encoding="utf-8"?>
+<ds:datastoreItem xmlns:ds="http://schemas.openxmlformats.org/officeDocument/2006/customXml" ds:itemID="{F5CF5F32-56DC-4068-8B04-457CF34A96F3}">
+  <ds:schemaRefs>
+    <ds:schemaRef ds:uri="http://schemas.microsoft.com/sharepoint/v3/contenttype/forms"/>
+  </ds:schemaRefs>
+</ds:datastoreItem>
+</file>
+
+<file path=customXml/itemProps3.xml><?xml version="1.0" encoding="utf-8"?>
+<ds:datastoreItem xmlns:ds="http://schemas.openxmlformats.org/officeDocument/2006/customXml" ds:itemID="{52EB1464-66D1-425A-BBB5-7A9312BBE9C4}">
+  <ds:schemaRefs>
+    <ds:schemaRef ds:uri="http://schemas.microsoft.com/office/2006/metadata/properties"/>
+    <ds:schemaRef ds:uri="http://schemas.microsoft.com/office/infopath/2007/PartnerControls"/>
+  </ds:schemaRefs>
+</ds:datastoreItem>
 </file>